--- a/buzzni/figure.pptx
+++ b/buzzni/figure.pptx
@@ -5,8 +5,8 @@
     <p:sldMasterId id="2147483648" r:id="rId1"/>
   </p:sldMasterIdLst>
   <p:sldIdLst>
-    <p:sldId id="256" r:id="rId2"/>
-    <p:sldId id="257" r:id="rId3"/>
+    <p:sldId id="262" r:id="rId2"/>
+    <p:sldId id="263" r:id="rId3"/>
     <p:sldId id="258" r:id="rId4"/>
     <p:sldId id="259" r:id="rId5"/>
     <p:sldId id="260" r:id="rId6"/>
@@ -108,6 +108,11 @@
       </a:defRPr>
     </a:lvl9pPr>
   </p:defaultTextStyle>
+  <p:extLst>
+    <p:ext uri="{EFAFB233-063F-42B5-8137-9DF3F51BA10A}">
+      <p15:sldGuideLst xmlns:p15="http://schemas.microsoft.com/office/powerpoint/2012/main"/>
+    </p:ext>
+  </p:extLst>
 </p:presentation>
 </file>
 
@@ -258,7 +263,7 @@
           <a:p>
             <a:fld id="{54493143-F510-4B9A-88E4-6DC821DDA3FF}" type="datetimeFigureOut">
               <a:rPr lang="ko-KR" altLang="en-US" smtClean="0"/>
-              <a:t>2021-01-09</a:t>
+              <a:t>2021-01-14</a:t>
             </a:fld>
             <a:endParaRPr lang="ko-KR" altLang="en-US"/>
           </a:p>
@@ -456,7 +461,7 @@
           <a:p>
             <a:fld id="{54493143-F510-4B9A-88E4-6DC821DDA3FF}" type="datetimeFigureOut">
               <a:rPr lang="ko-KR" altLang="en-US" smtClean="0"/>
-              <a:t>2021-01-09</a:t>
+              <a:t>2021-01-14</a:t>
             </a:fld>
             <a:endParaRPr lang="ko-KR" altLang="en-US"/>
           </a:p>
@@ -664,7 +669,7 @@
           <a:p>
             <a:fld id="{54493143-F510-4B9A-88E4-6DC821DDA3FF}" type="datetimeFigureOut">
               <a:rPr lang="ko-KR" altLang="en-US" smtClean="0"/>
-              <a:t>2021-01-09</a:t>
+              <a:t>2021-01-14</a:t>
             </a:fld>
             <a:endParaRPr lang="ko-KR" altLang="en-US"/>
           </a:p>
@@ -862,7 +867,7 @@
           <a:p>
             <a:fld id="{54493143-F510-4B9A-88E4-6DC821DDA3FF}" type="datetimeFigureOut">
               <a:rPr lang="ko-KR" altLang="en-US" smtClean="0"/>
-              <a:t>2021-01-09</a:t>
+              <a:t>2021-01-14</a:t>
             </a:fld>
             <a:endParaRPr lang="ko-KR" altLang="en-US"/>
           </a:p>
@@ -1137,7 +1142,7 @@
           <a:p>
             <a:fld id="{54493143-F510-4B9A-88E4-6DC821DDA3FF}" type="datetimeFigureOut">
               <a:rPr lang="ko-KR" altLang="en-US" smtClean="0"/>
-              <a:t>2021-01-09</a:t>
+              <a:t>2021-01-14</a:t>
             </a:fld>
             <a:endParaRPr lang="ko-KR" altLang="en-US"/>
           </a:p>
@@ -1402,7 +1407,7 @@
           <a:p>
             <a:fld id="{54493143-F510-4B9A-88E4-6DC821DDA3FF}" type="datetimeFigureOut">
               <a:rPr lang="ko-KR" altLang="en-US" smtClean="0"/>
-              <a:t>2021-01-09</a:t>
+              <a:t>2021-01-14</a:t>
             </a:fld>
             <a:endParaRPr lang="ko-KR" altLang="en-US"/>
           </a:p>
@@ -1814,7 +1819,7 @@
           <a:p>
             <a:fld id="{54493143-F510-4B9A-88E4-6DC821DDA3FF}" type="datetimeFigureOut">
               <a:rPr lang="ko-KR" altLang="en-US" smtClean="0"/>
-              <a:t>2021-01-09</a:t>
+              <a:t>2021-01-14</a:t>
             </a:fld>
             <a:endParaRPr lang="ko-KR" altLang="en-US"/>
           </a:p>
@@ -1955,7 +1960,7 @@
           <a:p>
             <a:fld id="{54493143-F510-4B9A-88E4-6DC821DDA3FF}" type="datetimeFigureOut">
               <a:rPr lang="ko-KR" altLang="en-US" smtClean="0"/>
-              <a:t>2021-01-09</a:t>
+              <a:t>2021-01-14</a:t>
             </a:fld>
             <a:endParaRPr lang="ko-KR" altLang="en-US"/>
           </a:p>
@@ -2068,7 +2073,7 @@
           <a:p>
             <a:fld id="{54493143-F510-4B9A-88E4-6DC821DDA3FF}" type="datetimeFigureOut">
               <a:rPr lang="ko-KR" altLang="en-US" smtClean="0"/>
-              <a:t>2021-01-09</a:t>
+              <a:t>2021-01-14</a:t>
             </a:fld>
             <a:endParaRPr lang="ko-KR" altLang="en-US"/>
           </a:p>
@@ -2379,7 +2384,7 @@
           <a:p>
             <a:fld id="{54493143-F510-4B9A-88E4-6DC821DDA3FF}" type="datetimeFigureOut">
               <a:rPr lang="ko-KR" altLang="en-US" smtClean="0"/>
-              <a:t>2021-01-09</a:t>
+              <a:t>2021-01-14</a:t>
             </a:fld>
             <a:endParaRPr lang="ko-KR" altLang="en-US"/>
           </a:p>
@@ -2667,7 +2672,7 @@
           <a:p>
             <a:fld id="{54493143-F510-4B9A-88E4-6DC821DDA3FF}" type="datetimeFigureOut">
               <a:rPr lang="ko-KR" altLang="en-US" smtClean="0"/>
-              <a:t>2021-01-09</a:t>
+              <a:t>2021-01-14</a:t>
             </a:fld>
             <a:endParaRPr lang="ko-KR" altLang="en-US"/>
           </a:p>
@@ -2908,7 +2913,7 @@
           <a:p>
             <a:fld id="{54493143-F510-4B9A-88E4-6DC821DDA3FF}" type="datetimeFigureOut">
               <a:rPr lang="ko-KR" altLang="en-US" smtClean="0"/>
-              <a:t>2021-01-09</a:t>
+              <a:t>2021-01-14</a:t>
             </a:fld>
             <a:endParaRPr lang="ko-KR" altLang="en-US"/>
           </a:p>
@@ -3325,516 +3330,3881 @@
           <a:chExt cx="0" cy="0"/>
         </a:xfrm>
       </p:grpSpPr>
-      <p:sp>
-        <p:nvSpPr>
-          <p:cNvPr id="4" name="직사각형 3">
+      <p:grpSp>
+        <p:nvGrpSpPr>
+          <p:cNvPr id="14" name="그룹 13">
             <a:extLst>
               <a:ext uri="{FF2B5EF4-FFF2-40B4-BE49-F238E27FC236}">
-                <a16:creationId xmlns:a16="http://schemas.microsoft.com/office/drawing/2014/main" id="{59F00BFF-FACD-4801-BDC1-E8EA1D005665}"/>
+                <a16:creationId xmlns:a16="http://schemas.microsoft.com/office/drawing/2014/main" id="{39DCE84E-5999-45E3-BDAA-AD13929F35FF}"/>
               </a:ext>
             </a:extLst>
           </p:cNvPr>
-          <p:cNvSpPr/>
+          <p:cNvGrpSpPr/>
           <p:nvPr/>
-        </p:nvSpPr>
-        <p:spPr>
+        </p:nvGrpSpPr>
+        <p:grpSpPr>
           <a:xfrm>
-            <a:off x="4296833" y="890600"/>
-            <a:ext cx="3598333" cy="1303867"/>
+            <a:off x="169177" y="222979"/>
+            <a:ext cx="8630868" cy="5438745"/>
+            <a:chOff x="169177" y="222979"/>
+            <a:chExt cx="8630868" cy="5438745"/>
           </a:xfrm>
-          <a:prstGeom prst="rect">
-            <a:avLst/>
-          </a:prstGeom>
-        </p:spPr>
-        <p:style>
-          <a:lnRef idx="2">
-            <a:schemeClr val="accent1">
-              <a:shade val="50000"/>
-            </a:schemeClr>
-          </a:lnRef>
-          <a:fillRef idx="1">
-            <a:schemeClr val="accent1"/>
-          </a:fillRef>
-          <a:effectRef idx="0">
-            <a:schemeClr val="accent1"/>
-          </a:effectRef>
-          <a:fontRef idx="minor">
-            <a:schemeClr val="lt1"/>
-          </a:fontRef>
-        </p:style>
-        <p:txBody>
-          <a:bodyPr rtlCol="0" anchor="ctr"/>
-          <a:lstStyle/>
-          <a:p>
-            <a:pPr algn="ctr"/>
-            <a:endParaRPr lang="ko-KR" altLang="en-US" sz="1400">
-              <a:latin typeface="Times New Roman" panose="02020603050405020304" pitchFamily="18" charset="0"/>
-              <a:cs typeface="Times New Roman" panose="02020603050405020304" pitchFamily="18" charset="0"/>
-            </a:endParaRPr>
-          </a:p>
-        </p:txBody>
-      </p:sp>
-      <p:sp>
-        <p:nvSpPr>
-          <p:cNvPr id="5" name="TextBox 4">
-            <a:extLst>
-              <a:ext uri="{FF2B5EF4-FFF2-40B4-BE49-F238E27FC236}">
-                <a16:creationId xmlns:a16="http://schemas.microsoft.com/office/drawing/2014/main" id="{7140CD69-B5C0-4AF1-8AEF-42A93A23D00B}"/>
-              </a:ext>
-            </a:extLst>
-          </p:cNvPr>
-          <p:cNvSpPr txBox="1"/>
-          <p:nvPr/>
-        </p:nvSpPr>
-        <p:spPr>
-          <a:xfrm>
-            <a:off x="1652066" y="705934"/>
-            <a:ext cx="1119474" cy="307777"/>
-          </a:xfrm>
-          <a:prstGeom prst="rect">
-            <a:avLst/>
-          </a:prstGeom>
-          <a:noFill/>
-        </p:spPr>
-        <p:txBody>
-          <a:bodyPr wrap="none" rtlCol="0">
-            <a:spAutoFit/>
-          </a:bodyPr>
-          <a:lstStyle/>
-          <a:p>
-            <a:r>
-              <a:rPr lang="en-US" altLang="ko-KR" sz="1400" dirty="0">
-                <a:latin typeface="Times New Roman" panose="02020603050405020304" pitchFamily="18" charset="0"/>
-                <a:cs typeface="Times New Roman" panose="02020603050405020304" pitchFamily="18" charset="0"/>
-              </a:rPr>
-              <a:t>Hash(Token)</a:t>
-            </a:r>
-          </a:p>
-        </p:txBody>
-      </p:sp>
-      <p:sp>
-        <p:nvSpPr>
-          <p:cNvPr id="6" name="TextBox 5">
-            <a:extLst>
-              <a:ext uri="{FF2B5EF4-FFF2-40B4-BE49-F238E27FC236}">
-                <a16:creationId xmlns:a16="http://schemas.microsoft.com/office/drawing/2014/main" id="{9C1498A8-D64C-4AD8-8CBA-FB6D54EFA4D8}"/>
-              </a:ext>
-            </a:extLst>
-          </p:cNvPr>
-          <p:cNvSpPr txBox="1"/>
-          <p:nvPr/>
-        </p:nvSpPr>
-        <p:spPr>
-          <a:xfrm>
-            <a:off x="1757349" y="1256381"/>
-            <a:ext cx="966931" cy="307777"/>
-          </a:xfrm>
-          <a:prstGeom prst="rect">
-            <a:avLst/>
-          </a:prstGeom>
-          <a:noFill/>
-        </p:spPr>
-        <p:txBody>
-          <a:bodyPr wrap="none" rtlCol="0">
-            <a:spAutoFit/>
-          </a:bodyPr>
-          <a:lstStyle/>
-          <a:p>
-            <a:r>
-              <a:rPr lang="en-US" altLang="ko-KR" sz="1400" dirty="0">
-                <a:latin typeface="Times New Roman" panose="02020603050405020304" pitchFamily="18" charset="0"/>
-                <a:cs typeface="Times New Roman" panose="02020603050405020304" pitchFamily="18" charset="0"/>
-              </a:rPr>
-              <a:t>[ </a:t>
-            </a:r>
-            <a:r>
-              <a:rPr lang="en-US" altLang="ko-KR" sz="1400" dirty="0" err="1">
-                <a:latin typeface="Times New Roman" panose="02020603050405020304" pitchFamily="18" charset="0"/>
-                <a:cs typeface="Times New Roman" panose="02020603050405020304" pitchFamily="18" charset="0"/>
-              </a:rPr>
-              <a:t>a,b</a:t>
-            </a:r>
-            <a:r>
-              <a:rPr lang="en-US" altLang="ko-KR" sz="1400" dirty="0">
-                <a:latin typeface="Times New Roman" panose="02020603050405020304" pitchFamily="18" charset="0"/>
-                <a:cs typeface="Times New Roman" panose="02020603050405020304" pitchFamily="18" charset="0"/>
-              </a:rPr>
-              <a:t> … h ]</a:t>
-            </a:r>
-          </a:p>
-        </p:txBody>
-      </p:sp>
-      <p:sp>
-        <p:nvSpPr>
-          <p:cNvPr id="8" name="TextBox 7">
-            <a:extLst>
-              <a:ext uri="{FF2B5EF4-FFF2-40B4-BE49-F238E27FC236}">
-                <a16:creationId xmlns:a16="http://schemas.microsoft.com/office/drawing/2014/main" id="{0B6E68A9-FFB5-413D-B3C0-D0AECCC0576B}"/>
-              </a:ext>
-            </a:extLst>
-          </p:cNvPr>
-          <p:cNvSpPr txBox="1"/>
-          <p:nvPr/>
-        </p:nvSpPr>
-        <p:spPr>
-          <a:xfrm>
-            <a:off x="2053683" y="1785203"/>
-            <a:ext cx="484428" cy="307777"/>
-          </a:xfrm>
-          <a:prstGeom prst="rect">
-            <a:avLst/>
-          </a:prstGeom>
-          <a:noFill/>
-        </p:spPr>
-        <p:txBody>
-          <a:bodyPr wrap="none" rtlCol="0">
-            <a:spAutoFit/>
-          </a:bodyPr>
-          <a:lstStyle/>
-          <a:p>
-            <a:r>
-              <a:rPr lang="en-US" altLang="ko-KR" sz="1400" dirty="0">
-                <a:latin typeface="Times New Roman" panose="02020603050405020304" pitchFamily="18" charset="0"/>
-                <a:cs typeface="Times New Roman" panose="02020603050405020304" pitchFamily="18" charset="0"/>
-              </a:rPr>
-              <a:t>date</a:t>
-            </a:r>
-          </a:p>
-        </p:txBody>
-      </p:sp>
-      <p:sp>
-        <p:nvSpPr>
-          <p:cNvPr id="9" name="TextBox 8">
-            <a:extLst>
-              <a:ext uri="{FF2B5EF4-FFF2-40B4-BE49-F238E27FC236}">
-                <a16:creationId xmlns:a16="http://schemas.microsoft.com/office/drawing/2014/main" id="{740CC533-4719-4081-8736-5AD50F285AB5}"/>
-              </a:ext>
-            </a:extLst>
-          </p:cNvPr>
-          <p:cNvSpPr txBox="1"/>
-          <p:nvPr/>
-        </p:nvSpPr>
-        <p:spPr>
-          <a:xfrm>
-            <a:off x="9001134" y="1357867"/>
-            <a:ext cx="1699504" cy="307777"/>
-          </a:xfrm>
-          <a:prstGeom prst="rect">
-            <a:avLst/>
-          </a:prstGeom>
-          <a:noFill/>
-        </p:spPr>
-        <p:txBody>
-          <a:bodyPr wrap="none" rtlCol="0">
-            <a:spAutoFit/>
-          </a:bodyPr>
-          <a:lstStyle/>
-          <a:p>
-            <a:r>
-              <a:rPr lang="en-US" altLang="ko-KR" sz="1400" dirty="0">
-                <a:latin typeface="Times New Roman" panose="02020603050405020304" pitchFamily="18" charset="0"/>
-                <a:cs typeface="Times New Roman" panose="02020603050405020304" pitchFamily="18" charset="0"/>
-              </a:rPr>
-              <a:t>Y(Number of install)</a:t>
-            </a:r>
-          </a:p>
-        </p:txBody>
-      </p:sp>
-      <p:sp>
-        <p:nvSpPr>
-          <p:cNvPr id="10" name="직사각형 9">
-            <a:extLst>
-              <a:ext uri="{FF2B5EF4-FFF2-40B4-BE49-F238E27FC236}">
-                <a16:creationId xmlns:a16="http://schemas.microsoft.com/office/drawing/2014/main" id="{F0080B6C-F43A-43FA-95CA-7A092C19B4C1}"/>
-              </a:ext>
-            </a:extLst>
-          </p:cNvPr>
-          <p:cNvSpPr/>
-          <p:nvPr/>
-        </p:nvSpPr>
-        <p:spPr>
-          <a:xfrm>
-            <a:off x="4296833" y="4287798"/>
-            <a:ext cx="3598333" cy="1303867"/>
-          </a:xfrm>
-          <a:prstGeom prst="rect">
-            <a:avLst/>
-          </a:prstGeom>
-        </p:spPr>
-        <p:style>
-          <a:lnRef idx="2">
-            <a:schemeClr val="accent1">
-              <a:shade val="50000"/>
-            </a:schemeClr>
-          </a:lnRef>
-          <a:fillRef idx="1">
-            <a:schemeClr val="accent1"/>
-          </a:fillRef>
-          <a:effectRef idx="0">
-            <a:schemeClr val="accent1"/>
-          </a:effectRef>
-          <a:fontRef idx="minor">
-            <a:schemeClr val="lt1"/>
-          </a:fontRef>
-        </p:style>
-        <p:txBody>
-          <a:bodyPr rtlCol="0" anchor="ctr"/>
-          <a:lstStyle/>
-          <a:p>
-            <a:pPr algn="ctr"/>
-            <a:endParaRPr lang="ko-KR" altLang="en-US" sz="1400">
-              <a:latin typeface="Times New Roman" panose="02020603050405020304" pitchFamily="18" charset="0"/>
-              <a:cs typeface="Times New Roman" panose="02020603050405020304" pitchFamily="18" charset="0"/>
-            </a:endParaRPr>
-          </a:p>
-        </p:txBody>
-      </p:sp>
-      <p:sp>
-        <p:nvSpPr>
-          <p:cNvPr id="11" name="TextBox 10">
-            <a:extLst>
-              <a:ext uri="{FF2B5EF4-FFF2-40B4-BE49-F238E27FC236}">
-                <a16:creationId xmlns:a16="http://schemas.microsoft.com/office/drawing/2014/main" id="{A51F30E5-FA55-4C5D-B0B9-33940C958D23}"/>
-              </a:ext>
-            </a:extLst>
-          </p:cNvPr>
-          <p:cNvSpPr txBox="1"/>
-          <p:nvPr/>
-        </p:nvSpPr>
-        <p:spPr>
-          <a:xfrm>
-            <a:off x="1652066" y="3826934"/>
-            <a:ext cx="1119474" cy="307777"/>
-          </a:xfrm>
-          <a:prstGeom prst="rect">
-            <a:avLst/>
-          </a:prstGeom>
-          <a:noFill/>
-        </p:spPr>
-        <p:txBody>
-          <a:bodyPr wrap="none" rtlCol="0">
-            <a:spAutoFit/>
-          </a:bodyPr>
-          <a:lstStyle/>
-          <a:p>
-            <a:r>
-              <a:rPr lang="en-US" altLang="ko-KR" sz="1400" dirty="0">
-                <a:latin typeface="Times New Roman" panose="02020603050405020304" pitchFamily="18" charset="0"/>
-                <a:cs typeface="Times New Roman" panose="02020603050405020304" pitchFamily="18" charset="0"/>
-              </a:rPr>
-              <a:t>Hash(Token)</a:t>
-            </a:r>
-          </a:p>
-        </p:txBody>
-      </p:sp>
-      <p:sp>
-        <p:nvSpPr>
-          <p:cNvPr id="12" name="TextBox 11">
-            <a:extLst>
-              <a:ext uri="{FF2B5EF4-FFF2-40B4-BE49-F238E27FC236}">
-                <a16:creationId xmlns:a16="http://schemas.microsoft.com/office/drawing/2014/main" id="{D65BB56A-EED1-425B-A030-C41B42D398A5}"/>
-              </a:ext>
-            </a:extLst>
-          </p:cNvPr>
-          <p:cNvSpPr txBox="1"/>
-          <p:nvPr/>
-        </p:nvSpPr>
-        <p:spPr>
-          <a:xfrm>
-            <a:off x="1757349" y="4663533"/>
-            <a:ext cx="966931" cy="307777"/>
-          </a:xfrm>
-          <a:prstGeom prst="rect">
-            <a:avLst/>
-          </a:prstGeom>
-          <a:noFill/>
-        </p:spPr>
-        <p:txBody>
-          <a:bodyPr wrap="none" rtlCol="0">
-            <a:spAutoFit/>
-          </a:bodyPr>
-          <a:lstStyle/>
-          <a:p>
-            <a:r>
-              <a:rPr lang="en-US" altLang="ko-KR" sz="1400" dirty="0">
-                <a:latin typeface="Times New Roman" panose="02020603050405020304" pitchFamily="18" charset="0"/>
-                <a:cs typeface="Times New Roman" panose="02020603050405020304" pitchFamily="18" charset="0"/>
-              </a:rPr>
-              <a:t>[ </a:t>
-            </a:r>
-            <a:r>
-              <a:rPr lang="en-US" altLang="ko-KR" sz="1400" dirty="0" err="1">
-                <a:latin typeface="Times New Roman" panose="02020603050405020304" pitchFamily="18" charset="0"/>
-                <a:cs typeface="Times New Roman" panose="02020603050405020304" pitchFamily="18" charset="0"/>
-              </a:rPr>
-              <a:t>a,b</a:t>
-            </a:r>
-            <a:r>
-              <a:rPr lang="en-US" altLang="ko-KR" sz="1400" dirty="0">
-                <a:latin typeface="Times New Roman" panose="02020603050405020304" pitchFamily="18" charset="0"/>
-                <a:cs typeface="Times New Roman" panose="02020603050405020304" pitchFamily="18" charset="0"/>
-              </a:rPr>
-              <a:t> … h ]</a:t>
-            </a:r>
-          </a:p>
-        </p:txBody>
-      </p:sp>
-      <p:sp>
-        <p:nvSpPr>
-          <p:cNvPr id="13" name="TextBox 12">
-            <a:extLst>
-              <a:ext uri="{FF2B5EF4-FFF2-40B4-BE49-F238E27FC236}">
-                <a16:creationId xmlns:a16="http://schemas.microsoft.com/office/drawing/2014/main" id="{27BD3577-09DB-4FBC-B128-40BFAE515265}"/>
-              </a:ext>
-            </a:extLst>
-          </p:cNvPr>
-          <p:cNvSpPr txBox="1"/>
-          <p:nvPr/>
-        </p:nvSpPr>
-        <p:spPr>
-          <a:xfrm>
-            <a:off x="2053683" y="5406999"/>
-            <a:ext cx="484428" cy="307777"/>
-          </a:xfrm>
-          <a:prstGeom prst="rect">
-            <a:avLst/>
-          </a:prstGeom>
-          <a:noFill/>
-        </p:spPr>
-        <p:txBody>
-          <a:bodyPr wrap="none" rtlCol="0">
-            <a:spAutoFit/>
-          </a:bodyPr>
-          <a:lstStyle/>
-          <a:p>
-            <a:r>
-              <a:rPr lang="en-US" altLang="ko-KR" sz="1400" dirty="0">
-                <a:latin typeface="Times New Roman" panose="02020603050405020304" pitchFamily="18" charset="0"/>
-                <a:cs typeface="Times New Roman" panose="02020603050405020304" pitchFamily="18" charset="0"/>
-              </a:rPr>
-              <a:t>date</a:t>
-            </a:r>
-          </a:p>
-        </p:txBody>
-      </p:sp>
-      <p:sp>
-        <p:nvSpPr>
-          <p:cNvPr id="14" name="TextBox 13">
-            <a:extLst>
-              <a:ext uri="{FF2B5EF4-FFF2-40B4-BE49-F238E27FC236}">
-                <a16:creationId xmlns:a16="http://schemas.microsoft.com/office/drawing/2014/main" id="{70E0A347-9F50-45B7-865F-7F3D4F00DDF7}"/>
-              </a:ext>
-            </a:extLst>
-          </p:cNvPr>
-          <p:cNvSpPr txBox="1"/>
-          <p:nvPr/>
-        </p:nvSpPr>
-        <p:spPr>
-          <a:xfrm>
-            <a:off x="1558035" y="6111335"/>
-            <a:ext cx="1699504" cy="307777"/>
-          </a:xfrm>
-          <a:prstGeom prst="rect">
-            <a:avLst/>
-          </a:prstGeom>
-          <a:noFill/>
-        </p:spPr>
-        <p:txBody>
-          <a:bodyPr wrap="none" rtlCol="0">
-            <a:spAutoFit/>
-          </a:bodyPr>
-          <a:lstStyle/>
-          <a:p>
-            <a:r>
-              <a:rPr lang="en-US" altLang="ko-KR" sz="1400" dirty="0">
-                <a:latin typeface="Times New Roman" panose="02020603050405020304" pitchFamily="18" charset="0"/>
-                <a:cs typeface="Times New Roman" panose="02020603050405020304" pitchFamily="18" charset="0"/>
-              </a:rPr>
-              <a:t>Y(Number of install)</a:t>
-            </a:r>
-          </a:p>
-        </p:txBody>
-      </p:sp>
-      <p:sp>
-        <p:nvSpPr>
-          <p:cNvPr id="15" name="TextBox 14">
-            <a:extLst>
-              <a:ext uri="{FF2B5EF4-FFF2-40B4-BE49-F238E27FC236}">
-                <a16:creationId xmlns:a16="http://schemas.microsoft.com/office/drawing/2014/main" id="{6CBF50B3-7327-42DF-AB32-23DB8E8AD40A}"/>
-              </a:ext>
-            </a:extLst>
-          </p:cNvPr>
-          <p:cNvSpPr txBox="1"/>
-          <p:nvPr/>
-        </p:nvSpPr>
-        <p:spPr>
-          <a:xfrm>
-            <a:off x="9129385" y="4785842"/>
-            <a:ext cx="524503" cy="307777"/>
-          </a:xfrm>
-          <a:prstGeom prst="rect">
-            <a:avLst/>
-          </a:prstGeom>
-          <a:noFill/>
-        </p:spPr>
-        <p:txBody>
-          <a:bodyPr wrap="none" rtlCol="0">
-            <a:spAutoFit/>
-          </a:bodyPr>
-          <a:lstStyle/>
-          <a:p>
-            <a:r>
-              <a:rPr lang="en-US" altLang="ko-KR" sz="1400" dirty="0">
-                <a:latin typeface="Times New Roman" panose="02020603050405020304" pitchFamily="18" charset="0"/>
-                <a:cs typeface="Times New Roman" panose="02020603050405020304" pitchFamily="18" charset="0"/>
-              </a:rPr>
-              <a:t>Rule</a:t>
-            </a:r>
-          </a:p>
-        </p:txBody>
-      </p:sp>
-      <p:sp>
-        <p:nvSpPr>
-          <p:cNvPr id="16" name="TextBox 15">
-            <a:extLst>
-              <a:ext uri="{FF2B5EF4-FFF2-40B4-BE49-F238E27FC236}">
-                <a16:creationId xmlns:a16="http://schemas.microsoft.com/office/drawing/2014/main" id="{83B1ECC7-C6B6-41A8-B1FA-EFE810B992E3}"/>
-              </a:ext>
-            </a:extLst>
-          </p:cNvPr>
-          <p:cNvSpPr txBox="1"/>
-          <p:nvPr/>
-        </p:nvSpPr>
-        <p:spPr>
-          <a:xfrm>
-            <a:off x="2013608" y="2335650"/>
-            <a:ext cx="524503" cy="307777"/>
-          </a:xfrm>
-          <a:prstGeom prst="rect">
-            <a:avLst/>
-          </a:prstGeom>
-          <a:noFill/>
-        </p:spPr>
-        <p:txBody>
-          <a:bodyPr wrap="none" rtlCol="0">
-            <a:spAutoFit/>
-          </a:bodyPr>
-          <a:lstStyle/>
-          <a:p>
-            <a:r>
-              <a:rPr lang="en-US" altLang="ko-KR" sz="1400" dirty="0">
-                <a:latin typeface="Times New Roman" panose="02020603050405020304" pitchFamily="18" charset="0"/>
-                <a:cs typeface="Times New Roman" panose="02020603050405020304" pitchFamily="18" charset="0"/>
-              </a:rPr>
-              <a:t>Rule</a:t>
-            </a:r>
-          </a:p>
-        </p:txBody>
-      </p:sp>
+        </p:grpSpPr>
+        <p:graphicFrame>
+          <p:nvGraphicFramePr>
+            <p:cNvPr id="3" name="표 2">
+              <a:extLst>
+                <a:ext uri="{FF2B5EF4-FFF2-40B4-BE49-F238E27FC236}">
+                  <a16:creationId xmlns:a16="http://schemas.microsoft.com/office/drawing/2014/main" id="{E7189660-EF09-47CE-A722-C752F271197A}"/>
+                </a:ext>
+              </a:extLst>
+            </p:cNvPr>
+            <p:cNvGraphicFramePr/>
+            <p:nvPr>
+              <p:extLst>
+                <p:ext uri="{D42A27DB-BD31-4B8C-83A1-F6EECF244321}">
+                  <p14:modId xmlns:p14="http://schemas.microsoft.com/office/powerpoint/2010/main" val="3117098215"/>
+                </p:ext>
+              </p:extLst>
+            </p:nvPr>
+          </p:nvGraphicFramePr>
+          <p:xfrm>
+            <a:off x="169177" y="222979"/>
+            <a:ext cx="8630868" cy="4361973"/>
+          </p:xfrm>
+          <a:graphic>
+            <a:graphicData uri="http://schemas.openxmlformats.org/drawingml/2006/table">
+              <a:tbl>
+                <a:tblPr>
+                  <a:tableStyleId>{616DA210-FB5B-4158-B5E0-FEB733F419BA}</a:tableStyleId>
+                </a:tblPr>
+                <a:tblGrid>
+                  <a:gridCol w="719239">
+                    <a:extLst>
+                      <a:ext uri="{9D8B030D-6E8A-4147-A177-3AD203B41FA5}">
+                        <a16:colId xmlns:a16="http://schemas.microsoft.com/office/drawing/2014/main" val="1996874114"/>
+                      </a:ext>
+                    </a:extLst>
+                  </a:gridCol>
+                  <a:gridCol w="719239">
+                    <a:extLst>
+                      <a:ext uri="{9D8B030D-6E8A-4147-A177-3AD203B41FA5}">
+                        <a16:colId xmlns:a16="http://schemas.microsoft.com/office/drawing/2014/main" val="2019055281"/>
+                      </a:ext>
+                    </a:extLst>
+                  </a:gridCol>
+                  <a:gridCol w="719239">
+                    <a:extLst>
+                      <a:ext uri="{9D8B030D-6E8A-4147-A177-3AD203B41FA5}">
+                        <a16:colId xmlns:a16="http://schemas.microsoft.com/office/drawing/2014/main" val="1087262034"/>
+                      </a:ext>
+                    </a:extLst>
+                  </a:gridCol>
+                  <a:gridCol w="719239">
+                    <a:extLst>
+                      <a:ext uri="{9D8B030D-6E8A-4147-A177-3AD203B41FA5}">
+                        <a16:colId xmlns:a16="http://schemas.microsoft.com/office/drawing/2014/main" val="1800713244"/>
+                      </a:ext>
+                    </a:extLst>
+                  </a:gridCol>
+                  <a:gridCol w="719239">
+                    <a:extLst>
+                      <a:ext uri="{9D8B030D-6E8A-4147-A177-3AD203B41FA5}">
+                        <a16:colId xmlns:a16="http://schemas.microsoft.com/office/drawing/2014/main" val="4210499323"/>
+                      </a:ext>
+                    </a:extLst>
+                  </a:gridCol>
+                  <a:gridCol w="719239">
+                    <a:extLst>
+                      <a:ext uri="{9D8B030D-6E8A-4147-A177-3AD203B41FA5}">
+                        <a16:colId xmlns:a16="http://schemas.microsoft.com/office/drawing/2014/main" val="2770498669"/>
+                      </a:ext>
+                    </a:extLst>
+                  </a:gridCol>
+                  <a:gridCol w="719239">
+                    <a:extLst>
+                      <a:ext uri="{9D8B030D-6E8A-4147-A177-3AD203B41FA5}">
+                        <a16:colId xmlns:a16="http://schemas.microsoft.com/office/drawing/2014/main" val="2431768842"/>
+                      </a:ext>
+                    </a:extLst>
+                  </a:gridCol>
+                  <a:gridCol w="719239">
+                    <a:extLst>
+                      <a:ext uri="{9D8B030D-6E8A-4147-A177-3AD203B41FA5}">
+                        <a16:colId xmlns:a16="http://schemas.microsoft.com/office/drawing/2014/main" val="3541028320"/>
+                      </a:ext>
+                    </a:extLst>
+                  </a:gridCol>
+                  <a:gridCol w="719239">
+                    <a:extLst>
+                      <a:ext uri="{9D8B030D-6E8A-4147-A177-3AD203B41FA5}">
+                        <a16:colId xmlns:a16="http://schemas.microsoft.com/office/drawing/2014/main" val="3203289310"/>
+                      </a:ext>
+                    </a:extLst>
+                  </a:gridCol>
+                  <a:gridCol w="719239">
+                    <a:extLst>
+                      <a:ext uri="{9D8B030D-6E8A-4147-A177-3AD203B41FA5}">
+                        <a16:colId xmlns:a16="http://schemas.microsoft.com/office/drawing/2014/main" val="70462756"/>
+                      </a:ext>
+                    </a:extLst>
+                  </a:gridCol>
+                  <a:gridCol w="719239">
+                    <a:extLst>
+                      <a:ext uri="{9D8B030D-6E8A-4147-A177-3AD203B41FA5}">
+                        <a16:colId xmlns:a16="http://schemas.microsoft.com/office/drawing/2014/main" val="3337085961"/>
+                      </a:ext>
+                    </a:extLst>
+                  </a:gridCol>
+                  <a:gridCol w="719239">
+                    <a:extLst>
+                      <a:ext uri="{9D8B030D-6E8A-4147-A177-3AD203B41FA5}">
+                        <a16:colId xmlns:a16="http://schemas.microsoft.com/office/drawing/2014/main" val="2878034115"/>
+                      </a:ext>
+                    </a:extLst>
+                  </a:gridCol>
+                </a:tblGrid>
+                <a:tr h="124741">
+                  <a:tc>
+                    <a:txBody>
+                      <a:bodyPr/>
+                      <a:lstStyle/>
+                      <a:p>
+                        <a:pPr algn="ctr" fontAlgn="ctr">
+                          <a:spcBef>
+                            <a:spcPts val="0"/>
+                          </a:spcBef>
+                          <a:spcAft>
+                            <a:spcPts val="0"/>
+                          </a:spcAft>
+                        </a:pPr>
+                        <a:r>
+                          <a:rPr lang="en-US" sz="1800" u="none" strike="noStrike" dirty="0" err="1">
+                            <a:solidFill>
+                              <a:schemeClr val="bg1"/>
+                            </a:solidFill>
+                            <a:effectLst/>
+                            <a:latin typeface="Times New Roman" panose="02020603050405020304" pitchFamily="18" charset="0"/>
+                            <a:cs typeface="Times New Roman" panose="02020603050405020304" pitchFamily="18" charset="0"/>
+                          </a:rPr>
+                          <a:t>idx</a:t>
+                        </a:r>
+                        <a:endParaRPr lang="en-US" altLang="ko-KR" sz="1800" b="0" i="0" u="none" strike="noStrike" dirty="0">
+                          <a:solidFill>
+                            <a:schemeClr val="bg1"/>
+                          </a:solidFill>
+                          <a:effectLst/>
+                          <a:latin typeface="Times New Roman" panose="02020603050405020304" pitchFamily="18" charset="0"/>
+                          <a:cs typeface="Times New Roman" panose="02020603050405020304" pitchFamily="18" charset="0"/>
+                        </a:endParaRPr>
+                      </a:p>
+                    </a:txBody>
+                    <a:tcPr marL="5953" marR="5953" marT="5953" marB="0" anchor="ctr">
+                      <a:solidFill>
+                        <a:schemeClr val="tx1"/>
+                      </a:solidFill>
+                    </a:tcPr>
+                  </a:tc>
+                  <a:tc>
+                    <a:txBody>
+                      <a:bodyPr/>
+                      <a:lstStyle/>
+                      <a:p>
+                        <a:pPr algn="ctr" fontAlgn="ctr">
+                          <a:spcBef>
+                            <a:spcPts val="0"/>
+                          </a:spcBef>
+                          <a:spcAft>
+                            <a:spcPts val="0"/>
+                          </a:spcAft>
+                        </a:pPr>
+                        <a:r>
+                          <a:rPr lang="en-US" sz="1800" u="none" strike="noStrike" dirty="0">
+                            <a:solidFill>
+                              <a:schemeClr val="bg1"/>
+                            </a:solidFill>
+                            <a:effectLst/>
+                            <a:latin typeface="Times New Roman" panose="02020603050405020304" pitchFamily="18" charset="0"/>
+                            <a:cs typeface="Times New Roman" panose="02020603050405020304" pitchFamily="18" charset="0"/>
+                          </a:rPr>
+                          <a:t>date</a:t>
+                        </a:r>
+                        <a:endParaRPr lang="en-US" altLang="ko-KR" sz="1800" b="0" i="0" u="none" strike="noStrike" dirty="0">
+                          <a:solidFill>
+                            <a:schemeClr val="bg1"/>
+                          </a:solidFill>
+                          <a:effectLst/>
+                          <a:latin typeface="Times New Roman" panose="02020603050405020304" pitchFamily="18" charset="0"/>
+                          <a:cs typeface="Times New Roman" panose="02020603050405020304" pitchFamily="18" charset="0"/>
+                        </a:endParaRPr>
+                      </a:p>
+                    </a:txBody>
+                    <a:tcPr marL="5953" marR="5953" marT="5953" marB="0" anchor="ctr">
+                      <a:solidFill>
+                        <a:schemeClr val="tx1"/>
+                      </a:solidFill>
+                    </a:tcPr>
+                  </a:tc>
+                  <a:tc>
+                    <a:txBody>
+                      <a:bodyPr/>
+                      <a:lstStyle/>
+                      <a:p>
+                        <a:pPr algn="ctr" fontAlgn="ctr">
+                          <a:spcBef>
+                            <a:spcPts val="0"/>
+                          </a:spcBef>
+                          <a:spcAft>
+                            <a:spcPts val="0"/>
+                          </a:spcAft>
+                        </a:pPr>
+                        <a:r>
+                          <a:rPr lang="en-US" sz="1800" u="none" strike="noStrike" dirty="0">
+                            <a:solidFill>
+                              <a:schemeClr val="bg1"/>
+                            </a:solidFill>
+                            <a:effectLst/>
+                            <a:latin typeface="Times New Roman" panose="02020603050405020304" pitchFamily="18" charset="0"/>
+                            <a:cs typeface="Times New Roman" panose="02020603050405020304" pitchFamily="18" charset="0"/>
+                          </a:rPr>
+                          <a:t>hash</a:t>
+                        </a:r>
+                        <a:endParaRPr lang="en-US" altLang="ko-KR" sz="1800" b="0" i="0" u="none" strike="noStrike" dirty="0">
+                          <a:solidFill>
+                            <a:schemeClr val="bg1"/>
+                          </a:solidFill>
+                          <a:effectLst/>
+                          <a:latin typeface="Times New Roman" panose="02020603050405020304" pitchFamily="18" charset="0"/>
+                          <a:cs typeface="Times New Roman" panose="02020603050405020304" pitchFamily="18" charset="0"/>
+                        </a:endParaRPr>
+                      </a:p>
+                    </a:txBody>
+                    <a:tcPr marL="5953" marR="5953" marT="5953" marB="0" anchor="ctr">
+                      <a:solidFill>
+                        <a:schemeClr val="tx1"/>
+                      </a:solidFill>
+                    </a:tcPr>
+                  </a:tc>
+                  <a:tc>
+                    <a:txBody>
+                      <a:bodyPr/>
+                      <a:lstStyle/>
+                      <a:p>
+                        <a:pPr algn="ctr" fontAlgn="ctr">
+                          <a:spcBef>
+                            <a:spcPts val="0"/>
+                          </a:spcBef>
+                          <a:spcAft>
+                            <a:spcPts val="0"/>
+                          </a:spcAft>
+                        </a:pPr>
+                        <a:r>
+                          <a:rPr lang="en-US" sz="1800" u="none" strike="noStrike" dirty="0">
+                            <a:solidFill>
+                              <a:schemeClr val="bg1"/>
+                            </a:solidFill>
+                            <a:effectLst/>
+                            <a:latin typeface="Times New Roman" panose="02020603050405020304" pitchFamily="18" charset="0"/>
+                            <a:cs typeface="Times New Roman" panose="02020603050405020304" pitchFamily="18" charset="0"/>
+                          </a:rPr>
+                          <a:t>a</a:t>
+                        </a:r>
+                        <a:endParaRPr lang="en-US" altLang="ko-KR" sz="1800" b="0" i="0" u="none" strike="noStrike" dirty="0">
+                          <a:solidFill>
+                            <a:schemeClr val="bg1"/>
+                          </a:solidFill>
+                          <a:effectLst/>
+                          <a:latin typeface="Times New Roman" panose="02020603050405020304" pitchFamily="18" charset="0"/>
+                          <a:cs typeface="Times New Roman" panose="02020603050405020304" pitchFamily="18" charset="0"/>
+                        </a:endParaRPr>
+                      </a:p>
+                    </a:txBody>
+                    <a:tcPr marL="5953" marR="5953" marT="5953" marB="0" anchor="ctr">
+                      <a:solidFill>
+                        <a:schemeClr val="tx1"/>
+                      </a:solidFill>
+                    </a:tcPr>
+                  </a:tc>
+                  <a:tc>
+                    <a:txBody>
+                      <a:bodyPr/>
+                      <a:lstStyle/>
+                      <a:p>
+                        <a:pPr algn="ctr" fontAlgn="ctr">
+                          <a:spcBef>
+                            <a:spcPts val="0"/>
+                          </a:spcBef>
+                          <a:spcAft>
+                            <a:spcPts val="0"/>
+                          </a:spcAft>
+                        </a:pPr>
+                        <a:r>
+                          <a:rPr lang="en-US" sz="1800" u="none" strike="noStrike" dirty="0">
+                            <a:solidFill>
+                              <a:schemeClr val="bg1"/>
+                            </a:solidFill>
+                            <a:effectLst/>
+                            <a:latin typeface="Times New Roman" panose="02020603050405020304" pitchFamily="18" charset="0"/>
+                            <a:cs typeface="Times New Roman" panose="02020603050405020304" pitchFamily="18" charset="0"/>
+                          </a:rPr>
+                          <a:t>b</a:t>
+                        </a:r>
+                        <a:endParaRPr lang="en-US" altLang="ko-KR" sz="1800" b="0" i="0" u="none" strike="noStrike" dirty="0">
+                          <a:solidFill>
+                            <a:schemeClr val="bg1"/>
+                          </a:solidFill>
+                          <a:effectLst/>
+                          <a:latin typeface="Times New Roman" panose="02020603050405020304" pitchFamily="18" charset="0"/>
+                          <a:cs typeface="Times New Roman" panose="02020603050405020304" pitchFamily="18" charset="0"/>
+                        </a:endParaRPr>
+                      </a:p>
+                    </a:txBody>
+                    <a:tcPr marL="5953" marR="5953" marT="5953" marB="0" anchor="ctr">
+                      <a:solidFill>
+                        <a:schemeClr val="tx1"/>
+                      </a:solidFill>
+                    </a:tcPr>
+                  </a:tc>
+                  <a:tc>
+                    <a:txBody>
+                      <a:bodyPr/>
+                      <a:lstStyle/>
+                      <a:p>
+                        <a:pPr algn="ctr" fontAlgn="ctr">
+                          <a:spcBef>
+                            <a:spcPts val="0"/>
+                          </a:spcBef>
+                          <a:spcAft>
+                            <a:spcPts val="0"/>
+                          </a:spcAft>
+                        </a:pPr>
+                        <a:r>
+                          <a:rPr lang="en-US" sz="1800" u="none" strike="noStrike" dirty="0">
+                            <a:solidFill>
+                              <a:schemeClr val="bg1"/>
+                            </a:solidFill>
+                            <a:effectLst/>
+                            <a:latin typeface="Times New Roman" panose="02020603050405020304" pitchFamily="18" charset="0"/>
+                            <a:cs typeface="Times New Roman" panose="02020603050405020304" pitchFamily="18" charset="0"/>
+                          </a:rPr>
+                          <a:t>c</a:t>
+                        </a:r>
+                        <a:endParaRPr lang="en-US" altLang="ko-KR" sz="1800" b="0" i="0" u="none" strike="noStrike" dirty="0">
+                          <a:solidFill>
+                            <a:schemeClr val="bg1"/>
+                          </a:solidFill>
+                          <a:effectLst/>
+                          <a:latin typeface="Times New Roman" panose="02020603050405020304" pitchFamily="18" charset="0"/>
+                          <a:cs typeface="Times New Roman" panose="02020603050405020304" pitchFamily="18" charset="0"/>
+                        </a:endParaRPr>
+                      </a:p>
+                    </a:txBody>
+                    <a:tcPr marL="5953" marR="5953" marT="5953" marB="0" anchor="ctr">
+                      <a:solidFill>
+                        <a:schemeClr val="tx1"/>
+                      </a:solidFill>
+                    </a:tcPr>
+                  </a:tc>
+                  <a:tc>
+                    <a:txBody>
+                      <a:bodyPr/>
+                      <a:lstStyle/>
+                      <a:p>
+                        <a:pPr algn="ctr" fontAlgn="ctr">
+                          <a:spcBef>
+                            <a:spcPts val="0"/>
+                          </a:spcBef>
+                          <a:spcAft>
+                            <a:spcPts val="0"/>
+                          </a:spcAft>
+                        </a:pPr>
+                        <a:r>
+                          <a:rPr lang="en-US" sz="1800" u="none" strike="noStrike" dirty="0">
+                            <a:solidFill>
+                              <a:schemeClr val="bg1"/>
+                            </a:solidFill>
+                            <a:effectLst/>
+                            <a:latin typeface="Times New Roman" panose="02020603050405020304" pitchFamily="18" charset="0"/>
+                            <a:cs typeface="Times New Roman" panose="02020603050405020304" pitchFamily="18" charset="0"/>
+                          </a:rPr>
+                          <a:t>d</a:t>
+                        </a:r>
+                        <a:endParaRPr lang="en-US" altLang="ko-KR" sz="1800" b="0" i="0" u="none" strike="noStrike" dirty="0">
+                          <a:solidFill>
+                            <a:schemeClr val="bg1"/>
+                          </a:solidFill>
+                          <a:effectLst/>
+                          <a:latin typeface="Times New Roman" panose="02020603050405020304" pitchFamily="18" charset="0"/>
+                          <a:cs typeface="Times New Roman" panose="02020603050405020304" pitchFamily="18" charset="0"/>
+                        </a:endParaRPr>
+                      </a:p>
+                    </a:txBody>
+                    <a:tcPr marL="5953" marR="5953" marT="5953" marB="0" anchor="ctr">
+                      <a:solidFill>
+                        <a:schemeClr val="tx1"/>
+                      </a:solidFill>
+                    </a:tcPr>
+                  </a:tc>
+                  <a:tc>
+                    <a:txBody>
+                      <a:bodyPr/>
+                      <a:lstStyle/>
+                      <a:p>
+                        <a:pPr algn="ctr" fontAlgn="ctr">
+                          <a:spcBef>
+                            <a:spcPts val="0"/>
+                          </a:spcBef>
+                          <a:spcAft>
+                            <a:spcPts val="0"/>
+                          </a:spcAft>
+                        </a:pPr>
+                        <a:r>
+                          <a:rPr lang="en-US" sz="1800" u="none" strike="noStrike" dirty="0">
+                            <a:solidFill>
+                              <a:schemeClr val="bg1"/>
+                            </a:solidFill>
+                            <a:effectLst/>
+                            <a:latin typeface="Times New Roman" panose="02020603050405020304" pitchFamily="18" charset="0"/>
+                            <a:cs typeface="Times New Roman" panose="02020603050405020304" pitchFamily="18" charset="0"/>
+                          </a:rPr>
+                          <a:t>e</a:t>
+                        </a:r>
+                        <a:endParaRPr lang="en-US" altLang="ko-KR" sz="1800" b="0" i="0" u="none" strike="noStrike" dirty="0">
+                          <a:solidFill>
+                            <a:schemeClr val="bg1"/>
+                          </a:solidFill>
+                          <a:effectLst/>
+                          <a:latin typeface="Times New Roman" panose="02020603050405020304" pitchFamily="18" charset="0"/>
+                          <a:cs typeface="Times New Roman" panose="02020603050405020304" pitchFamily="18" charset="0"/>
+                        </a:endParaRPr>
+                      </a:p>
+                    </a:txBody>
+                    <a:tcPr marL="5953" marR="5953" marT="5953" marB="0" anchor="ctr">
+                      <a:solidFill>
+                        <a:schemeClr val="tx1"/>
+                      </a:solidFill>
+                    </a:tcPr>
+                  </a:tc>
+                  <a:tc>
+                    <a:txBody>
+                      <a:bodyPr/>
+                      <a:lstStyle/>
+                      <a:p>
+                        <a:pPr algn="ctr" fontAlgn="ctr">
+                          <a:spcBef>
+                            <a:spcPts val="0"/>
+                          </a:spcBef>
+                          <a:spcAft>
+                            <a:spcPts val="0"/>
+                          </a:spcAft>
+                        </a:pPr>
+                        <a:r>
+                          <a:rPr lang="en-US" sz="1800" u="none" strike="noStrike" dirty="0">
+                            <a:solidFill>
+                              <a:schemeClr val="bg1"/>
+                            </a:solidFill>
+                            <a:effectLst/>
+                            <a:latin typeface="Times New Roman" panose="02020603050405020304" pitchFamily="18" charset="0"/>
+                            <a:cs typeface="Times New Roman" panose="02020603050405020304" pitchFamily="18" charset="0"/>
+                          </a:rPr>
+                          <a:t>f</a:t>
+                        </a:r>
+                        <a:endParaRPr lang="en-US" altLang="ko-KR" sz="1800" b="0" i="0" u="none" strike="noStrike" dirty="0">
+                          <a:solidFill>
+                            <a:schemeClr val="bg1"/>
+                          </a:solidFill>
+                          <a:effectLst/>
+                          <a:latin typeface="Times New Roman" panose="02020603050405020304" pitchFamily="18" charset="0"/>
+                          <a:cs typeface="Times New Roman" panose="02020603050405020304" pitchFamily="18" charset="0"/>
+                        </a:endParaRPr>
+                      </a:p>
+                    </a:txBody>
+                    <a:tcPr marL="5953" marR="5953" marT="5953" marB="0" anchor="ctr">
+                      <a:solidFill>
+                        <a:schemeClr val="tx1"/>
+                      </a:solidFill>
+                    </a:tcPr>
+                  </a:tc>
+                  <a:tc>
+                    <a:txBody>
+                      <a:bodyPr/>
+                      <a:lstStyle/>
+                      <a:p>
+                        <a:pPr algn="ctr" fontAlgn="ctr">
+                          <a:spcBef>
+                            <a:spcPts val="0"/>
+                          </a:spcBef>
+                          <a:spcAft>
+                            <a:spcPts val="0"/>
+                          </a:spcAft>
+                        </a:pPr>
+                        <a:r>
+                          <a:rPr lang="en-US" sz="1800" u="none" strike="noStrike" dirty="0">
+                            <a:solidFill>
+                              <a:schemeClr val="bg1"/>
+                            </a:solidFill>
+                            <a:effectLst/>
+                            <a:latin typeface="Times New Roman" panose="02020603050405020304" pitchFamily="18" charset="0"/>
+                            <a:cs typeface="Times New Roman" panose="02020603050405020304" pitchFamily="18" charset="0"/>
+                          </a:rPr>
+                          <a:t>g</a:t>
+                        </a:r>
+                        <a:endParaRPr lang="en-US" altLang="ko-KR" sz="1800" b="0" i="0" u="none" strike="noStrike" dirty="0">
+                          <a:solidFill>
+                            <a:schemeClr val="bg1"/>
+                          </a:solidFill>
+                          <a:effectLst/>
+                          <a:latin typeface="Times New Roman" panose="02020603050405020304" pitchFamily="18" charset="0"/>
+                          <a:cs typeface="Times New Roman" panose="02020603050405020304" pitchFamily="18" charset="0"/>
+                        </a:endParaRPr>
+                      </a:p>
+                    </a:txBody>
+                    <a:tcPr marL="5953" marR="5953" marT="5953" marB="0" anchor="ctr">
+                      <a:solidFill>
+                        <a:schemeClr val="tx1"/>
+                      </a:solidFill>
+                    </a:tcPr>
+                  </a:tc>
+                  <a:tc>
+                    <a:txBody>
+                      <a:bodyPr/>
+                      <a:lstStyle/>
+                      <a:p>
+                        <a:pPr algn="ctr" fontAlgn="ctr">
+                          <a:spcBef>
+                            <a:spcPts val="0"/>
+                          </a:spcBef>
+                          <a:spcAft>
+                            <a:spcPts val="0"/>
+                          </a:spcAft>
+                        </a:pPr>
+                        <a:r>
+                          <a:rPr lang="en-US" sz="1800" u="none" strike="noStrike" dirty="0">
+                            <a:solidFill>
+                              <a:schemeClr val="bg1"/>
+                            </a:solidFill>
+                            <a:effectLst/>
+                            <a:latin typeface="Times New Roman" panose="02020603050405020304" pitchFamily="18" charset="0"/>
+                            <a:cs typeface="Times New Roman" panose="02020603050405020304" pitchFamily="18" charset="0"/>
+                          </a:rPr>
+                          <a:t>h</a:t>
+                        </a:r>
+                        <a:endParaRPr lang="en-US" altLang="ko-KR" sz="1800" b="0" i="0" u="none" strike="noStrike" dirty="0">
+                          <a:solidFill>
+                            <a:schemeClr val="bg1"/>
+                          </a:solidFill>
+                          <a:effectLst/>
+                          <a:latin typeface="Times New Roman" panose="02020603050405020304" pitchFamily="18" charset="0"/>
+                          <a:cs typeface="Times New Roman" panose="02020603050405020304" pitchFamily="18" charset="0"/>
+                        </a:endParaRPr>
+                      </a:p>
+                    </a:txBody>
+                    <a:tcPr marL="5953" marR="5953" marT="5953" marB="0" anchor="ctr">
+                      <a:solidFill>
+                        <a:schemeClr val="tx1"/>
+                      </a:solidFill>
+                    </a:tcPr>
+                  </a:tc>
+                  <a:tc>
+                    <a:txBody>
+                      <a:bodyPr/>
+                      <a:lstStyle/>
+                      <a:p>
+                        <a:pPr algn="ctr" fontAlgn="ctr">
+                          <a:spcBef>
+                            <a:spcPts val="0"/>
+                          </a:spcBef>
+                          <a:spcAft>
+                            <a:spcPts val="0"/>
+                          </a:spcAft>
+                        </a:pPr>
+                        <a:r>
+                          <a:rPr lang="en-US" sz="1800" u="none" strike="noStrike" dirty="0">
+                            <a:solidFill>
+                              <a:schemeClr val="bg1"/>
+                            </a:solidFill>
+                            <a:effectLst/>
+                            <a:latin typeface="Times New Roman" panose="02020603050405020304" pitchFamily="18" charset="0"/>
+                            <a:cs typeface="Times New Roman" panose="02020603050405020304" pitchFamily="18" charset="0"/>
+                          </a:rPr>
+                          <a:t>Y</a:t>
+                        </a:r>
+                        <a:endParaRPr lang="en-US" altLang="ko-KR" sz="1800" b="0" i="0" u="none" strike="noStrike" dirty="0">
+                          <a:solidFill>
+                            <a:schemeClr val="bg1"/>
+                          </a:solidFill>
+                          <a:effectLst/>
+                          <a:latin typeface="Times New Roman" panose="02020603050405020304" pitchFamily="18" charset="0"/>
+                          <a:cs typeface="Times New Roman" panose="02020603050405020304" pitchFamily="18" charset="0"/>
+                        </a:endParaRPr>
+                      </a:p>
+                    </a:txBody>
+                    <a:tcPr marL="5953" marR="5953" marT="5953" marB="0" anchor="ctr">
+                      <a:solidFill>
+                        <a:schemeClr val="tx1"/>
+                      </a:solidFill>
+                    </a:tcPr>
+                  </a:tc>
+                  <a:extLst>
+                    <a:ext uri="{0D108BD9-81ED-4DB2-BD59-A6C34878D82A}">
+                      <a16:rowId xmlns:a16="http://schemas.microsoft.com/office/drawing/2014/main" val="2124253999"/>
+                    </a:ext>
+                  </a:extLst>
+                </a:tr>
+                <a:tr h="226484">
+                  <a:tc>
+                    <a:txBody>
+                      <a:bodyPr/>
+                      <a:lstStyle/>
+                      <a:p>
+                        <a:pPr algn="ctr" fontAlgn="ctr">
+                          <a:spcBef>
+                            <a:spcPts val="0"/>
+                          </a:spcBef>
+                          <a:spcAft>
+                            <a:spcPts val="0"/>
+                          </a:spcAft>
+                        </a:pPr>
+                        <a:r>
+                          <a:rPr lang="en-US" sz="1100" u="none" strike="noStrike" dirty="0">
+                            <a:effectLst/>
+                            <a:latin typeface="Times New Roman" panose="02020603050405020304" pitchFamily="18" charset="0"/>
+                            <a:cs typeface="Times New Roman" panose="02020603050405020304" pitchFamily="18" charset="0"/>
+                          </a:rPr>
+                          <a:t>0</a:t>
+                        </a:r>
+                        <a:endParaRPr lang="en-US" altLang="ko-KR" sz="1100" b="0" i="0" u="none" strike="noStrike" dirty="0">
+                          <a:effectLst/>
+                          <a:latin typeface="Times New Roman" panose="02020603050405020304" pitchFamily="18" charset="0"/>
+                          <a:cs typeface="Times New Roman" panose="02020603050405020304" pitchFamily="18" charset="0"/>
+                        </a:endParaRPr>
+                      </a:p>
+                    </a:txBody>
+                    <a:tcPr marL="5953" marR="5953" marT="5953" marB="0" anchor="ctr"/>
+                  </a:tc>
+                  <a:tc>
+                    <a:txBody>
+                      <a:bodyPr/>
+                      <a:lstStyle/>
+                      <a:p>
+                        <a:pPr algn="ctr" fontAlgn="ctr">
+                          <a:spcBef>
+                            <a:spcPts val="0"/>
+                          </a:spcBef>
+                          <a:spcAft>
+                            <a:spcPts val="0"/>
+                          </a:spcAft>
+                        </a:pPr>
+                        <a:r>
+                          <a:rPr lang="en-US" sz="1100" u="none" strike="noStrike" dirty="0">
+                            <a:effectLst/>
+                            <a:latin typeface="Times New Roman" panose="02020603050405020304" pitchFamily="18" charset="0"/>
+                            <a:cs typeface="Times New Roman" panose="02020603050405020304" pitchFamily="18" charset="0"/>
+                          </a:rPr>
+                          <a:t>20190701</a:t>
+                        </a:r>
+                        <a:endParaRPr lang="en-US" altLang="ko-KR" sz="1100" b="0" i="0" u="none" strike="noStrike" dirty="0">
+                          <a:effectLst/>
+                          <a:latin typeface="Times New Roman" panose="02020603050405020304" pitchFamily="18" charset="0"/>
+                          <a:cs typeface="Times New Roman" panose="02020603050405020304" pitchFamily="18" charset="0"/>
+                        </a:endParaRPr>
+                      </a:p>
+                    </a:txBody>
+                    <a:tcPr marL="5953" marR="5953" marT="5953" marB="0" anchor="ctr"/>
+                  </a:tc>
+                  <a:tc>
+                    <a:txBody>
+                      <a:bodyPr/>
+                      <a:lstStyle/>
+                      <a:p>
+                        <a:pPr algn="ctr" fontAlgn="ctr">
+                          <a:spcBef>
+                            <a:spcPts val="0"/>
+                          </a:spcBef>
+                          <a:spcAft>
+                            <a:spcPts val="0"/>
+                          </a:spcAft>
+                        </a:pPr>
+                        <a:r>
+                          <a:rPr lang="en-US" sz="1100" u="none" strike="noStrike" dirty="0">
+                            <a:effectLst/>
+                            <a:latin typeface="Times New Roman" panose="02020603050405020304" pitchFamily="18" charset="0"/>
+                            <a:cs typeface="Times New Roman" panose="02020603050405020304" pitchFamily="18" charset="0"/>
+                          </a:rPr>
+                          <a:t>716adcd0325d3422673e820e…</a:t>
+                        </a:r>
+                        <a:endParaRPr lang="en-US" altLang="ko-KR" sz="1100" b="0" i="0" u="none" strike="noStrike" dirty="0">
+                          <a:effectLst/>
+                          <a:latin typeface="Times New Roman" panose="02020603050405020304" pitchFamily="18" charset="0"/>
+                          <a:cs typeface="Times New Roman" panose="02020603050405020304" pitchFamily="18" charset="0"/>
+                        </a:endParaRPr>
+                      </a:p>
+                    </a:txBody>
+                    <a:tcPr marL="5953" marR="5953" marT="5953" marB="0" anchor="ctr"/>
+                  </a:tc>
+                  <a:tc>
+                    <a:txBody>
+                      <a:bodyPr/>
+                      <a:lstStyle/>
+                      <a:p>
+                        <a:pPr algn="ctr" fontAlgn="ctr">
+                          <a:spcBef>
+                            <a:spcPts val="0"/>
+                          </a:spcBef>
+                          <a:spcAft>
+                            <a:spcPts val="0"/>
+                          </a:spcAft>
+                        </a:pPr>
+                        <a:r>
+                          <a:rPr lang="en-US" sz="1100" u="none" strike="noStrike" dirty="0">
+                            <a:effectLst/>
+                            <a:latin typeface="Times New Roman" panose="02020603050405020304" pitchFamily="18" charset="0"/>
+                            <a:cs typeface="Times New Roman" panose="02020603050405020304" pitchFamily="18" charset="0"/>
+                          </a:rPr>
+                          <a:t>101</a:t>
+                        </a:r>
+                        <a:endParaRPr lang="en-US" altLang="ko-KR" sz="1100" b="0" i="0" u="none" strike="noStrike" dirty="0">
+                          <a:effectLst/>
+                          <a:latin typeface="Times New Roman" panose="02020603050405020304" pitchFamily="18" charset="0"/>
+                          <a:cs typeface="Times New Roman" panose="02020603050405020304" pitchFamily="18" charset="0"/>
+                        </a:endParaRPr>
+                      </a:p>
+                    </a:txBody>
+                    <a:tcPr marL="5953" marR="5953" marT="5953" marB="0" anchor="ctr"/>
+                  </a:tc>
+                  <a:tc>
+                    <a:txBody>
+                      <a:bodyPr/>
+                      <a:lstStyle/>
+                      <a:p>
+                        <a:pPr algn="ctr" fontAlgn="ctr">
+                          <a:spcBef>
+                            <a:spcPts val="0"/>
+                          </a:spcBef>
+                          <a:spcAft>
+                            <a:spcPts val="0"/>
+                          </a:spcAft>
+                        </a:pPr>
+                        <a:r>
+                          <a:rPr lang="en-US" sz="1100" u="none" strike="noStrike" dirty="0">
+                            <a:effectLst/>
+                            <a:latin typeface="Times New Roman" panose="02020603050405020304" pitchFamily="18" charset="0"/>
+                            <a:cs typeface="Times New Roman" panose="02020603050405020304" pitchFamily="18" charset="0"/>
+                          </a:rPr>
+                          <a:t>2</a:t>
+                        </a:r>
+                        <a:endParaRPr lang="en-US" altLang="ko-KR" sz="1100" b="0" i="0" u="none" strike="noStrike" dirty="0">
+                          <a:effectLst/>
+                          <a:latin typeface="Times New Roman" panose="02020603050405020304" pitchFamily="18" charset="0"/>
+                          <a:cs typeface="Times New Roman" panose="02020603050405020304" pitchFamily="18" charset="0"/>
+                        </a:endParaRPr>
+                      </a:p>
+                    </a:txBody>
+                    <a:tcPr marL="5953" marR="5953" marT="5953" marB="0" anchor="ctr"/>
+                  </a:tc>
+                  <a:tc>
+                    <a:txBody>
+                      <a:bodyPr/>
+                      <a:lstStyle/>
+                      <a:p>
+                        <a:pPr algn="ctr" fontAlgn="ctr">
+                          <a:spcBef>
+                            <a:spcPts val="0"/>
+                          </a:spcBef>
+                          <a:spcAft>
+                            <a:spcPts val="0"/>
+                          </a:spcAft>
+                        </a:pPr>
+                        <a:r>
+                          <a:rPr lang="en-US" sz="1100" u="none" strike="noStrike">
+                            <a:effectLst/>
+                            <a:latin typeface="Times New Roman" panose="02020603050405020304" pitchFamily="18" charset="0"/>
+                            <a:cs typeface="Times New Roman" panose="02020603050405020304" pitchFamily="18" charset="0"/>
+                          </a:rPr>
+                          <a:t>88</a:t>
+                        </a:r>
+                        <a:endParaRPr lang="en-US" altLang="ko-KR" sz="1100" b="0" i="0" u="none" strike="noStrike">
+                          <a:effectLst/>
+                          <a:latin typeface="Times New Roman" panose="02020603050405020304" pitchFamily="18" charset="0"/>
+                          <a:cs typeface="Times New Roman" panose="02020603050405020304" pitchFamily="18" charset="0"/>
+                        </a:endParaRPr>
+                      </a:p>
+                    </a:txBody>
+                    <a:tcPr marL="5953" marR="5953" marT="5953" marB="0" anchor="ctr"/>
+                  </a:tc>
+                  <a:tc>
+                    <a:txBody>
+                      <a:bodyPr/>
+                      <a:lstStyle/>
+                      <a:p>
+                        <a:pPr algn="ctr" fontAlgn="ctr">
+                          <a:spcBef>
+                            <a:spcPts val="0"/>
+                          </a:spcBef>
+                          <a:spcAft>
+                            <a:spcPts val="0"/>
+                          </a:spcAft>
+                        </a:pPr>
+                        <a:r>
+                          <a:rPr lang="en-US" sz="1100" u="none" strike="noStrike">
+                            <a:effectLst/>
+                            <a:latin typeface="Times New Roman" panose="02020603050405020304" pitchFamily="18" charset="0"/>
+                            <a:cs typeface="Times New Roman" panose="02020603050405020304" pitchFamily="18" charset="0"/>
+                          </a:rPr>
+                          <a:t>176</a:t>
+                        </a:r>
+                        <a:endParaRPr lang="en-US" altLang="ko-KR" sz="1100" b="0" i="0" u="none" strike="noStrike">
+                          <a:effectLst/>
+                          <a:latin typeface="Times New Roman" panose="02020603050405020304" pitchFamily="18" charset="0"/>
+                          <a:cs typeface="Times New Roman" panose="02020603050405020304" pitchFamily="18" charset="0"/>
+                        </a:endParaRPr>
+                      </a:p>
+                    </a:txBody>
+                    <a:tcPr marL="5953" marR="5953" marT="5953" marB="0" anchor="ctr"/>
+                  </a:tc>
+                  <a:tc>
+                    <a:txBody>
+                      <a:bodyPr/>
+                      <a:lstStyle/>
+                      <a:p>
+                        <a:pPr algn="ctr" fontAlgn="ctr">
+                          <a:spcBef>
+                            <a:spcPts val="0"/>
+                          </a:spcBef>
+                          <a:spcAft>
+                            <a:spcPts val="0"/>
+                          </a:spcAft>
+                        </a:pPr>
+                        <a:r>
+                          <a:rPr lang="en-US" sz="1100" u="none" strike="noStrike">
+                            <a:effectLst/>
+                            <a:latin typeface="Times New Roman" panose="02020603050405020304" pitchFamily="18" charset="0"/>
+                            <a:cs typeface="Times New Roman" panose="02020603050405020304" pitchFamily="18" charset="0"/>
+                          </a:rPr>
+                          <a:t>2</a:t>
+                        </a:r>
+                        <a:endParaRPr lang="en-US" altLang="ko-KR" sz="1100" b="0" i="0" u="none" strike="noStrike">
+                          <a:effectLst/>
+                          <a:latin typeface="Times New Roman" panose="02020603050405020304" pitchFamily="18" charset="0"/>
+                          <a:cs typeface="Times New Roman" panose="02020603050405020304" pitchFamily="18" charset="0"/>
+                        </a:endParaRPr>
+                      </a:p>
+                    </a:txBody>
+                    <a:tcPr marL="5953" marR="5953" marT="5953" marB="0" anchor="ctr"/>
+                  </a:tc>
+                  <a:tc>
+                    <a:txBody>
+                      <a:bodyPr/>
+                      <a:lstStyle/>
+                      <a:p>
+                        <a:pPr algn="ctr" fontAlgn="ctr">
+                          <a:spcBef>
+                            <a:spcPts val="0"/>
+                          </a:spcBef>
+                          <a:spcAft>
+                            <a:spcPts val="0"/>
+                          </a:spcAft>
+                        </a:pPr>
+                        <a:r>
+                          <a:rPr lang="en-US" sz="1100" u="none" strike="noStrike">
+                            <a:effectLst/>
+                            <a:latin typeface="Times New Roman" panose="02020603050405020304" pitchFamily="18" charset="0"/>
+                            <a:cs typeface="Times New Roman" panose="02020603050405020304" pitchFamily="18" charset="0"/>
+                          </a:rPr>
+                          <a:t>2</a:t>
+                        </a:r>
+                        <a:endParaRPr lang="en-US" altLang="ko-KR" sz="1100" b="0" i="0" u="none" strike="noStrike">
+                          <a:effectLst/>
+                          <a:latin typeface="Times New Roman" panose="02020603050405020304" pitchFamily="18" charset="0"/>
+                          <a:cs typeface="Times New Roman" panose="02020603050405020304" pitchFamily="18" charset="0"/>
+                        </a:endParaRPr>
+                      </a:p>
+                    </a:txBody>
+                    <a:tcPr marL="5953" marR="5953" marT="5953" marB="0" anchor="ctr"/>
+                  </a:tc>
+                  <a:tc>
+                    <a:txBody>
+                      <a:bodyPr/>
+                      <a:lstStyle/>
+                      <a:p>
+                        <a:pPr algn="ctr" fontAlgn="ctr">
+                          <a:spcBef>
+                            <a:spcPts val="0"/>
+                          </a:spcBef>
+                          <a:spcAft>
+                            <a:spcPts val="0"/>
+                          </a:spcAft>
+                        </a:pPr>
+                        <a:r>
+                          <a:rPr lang="en-US" sz="1100" u="none" strike="noStrike">
+                            <a:effectLst/>
+                            <a:latin typeface="Times New Roman" panose="02020603050405020304" pitchFamily="18" charset="0"/>
+                            <a:cs typeface="Times New Roman" panose="02020603050405020304" pitchFamily="18" charset="0"/>
+                          </a:rPr>
+                          <a:t>0</a:t>
+                        </a:r>
+                        <a:endParaRPr lang="en-US" altLang="ko-KR" sz="1100" b="0" i="0" u="none" strike="noStrike">
+                          <a:effectLst/>
+                          <a:latin typeface="Times New Roman" panose="02020603050405020304" pitchFamily="18" charset="0"/>
+                          <a:cs typeface="Times New Roman" panose="02020603050405020304" pitchFamily="18" charset="0"/>
+                        </a:endParaRPr>
+                      </a:p>
+                    </a:txBody>
+                    <a:tcPr marL="5953" marR="5953" marT="5953" marB="0" anchor="ctr"/>
+                  </a:tc>
+                  <a:tc>
+                    <a:txBody>
+                      <a:bodyPr/>
+                      <a:lstStyle/>
+                      <a:p>
+                        <a:pPr algn="ctr" fontAlgn="ctr">
+                          <a:spcBef>
+                            <a:spcPts val="0"/>
+                          </a:spcBef>
+                          <a:spcAft>
+                            <a:spcPts val="0"/>
+                          </a:spcAft>
+                        </a:pPr>
+                        <a:r>
+                          <a:rPr lang="en-US" sz="1100" u="none" strike="noStrike">
+                            <a:effectLst/>
+                            <a:latin typeface="Times New Roman" panose="02020603050405020304" pitchFamily="18" charset="0"/>
+                            <a:cs typeface="Times New Roman" panose="02020603050405020304" pitchFamily="18" charset="0"/>
+                          </a:rPr>
+                          <a:t>0</a:t>
+                        </a:r>
+                        <a:endParaRPr lang="en-US" altLang="ko-KR" sz="1100" b="0" i="0" u="none" strike="noStrike">
+                          <a:effectLst/>
+                          <a:latin typeface="Times New Roman" panose="02020603050405020304" pitchFamily="18" charset="0"/>
+                          <a:cs typeface="Times New Roman" panose="02020603050405020304" pitchFamily="18" charset="0"/>
+                        </a:endParaRPr>
+                      </a:p>
+                    </a:txBody>
+                    <a:tcPr marL="5953" marR="5953" marT="5953" marB="0" anchor="ctr"/>
+                  </a:tc>
+                  <a:tc>
+                    <a:txBody>
+                      <a:bodyPr/>
+                      <a:lstStyle/>
+                      <a:p>
+                        <a:pPr algn="ctr" fontAlgn="ctr">
+                          <a:spcBef>
+                            <a:spcPts val="0"/>
+                          </a:spcBef>
+                          <a:spcAft>
+                            <a:spcPts val="0"/>
+                          </a:spcAft>
+                        </a:pPr>
+                        <a:r>
+                          <a:rPr lang="en-US" sz="1100" u="none" strike="noStrike">
+                            <a:effectLst/>
+                            <a:latin typeface="Times New Roman" panose="02020603050405020304" pitchFamily="18" charset="0"/>
+                            <a:cs typeface="Times New Roman" panose="02020603050405020304" pitchFamily="18" charset="0"/>
+                          </a:rPr>
+                          <a:t>0</a:t>
+                        </a:r>
+                        <a:endParaRPr lang="en-US" altLang="ko-KR" sz="1100" b="0" i="0" u="none" strike="noStrike">
+                          <a:effectLst/>
+                          <a:latin typeface="Times New Roman" panose="02020603050405020304" pitchFamily="18" charset="0"/>
+                          <a:cs typeface="Times New Roman" panose="02020603050405020304" pitchFamily="18" charset="0"/>
+                        </a:endParaRPr>
+                      </a:p>
+                    </a:txBody>
+                    <a:tcPr marL="5953" marR="5953" marT="5953" marB="0" anchor="ctr"/>
+                  </a:tc>
+                  <a:extLst>
+                    <a:ext uri="{0D108BD9-81ED-4DB2-BD59-A6C34878D82A}">
+                      <a16:rowId xmlns:a16="http://schemas.microsoft.com/office/drawing/2014/main" val="2890105037"/>
+                    </a:ext>
+                  </a:extLst>
+                </a:tr>
+                <a:tr h="226484">
+                  <a:tc>
+                    <a:txBody>
+                      <a:bodyPr/>
+                      <a:lstStyle/>
+                      <a:p>
+                        <a:pPr algn="ctr" fontAlgn="ctr">
+                          <a:spcBef>
+                            <a:spcPts val="0"/>
+                          </a:spcBef>
+                          <a:spcAft>
+                            <a:spcPts val="0"/>
+                          </a:spcAft>
+                        </a:pPr>
+                        <a:r>
+                          <a:rPr lang="en-US" sz="1100" u="none" strike="noStrike" dirty="0">
+                            <a:effectLst/>
+                            <a:latin typeface="Times New Roman" panose="02020603050405020304" pitchFamily="18" charset="0"/>
+                            <a:cs typeface="Times New Roman" panose="02020603050405020304" pitchFamily="18" charset="0"/>
+                          </a:rPr>
+                          <a:t>1</a:t>
+                        </a:r>
+                        <a:endParaRPr lang="en-US" altLang="ko-KR" sz="1100" b="0" i="0" u="none" strike="noStrike" dirty="0">
+                          <a:effectLst/>
+                          <a:latin typeface="Times New Roman" panose="02020603050405020304" pitchFamily="18" charset="0"/>
+                          <a:cs typeface="Times New Roman" panose="02020603050405020304" pitchFamily="18" charset="0"/>
+                        </a:endParaRPr>
+                      </a:p>
+                    </a:txBody>
+                    <a:tcPr marL="5953" marR="5953" marT="5953" marB="0" anchor="ctr"/>
+                  </a:tc>
+                  <a:tc>
+                    <a:txBody>
+                      <a:bodyPr/>
+                      <a:lstStyle/>
+                      <a:p>
+                        <a:pPr algn="ctr" fontAlgn="ctr">
+                          <a:spcBef>
+                            <a:spcPts val="0"/>
+                          </a:spcBef>
+                          <a:spcAft>
+                            <a:spcPts val="0"/>
+                          </a:spcAft>
+                        </a:pPr>
+                        <a:r>
+                          <a:rPr lang="en-US" sz="1100" u="none" strike="noStrike" dirty="0">
+                            <a:effectLst/>
+                            <a:latin typeface="Times New Roman" panose="02020603050405020304" pitchFamily="18" charset="0"/>
+                            <a:cs typeface="Times New Roman" panose="02020603050405020304" pitchFamily="18" charset="0"/>
+                          </a:rPr>
+                          <a:t>20190702</a:t>
+                        </a:r>
+                        <a:endParaRPr lang="en-US" altLang="ko-KR" sz="1100" b="0" i="0" u="none" strike="noStrike" dirty="0">
+                          <a:effectLst/>
+                          <a:latin typeface="Times New Roman" panose="02020603050405020304" pitchFamily="18" charset="0"/>
+                          <a:cs typeface="Times New Roman" panose="02020603050405020304" pitchFamily="18" charset="0"/>
+                        </a:endParaRPr>
+                      </a:p>
+                    </a:txBody>
+                    <a:tcPr marL="5953" marR="5953" marT="5953" marB="0" anchor="ctr"/>
+                  </a:tc>
+                  <a:tc>
+                    <a:txBody>
+                      <a:bodyPr/>
+                      <a:lstStyle/>
+                      <a:p>
+                        <a:pPr marL="0" marR="0" lvl="0" indent="0" algn="ctr" defTabSz="914400" rtl="0" eaLnBrk="1" fontAlgn="ctr" latinLnBrk="1" hangingPunct="1">
+                          <a:lnSpc>
+                            <a:spcPct val="100000"/>
+                          </a:lnSpc>
+                          <a:spcBef>
+                            <a:spcPts val="0"/>
+                          </a:spcBef>
+                          <a:spcAft>
+                            <a:spcPts val="0"/>
+                          </a:spcAft>
+                          <a:buClrTx/>
+                          <a:buSzTx/>
+                          <a:buFontTx/>
+                          <a:buNone/>
+                          <a:tabLst/>
+                          <a:defRPr/>
+                        </a:pPr>
+                        <a:r>
+                          <a:rPr lang="en-US" altLang="ko-KR" sz="1100" u="none" strike="noStrike" dirty="0">
+                            <a:effectLst/>
+                            <a:latin typeface="Times New Roman" panose="02020603050405020304" pitchFamily="18" charset="0"/>
+                            <a:cs typeface="Times New Roman" panose="02020603050405020304" pitchFamily="18" charset="0"/>
+                          </a:rPr>
+                          <a:t>716adcd0325d3422673e820e…</a:t>
+                        </a:r>
+                        <a:endParaRPr lang="en-US" altLang="ko-KR" sz="1100" b="0" i="0" u="none" strike="noStrike" dirty="0">
+                          <a:effectLst/>
+                          <a:latin typeface="Times New Roman" panose="02020603050405020304" pitchFamily="18" charset="0"/>
+                          <a:cs typeface="Times New Roman" panose="02020603050405020304" pitchFamily="18" charset="0"/>
+                        </a:endParaRPr>
+                      </a:p>
+                    </a:txBody>
+                    <a:tcPr marL="5953" marR="5953" marT="5953" marB="0" anchor="ctr"/>
+                  </a:tc>
+                  <a:tc>
+                    <a:txBody>
+                      <a:bodyPr/>
+                      <a:lstStyle/>
+                      <a:p>
+                        <a:pPr algn="ctr" fontAlgn="ctr">
+                          <a:spcBef>
+                            <a:spcPts val="0"/>
+                          </a:spcBef>
+                          <a:spcAft>
+                            <a:spcPts val="0"/>
+                          </a:spcAft>
+                        </a:pPr>
+                        <a:r>
+                          <a:rPr lang="en-US" sz="1100" u="none" strike="noStrike" dirty="0">
+                            <a:effectLst/>
+                            <a:latin typeface="Times New Roman" panose="02020603050405020304" pitchFamily="18" charset="0"/>
+                            <a:cs typeface="Times New Roman" panose="02020603050405020304" pitchFamily="18" charset="0"/>
+                          </a:rPr>
+                          <a:t>112</a:t>
+                        </a:r>
+                        <a:endParaRPr lang="en-US" altLang="ko-KR" sz="1100" b="0" i="0" u="none" strike="noStrike" dirty="0">
+                          <a:effectLst/>
+                          <a:latin typeface="Times New Roman" panose="02020603050405020304" pitchFamily="18" charset="0"/>
+                          <a:cs typeface="Times New Roman" panose="02020603050405020304" pitchFamily="18" charset="0"/>
+                        </a:endParaRPr>
+                      </a:p>
+                    </a:txBody>
+                    <a:tcPr marL="5953" marR="5953" marT="5953" marB="0" anchor="ctr"/>
+                  </a:tc>
+                  <a:tc>
+                    <a:txBody>
+                      <a:bodyPr/>
+                      <a:lstStyle/>
+                      <a:p>
+                        <a:pPr algn="ctr" fontAlgn="ctr">
+                          <a:spcBef>
+                            <a:spcPts val="0"/>
+                          </a:spcBef>
+                          <a:spcAft>
+                            <a:spcPts val="0"/>
+                          </a:spcAft>
+                        </a:pPr>
+                        <a:r>
+                          <a:rPr lang="en-US" sz="1100" u="none" strike="noStrike" dirty="0">
+                            <a:effectLst/>
+                            <a:latin typeface="Times New Roman" panose="02020603050405020304" pitchFamily="18" charset="0"/>
+                            <a:cs typeface="Times New Roman" panose="02020603050405020304" pitchFamily="18" charset="0"/>
+                          </a:rPr>
+                          <a:t>4</a:t>
+                        </a:r>
+                        <a:endParaRPr lang="en-US" altLang="ko-KR" sz="1100" b="0" i="0" u="none" strike="noStrike" dirty="0">
+                          <a:effectLst/>
+                          <a:latin typeface="Times New Roman" panose="02020603050405020304" pitchFamily="18" charset="0"/>
+                          <a:cs typeface="Times New Roman" panose="02020603050405020304" pitchFamily="18" charset="0"/>
+                        </a:endParaRPr>
+                      </a:p>
+                    </a:txBody>
+                    <a:tcPr marL="5953" marR="5953" marT="5953" marB="0" anchor="ctr"/>
+                  </a:tc>
+                  <a:tc>
+                    <a:txBody>
+                      <a:bodyPr/>
+                      <a:lstStyle/>
+                      <a:p>
+                        <a:pPr algn="ctr" fontAlgn="ctr">
+                          <a:spcBef>
+                            <a:spcPts val="0"/>
+                          </a:spcBef>
+                          <a:spcAft>
+                            <a:spcPts val="0"/>
+                          </a:spcAft>
+                        </a:pPr>
+                        <a:r>
+                          <a:rPr lang="en-US" sz="1100" u="none" strike="noStrike" dirty="0">
+                            <a:effectLst/>
+                            <a:latin typeface="Times New Roman" panose="02020603050405020304" pitchFamily="18" charset="0"/>
+                            <a:cs typeface="Times New Roman" panose="02020603050405020304" pitchFamily="18" charset="0"/>
+                          </a:rPr>
+                          <a:t>88</a:t>
+                        </a:r>
+                        <a:endParaRPr lang="en-US" altLang="ko-KR" sz="1100" b="0" i="0" u="none" strike="noStrike" dirty="0">
+                          <a:effectLst/>
+                          <a:latin typeface="Times New Roman" panose="02020603050405020304" pitchFamily="18" charset="0"/>
+                          <a:cs typeface="Times New Roman" panose="02020603050405020304" pitchFamily="18" charset="0"/>
+                        </a:endParaRPr>
+                      </a:p>
+                    </a:txBody>
+                    <a:tcPr marL="5953" marR="5953" marT="5953" marB="0" anchor="ctr"/>
+                  </a:tc>
+                  <a:tc>
+                    <a:txBody>
+                      <a:bodyPr/>
+                      <a:lstStyle/>
+                      <a:p>
+                        <a:pPr algn="ctr" fontAlgn="ctr">
+                          <a:spcBef>
+                            <a:spcPts val="0"/>
+                          </a:spcBef>
+                          <a:spcAft>
+                            <a:spcPts val="0"/>
+                          </a:spcAft>
+                        </a:pPr>
+                        <a:r>
+                          <a:rPr lang="en-US" sz="1100" u="none" strike="noStrike" dirty="0">
+                            <a:effectLst/>
+                            <a:latin typeface="Times New Roman" panose="02020603050405020304" pitchFamily="18" charset="0"/>
+                            <a:cs typeface="Times New Roman" panose="02020603050405020304" pitchFamily="18" charset="0"/>
+                          </a:rPr>
+                          <a:t>352</a:t>
+                        </a:r>
+                        <a:endParaRPr lang="en-US" altLang="ko-KR" sz="1100" b="0" i="0" u="none" strike="noStrike" dirty="0">
+                          <a:effectLst/>
+                          <a:latin typeface="Times New Roman" panose="02020603050405020304" pitchFamily="18" charset="0"/>
+                          <a:cs typeface="Times New Roman" panose="02020603050405020304" pitchFamily="18" charset="0"/>
+                        </a:endParaRPr>
+                      </a:p>
+                    </a:txBody>
+                    <a:tcPr marL="5953" marR="5953" marT="5953" marB="0" anchor="ctr"/>
+                  </a:tc>
+                  <a:tc>
+                    <a:txBody>
+                      <a:bodyPr/>
+                      <a:lstStyle/>
+                      <a:p>
+                        <a:pPr algn="ctr" fontAlgn="ctr">
+                          <a:spcBef>
+                            <a:spcPts val="0"/>
+                          </a:spcBef>
+                          <a:spcAft>
+                            <a:spcPts val="0"/>
+                          </a:spcAft>
+                        </a:pPr>
+                        <a:r>
+                          <a:rPr lang="en-US" sz="1100" u="none" strike="noStrike" dirty="0">
+                            <a:effectLst/>
+                            <a:latin typeface="Times New Roman" panose="02020603050405020304" pitchFamily="18" charset="0"/>
+                            <a:cs typeface="Times New Roman" panose="02020603050405020304" pitchFamily="18" charset="0"/>
+                          </a:rPr>
+                          <a:t>0</a:t>
+                        </a:r>
+                        <a:endParaRPr lang="en-US" altLang="ko-KR" sz="1100" b="0" i="0" u="none" strike="noStrike" dirty="0">
+                          <a:effectLst/>
+                          <a:latin typeface="Times New Roman" panose="02020603050405020304" pitchFamily="18" charset="0"/>
+                          <a:cs typeface="Times New Roman" panose="02020603050405020304" pitchFamily="18" charset="0"/>
+                        </a:endParaRPr>
+                      </a:p>
+                    </a:txBody>
+                    <a:tcPr marL="5953" marR="5953" marT="5953" marB="0" anchor="ctr"/>
+                  </a:tc>
+                  <a:tc>
+                    <a:txBody>
+                      <a:bodyPr/>
+                      <a:lstStyle/>
+                      <a:p>
+                        <a:pPr algn="ctr" fontAlgn="ctr">
+                          <a:spcBef>
+                            <a:spcPts val="0"/>
+                          </a:spcBef>
+                          <a:spcAft>
+                            <a:spcPts val="0"/>
+                          </a:spcAft>
+                        </a:pPr>
+                        <a:r>
+                          <a:rPr lang="en-US" sz="1100" u="none" strike="noStrike" dirty="0">
+                            <a:effectLst/>
+                            <a:latin typeface="Times New Roman" panose="02020603050405020304" pitchFamily="18" charset="0"/>
+                            <a:cs typeface="Times New Roman" panose="02020603050405020304" pitchFamily="18" charset="0"/>
+                          </a:rPr>
+                          <a:t>0</a:t>
+                        </a:r>
+                        <a:endParaRPr lang="en-US" altLang="ko-KR" sz="1100" b="0" i="0" u="none" strike="noStrike" dirty="0">
+                          <a:effectLst/>
+                          <a:latin typeface="Times New Roman" panose="02020603050405020304" pitchFamily="18" charset="0"/>
+                          <a:cs typeface="Times New Roman" panose="02020603050405020304" pitchFamily="18" charset="0"/>
+                        </a:endParaRPr>
+                      </a:p>
+                    </a:txBody>
+                    <a:tcPr marL="5953" marR="5953" marT="5953" marB="0" anchor="ctr"/>
+                  </a:tc>
+                  <a:tc>
+                    <a:txBody>
+                      <a:bodyPr/>
+                      <a:lstStyle/>
+                      <a:p>
+                        <a:pPr algn="ctr" fontAlgn="ctr">
+                          <a:spcBef>
+                            <a:spcPts val="0"/>
+                          </a:spcBef>
+                          <a:spcAft>
+                            <a:spcPts val="0"/>
+                          </a:spcAft>
+                        </a:pPr>
+                        <a:r>
+                          <a:rPr lang="en-US" sz="1100" u="none" strike="noStrike" dirty="0">
+                            <a:effectLst/>
+                            <a:latin typeface="Times New Roman" panose="02020603050405020304" pitchFamily="18" charset="0"/>
+                            <a:cs typeface="Times New Roman" panose="02020603050405020304" pitchFamily="18" charset="0"/>
+                          </a:rPr>
+                          <a:t>0</a:t>
+                        </a:r>
+                        <a:endParaRPr lang="en-US" altLang="ko-KR" sz="1100" b="0" i="0" u="none" strike="noStrike" dirty="0">
+                          <a:effectLst/>
+                          <a:latin typeface="Times New Roman" panose="02020603050405020304" pitchFamily="18" charset="0"/>
+                          <a:cs typeface="Times New Roman" panose="02020603050405020304" pitchFamily="18" charset="0"/>
+                        </a:endParaRPr>
+                      </a:p>
+                    </a:txBody>
+                    <a:tcPr marL="5953" marR="5953" marT="5953" marB="0" anchor="ctr"/>
+                  </a:tc>
+                  <a:tc>
+                    <a:txBody>
+                      <a:bodyPr/>
+                      <a:lstStyle/>
+                      <a:p>
+                        <a:pPr algn="ctr" fontAlgn="ctr">
+                          <a:spcBef>
+                            <a:spcPts val="0"/>
+                          </a:spcBef>
+                          <a:spcAft>
+                            <a:spcPts val="0"/>
+                          </a:spcAft>
+                        </a:pPr>
+                        <a:r>
+                          <a:rPr lang="en-US" sz="1100" u="none" strike="noStrike" dirty="0">
+                            <a:effectLst/>
+                            <a:latin typeface="Times New Roman" panose="02020603050405020304" pitchFamily="18" charset="0"/>
+                            <a:cs typeface="Times New Roman" panose="02020603050405020304" pitchFamily="18" charset="0"/>
+                          </a:rPr>
+                          <a:t>0</a:t>
+                        </a:r>
+                        <a:endParaRPr lang="en-US" altLang="ko-KR" sz="1100" b="0" i="0" u="none" strike="noStrike" dirty="0">
+                          <a:effectLst/>
+                          <a:latin typeface="Times New Roman" panose="02020603050405020304" pitchFamily="18" charset="0"/>
+                          <a:cs typeface="Times New Roman" panose="02020603050405020304" pitchFamily="18" charset="0"/>
+                        </a:endParaRPr>
+                      </a:p>
+                    </a:txBody>
+                    <a:tcPr marL="5953" marR="5953" marT="5953" marB="0" anchor="ctr"/>
+                  </a:tc>
+                  <a:tc>
+                    <a:txBody>
+                      <a:bodyPr/>
+                      <a:lstStyle/>
+                      <a:p>
+                        <a:pPr algn="ctr" fontAlgn="ctr">
+                          <a:spcBef>
+                            <a:spcPts val="0"/>
+                          </a:spcBef>
+                          <a:spcAft>
+                            <a:spcPts val="0"/>
+                          </a:spcAft>
+                        </a:pPr>
+                        <a:r>
+                          <a:rPr lang="en-US" sz="1100" u="none" strike="noStrike" dirty="0">
+                            <a:effectLst/>
+                            <a:latin typeface="Times New Roman" panose="02020603050405020304" pitchFamily="18" charset="0"/>
+                            <a:cs typeface="Times New Roman" panose="02020603050405020304" pitchFamily="18" charset="0"/>
+                          </a:rPr>
+                          <a:t>0</a:t>
+                        </a:r>
+                        <a:endParaRPr lang="en-US" altLang="ko-KR" sz="1100" b="0" i="0" u="none" strike="noStrike" dirty="0">
+                          <a:effectLst/>
+                          <a:latin typeface="Times New Roman" panose="02020603050405020304" pitchFamily="18" charset="0"/>
+                          <a:cs typeface="Times New Roman" panose="02020603050405020304" pitchFamily="18" charset="0"/>
+                        </a:endParaRPr>
+                      </a:p>
+                    </a:txBody>
+                    <a:tcPr marL="5953" marR="5953" marT="5953" marB="0" anchor="ctr"/>
+                  </a:tc>
+                  <a:extLst>
+                    <a:ext uri="{0D108BD9-81ED-4DB2-BD59-A6C34878D82A}">
+                      <a16:rowId xmlns:a16="http://schemas.microsoft.com/office/drawing/2014/main" val="253358149"/>
+                    </a:ext>
+                  </a:extLst>
+                </a:tr>
+                <a:tr h="226484">
+                  <a:tc>
+                    <a:txBody>
+                      <a:bodyPr/>
+                      <a:lstStyle/>
+                      <a:p>
+                        <a:pPr algn="ctr" fontAlgn="ctr">
+                          <a:spcBef>
+                            <a:spcPts val="0"/>
+                          </a:spcBef>
+                          <a:spcAft>
+                            <a:spcPts val="0"/>
+                          </a:spcAft>
+                        </a:pPr>
+                        <a:r>
+                          <a:rPr lang="en-US" sz="1100" u="none" strike="noStrike">
+                            <a:effectLst/>
+                            <a:latin typeface="Times New Roman" panose="02020603050405020304" pitchFamily="18" charset="0"/>
+                            <a:cs typeface="Times New Roman" panose="02020603050405020304" pitchFamily="18" charset="0"/>
+                          </a:rPr>
+                          <a:t>2</a:t>
+                        </a:r>
+                        <a:endParaRPr lang="en-US" altLang="ko-KR" sz="1100" b="0" i="0" u="none" strike="noStrike">
+                          <a:effectLst/>
+                          <a:latin typeface="Times New Roman" panose="02020603050405020304" pitchFamily="18" charset="0"/>
+                          <a:cs typeface="Times New Roman" panose="02020603050405020304" pitchFamily="18" charset="0"/>
+                        </a:endParaRPr>
+                      </a:p>
+                    </a:txBody>
+                    <a:tcPr marL="5953" marR="5953" marT="5953" marB="0" anchor="ctr"/>
+                  </a:tc>
+                  <a:tc>
+                    <a:txBody>
+                      <a:bodyPr/>
+                      <a:lstStyle/>
+                      <a:p>
+                        <a:pPr algn="ctr" fontAlgn="ctr">
+                          <a:spcBef>
+                            <a:spcPts val="0"/>
+                          </a:spcBef>
+                          <a:spcAft>
+                            <a:spcPts val="0"/>
+                          </a:spcAft>
+                        </a:pPr>
+                        <a:r>
+                          <a:rPr lang="en-US" sz="1100" u="none" strike="noStrike">
+                            <a:effectLst/>
+                            <a:latin typeface="Times New Roman" panose="02020603050405020304" pitchFamily="18" charset="0"/>
+                            <a:cs typeface="Times New Roman" panose="02020603050405020304" pitchFamily="18" charset="0"/>
+                          </a:rPr>
+                          <a:t>20190703</a:t>
+                        </a:r>
+                        <a:endParaRPr lang="en-US" altLang="ko-KR" sz="1100" b="0" i="0" u="none" strike="noStrike">
+                          <a:effectLst/>
+                          <a:latin typeface="Times New Roman" panose="02020603050405020304" pitchFamily="18" charset="0"/>
+                          <a:cs typeface="Times New Roman" panose="02020603050405020304" pitchFamily="18" charset="0"/>
+                        </a:endParaRPr>
+                      </a:p>
+                    </a:txBody>
+                    <a:tcPr marL="5953" marR="5953" marT="5953" marB="0" anchor="ctr"/>
+                  </a:tc>
+                  <a:tc>
+                    <a:txBody>
+                      <a:bodyPr/>
+                      <a:lstStyle/>
+                      <a:p>
+                        <a:pPr marL="0" marR="0" lvl="0" indent="0" algn="ctr" defTabSz="914400" rtl="0" eaLnBrk="1" fontAlgn="ctr" latinLnBrk="1" hangingPunct="1">
+                          <a:lnSpc>
+                            <a:spcPct val="100000"/>
+                          </a:lnSpc>
+                          <a:spcBef>
+                            <a:spcPts val="0"/>
+                          </a:spcBef>
+                          <a:spcAft>
+                            <a:spcPts val="0"/>
+                          </a:spcAft>
+                          <a:buClrTx/>
+                          <a:buSzTx/>
+                          <a:buFontTx/>
+                          <a:buNone/>
+                          <a:tabLst/>
+                          <a:defRPr/>
+                        </a:pPr>
+                        <a:r>
+                          <a:rPr lang="en-US" altLang="ko-KR" sz="1100" u="none" strike="noStrike" dirty="0">
+                            <a:effectLst/>
+                            <a:latin typeface="Times New Roman" panose="02020603050405020304" pitchFamily="18" charset="0"/>
+                            <a:cs typeface="Times New Roman" panose="02020603050405020304" pitchFamily="18" charset="0"/>
+                          </a:rPr>
+                          <a:t>716adcd0325d3422673e820e…</a:t>
+                        </a:r>
+                        <a:endParaRPr lang="en-US" altLang="ko-KR" sz="1100" b="0" i="0" u="none" strike="noStrike" dirty="0">
+                          <a:effectLst/>
+                          <a:latin typeface="Times New Roman" panose="02020603050405020304" pitchFamily="18" charset="0"/>
+                          <a:cs typeface="Times New Roman" panose="02020603050405020304" pitchFamily="18" charset="0"/>
+                        </a:endParaRPr>
+                      </a:p>
+                    </a:txBody>
+                    <a:tcPr marL="5953" marR="5953" marT="5953" marB="0" anchor="ctr"/>
+                  </a:tc>
+                  <a:tc>
+                    <a:txBody>
+                      <a:bodyPr/>
+                      <a:lstStyle/>
+                      <a:p>
+                        <a:pPr algn="ctr" fontAlgn="ctr">
+                          <a:spcBef>
+                            <a:spcPts val="0"/>
+                          </a:spcBef>
+                          <a:spcAft>
+                            <a:spcPts val="0"/>
+                          </a:spcAft>
+                        </a:pPr>
+                        <a:r>
+                          <a:rPr lang="en-US" sz="1100" u="none" strike="noStrike" dirty="0">
+                            <a:effectLst/>
+                            <a:latin typeface="Times New Roman" panose="02020603050405020304" pitchFamily="18" charset="0"/>
+                            <a:cs typeface="Times New Roman" panose="02020603050405020304" pitchFamily="18" charset="0"/>
+                          </a:rPr>
+                          <a:t>106</a:t>
+                        </a:r>
+                        <a:endParaRPr lang="en-US" altLang="ko-KR" sz="1100" b="0" i="0" u="none" strike="noStrike" dirty="0">
+                          <a:effectLst/>
+                          <a:latin typeface="Times New Roman" panose="02020603050405020304" pitchFamily="18" charset="0"/>
+                          <a:cs typeface="Times New Roman" panose="02020603050405020304" pitchFamily="18" charset="0"/>
+                        </a:endParaRPr>
+                      </a:p>
+                    </a:txBody>
+                    <a:tcPr marL="5953" marR="5953" marT="5953" marB="0" anchor="ctr"/>
+                  </a:tc>
+                  <a:tc>
+                    <a:txBody>
+                      <a:bodyPr/>
+                      <a:lstStyle/>
+                      <a:p>
+                        <a:pPr algn="ctr" fontAlgn="ctr">
+                          <a:spcBef>
+                            <a:spcPts val="0"/>
+                          </a:spcBef>
+                          <a:spcAft>
+                            <a:spcPts val="0"/>
+                          </a:spcAft>
+                        </a:pPr>
+                        <a:r>
+                          <a:rPr lang="en-US" sz="1100" u="none" strike="noStrike" dirty="0">
+                            <a:effectLst/>
+                            <a:latin typeface="Times New Roman" panose="02020603050405020304" pitchFamily="18" charset="0"/>
+                            <a:cs typeface="Times New Roman" panose="02020603050405020304" pitchFamily="18" charset="0"/>
+                          </a:rPr>
+                          <a:t>1</a:t>
+                        </a:r>
+                        <a:endParaRPr lang="en-US" altLang="ko-KR" sz="1100" b="0" i="0" u="none" strike="noStrike" dirty="0">
+                          <a:effectLst/>
+                          <a:latin typeface="Times New Roman" panose="02020603050405020304" pitchFamily="18" charset="0"/>
+                          <a:cs typeface="Times New Roman" panose="02020603050405020304" pitchFamily="18" charset="0"/>
+                        </a:endParaRPr>
+                      </a:p>
+                    </a:txBody>
+                    <a:tcPr marL="5953" marR="5953" marT="5953" marB="0" anchor="ctr"/>
+                  </a:tc>
+                  <a:tc>
+                    <a:txBody>
+                      <a:bodyPr/>
+                      <a:lstStyle/>
+                      <a:p>
+                        <a:pPr algn="ctr" fontAlgn="ctr">
+                          <a:spcBef>
+                            <a:spcPts val="0"/>
+                          </a:spcBef>
+                          <a:spcAft>
+                            <a:spcPts val="0"/>
+                          </a:spcAft>
+                        </a:pPr>
+                        <a:r>
+                          <a:rPr lang="en-US" sz="1100" u="none" strike="noStrike" dirty="0">
+                            <a:effectLst/>
+                            <a:latin typeface="Times New Roman" panose="02020603050405020304" pitchFamily="18" charset="0"/>
+                            <a:cs typeface="Times New Roman" panose="02020603050405020304" pitchFamily="18" charset="0"/>
+                          </a:rPr>
+                          <a:t>88</a:t>
+                        </a:r>
+                        <a:endParaRPr lang="en-US" altLang="ko-KR" sz="1100" b="0" i="0" u="none" strike="noStrike" dirty="0">
+                          <a:effectLst/>
+                          <a:latin typeface="Times New Roman" panose="02020603050405020304" pitchFamily="18" charset="0"/>
+                          <a:cs typeface="Times New Roman" panose="02020603050405020304" pitchFamily="18" charset="0"/>
+                        </a:endParaRPr>
+                      </a:p>
+                    </a:txBody>
+                    <a:tcPr marL="5953" marR="5953" marT="5953" marB="0" anchor="ctr"/>
+                  </a:tc>
+                  <a:tc>
+                    <a:txBody>
+                      <a:bodyPr/>
+                      <a:lstStyle/>
+                      <a:p>
+                        <a:pPr algn="ctr" fontAlgn="ctr">
+                          <a:spcBef>
+                            <a:spcPts val="0"/>
+                          </a:spcBef>
+                          <a:spcAft>
+                            <a:spcPts val="0"/>
+                          </a:spcAft>
+                        </a:pPr>
+                        <a:r>
+                          <a:rPr lang="en-US" sz="1100" u="none" strike="noStrike" dirty="0">
+                            <a:effectLst/>
+                            <a:latin typeface="Times New Roman" panose="02020603050405020304" pitchFamily="18" charset="0"/>
+                            <a:cs typeface="Times New Roman" panose="02020603050405020304" pitchFamily="18" charset="0"/>
+                          </a:rPr>
+                          <a:t>88</a:t>
+                        </a:r>
+                        <a:endParaRPr lang="en-US" altLang="ko-KR" sz="1100" b="0" i="0" u="none" strike="noStrike" dirty="0">
+                          <a:effectLst/>
+                          <a:latin typeface="Times New Roman" panose="02020603050405020304" pitchFamily="18" charset="0"/>
+                          <a:cs typeface="Times New Roman" panose="02020603050405020304" pitchFamily="18" charset="0"/>
+                        </a:endParaRPr>
+                      </a:p>
+                    </a:txBody>
+                    <a:tcPr marL="5953" marR="5953" marT="5953" marB="0" anchor="ctr"/>
+                  </a:tc>
+                  <a:tc>
+                    <a:txBody>
+                      <a:bodyPr/>
+                      <a:lstStyle/>
+                      <a:p>
+                        <a:pPr algn="ctr" fontAlgn="ctr">
+                          <a:spcBef>
+                            <a:spcPts val="0"/>
+                          </a:spcBef>
+                          <a:spcAft>
+                            <a:spcPts val="0"/>
+                          </a:spcAft>
+                        </a:pPr>
+                        <a:r>
+                          <a:rPr lang="en-US" sz="1100" u="none" strike="noStrike" dirty="0">
+                            <a:effectLst/>
+                            <a:latin typeface="Times New Roman" panose="02020603050405020304" pitchFamily="18" charset="0"/>
+                            <a:cs typeface="Times New Roman" panose="02020603050405020304" pitchFamily="18" charset="0"/>
+                          </a:rPr>
+                          <a:t>0</a:t>
+                        </a:r>
+                        <a:endParaRPr lang="en-US" altLang="ko-KR" sz="1100" b="0" i="0" u="none" strike="noStrike" dirty="0">
+                          <a:effectLst/>
+                          <a:latin typeface="Times New Roman" panose="02020603050405020304" pitchFamily="18" charset="0"/>
+                          <a:cs typeface="Times New Roman" panose="02020603050405020304" pitchFamily="18" charset="0"/>
+                        </a:endParaRPr>
+                      </a:p>
+                    </a:txBody>
+                    <a:tcPr marL="5953" marR="5953" marT="5953" marB="0" anchor="ctr"/>
+                  </a:tc>
+                  <a:tc>
+                    <a:txBody>
+                      <a:bodyPr/>
+                      <a:lstStyle/>
+                      <a:p>
+                        <a:pPr algn="ctr" fontAlgn="ctr">
+                          <a:spcBef>
+                            <a:spcPts val="0"/>
+                          </a:spcBef>
+                          <a:spcAft>
+                            <a:spcPts val="0"/>
+                          </a:spcAft>
+                        </a:pPr>
+                        <a:r>
+                          <a:rPr lang="en-US" sz="1100" u="none" strike="noStrike" dirty="0">
+                            <a:effectLst/>
+                            <a:latin typeface="Times New Roman" panose="02020603050405020304" pitchFamily="18" charset="0"/>
+                            <a:cs typeface="Times New Roman" panose="02020603050405020304" pitchFamily="18" charset="0"/>
+                          </a:rPr>
+                          <a:t>0</a:t>
+                        </a:r>
+                        <a:endParaRPr lang="en-US" altLang="ko-KR" sz="1100" b="0" i="0" u="none" strike="noStrike" dirty="0">
+                          <a:effectLst/>
+                          <a:latin typeface="Times New Roman" panose="02020603050405020304" pitchFamily="18" charset="0"/>
+                          <a:cs typeface="Times New Roman" panose="02020603050405020304" pitchFamily="18" charset="0"/>
+                        </a:endParaRPr>
+                      </a:p>
+                    </a:txBody>
+                    <a:tcPr marL="5953" marR="5953" marT="5953" marB="0" anchor="ctr"/>
+                  </a:tc>
+                  <a:tc>
+                    <a:txBody>
+                      <a:bodyPr/>
+                      <a:lstStyle/>
+                      <a:p>
+                        <a:pPr algn="ctr" fontAlgn="ctr">
+                          <a:spcBef>
+                            <a:spcPts val="0"/>
+                          </a:spcBef>
+                          <a:spcAft>
+                            <a:spcPts val="0"/>
+                          </a:spcAft>
+                        </a:pPr>
+                        <a:r>
+                          <a:rPr lang="en-US" sz="1100" u="none" strike="noStrike" dirty="0">
+                            <a:effectLst/>
+                            <a:latin typeface="Times New Roman" panose="02020603050405020304" pitchFamily="18" charset="0"/>
+                            <a:cs typeface="Times New Roman" panose="02020603050405020304" pitchFamily="18" charset="0"/>
+                          </a:rPr>
+                          <a:t>0</a:t>
+                        </a:r>
+                        <a:endParaRPr lang="en-US" altLang="ko-KR" sz="1100" b="0" i="0" u="none" strike="noStrike" dirty="0">
+                          <a:effectLst/>
+                          <a:latin typeface="Times New Roman" panose="02020603050405020304" pitchFamily="18" charset="0"/>
+                          <a:cs typeface="Times New Roman" panose="02020603050405020304" pitchFamily="18" charset="0"/>
+                        </a:endParaRPr>
+                      </a:p>
+                    </a:txBody>
+                    <a:tcPr marL="5953" marR="5953" marT="5953" marB="0" anchor="ctr"/>
+                  </a:tc>
+                  <a:tc>
+                    <a:txBody>
+                      <a:bodyPr/>
+                      <a:lstStyle/>
+                      <a:p>
+                        <a:pPr algn="ctr" fontAlgn="ctr">
+                          <a:spcBef>
+                            <a:spcPts val="0"/>
+                          </a:spcBef>
+                          <a:spcAft>
+                            <a:spcPts val="0"/>
+                          </a:spcAft>
+                        </a:pPr>
+                        <a:r>
+                          <a:rPr lang="en-US" sz="1100" u="none" strike="noStrike">
+                            <a:effectLst/>
+                            <a:latin typeface="Times New Roman" panose="02020603050405020304" pitchFamily="18" charset="0"/>
+                            <a:cs typeface="Times New Roman" panose="02020603050405020304" pitchFamily="18" charset="0"/>
+                          </a:rPr>
+                          <a:t>0</a:t>
+                        </a:r>
+                        <a:endParaRPr lang="en-US" altLang="ko-KR" sz="1100" b="0" i="0" u="none" strike="noStrike">
+                          <a:effectLst/>
+                          <a:latin typeface="Times New Roman" panose="02020603050405020304" pitchFamily="18" charset="0"/>
+                          <a:cs typeface="Times New Roman" panose="02020603050405020304" pitchFamily="18" charset="0"/>
+                        </a:endParaRPr>
+                      </a:p>
+                    </a:txBody>
+                    <a:tcPr marL="5953" marR="5953" marT="5953" marB="0" anchor="ctr"/>
+                  </a:tc>
+                  <a:tc>
+                    <a:txBody>
+                      <a:bodyPr/>
+                      <a:lstStyle/>
+                      <a:p>
+                        <a:pPr algn="ctr" fontAlgn="ctr">
+                          <a:spcBef>
+                            <a:spcPts val="0"/>
+                          </a:spcBef>
+                          <a:spcAft>
+                            <a:spcPts val="0"/>
+                          </a:spcAft>
+                        </a:pPr>
+                        <a:r>
+                          <a:rPr lang="en-US" sz="1100" u="none" strike="noStrike">
+                            <a:effectLst/>
+                            <a:latin typeface="Times New Roman" panose="02020603050405020304" pitchFamily="18" charset="0"/>
+                            <a:cs typeface="Times New Roman" panose="02020603050405020304" pitchFamily="18" charset="0"/>
+                          </a:rPr>
+                          <a:t>0</a:t>
+                        </a:r>
+                        <a:endParaRPr lang="en-US" altLang="ko-KR" sz="1100" b="0" i="0" u="none" strike="noStrike">
+                          <a:effectLst/>
+                          <a:latin typeface="Times New Roman" panose="02020603050405020304" pitchFamily="18" charset="0"/>
+                          <a:cs typeface="Times New Roman" panose="02020603050405020304" pitchFamily="18" charset="0"/>
+                        </a:endParaRPr>
+                      </a:p>
+                    </a:txBody>
+                    <a:tcPr marL="5953" marR="5953" marT="5953" marB="0" anchor="ctr"/>
+                  </a:tc>
+                  <a:extLst>
+                    <a:ext uri="{0D108BD9-81ED-4DB2-BD59-A6C34878D82A}">
+                      <a16:rowId xmlns:a16="http://schemas.microsoft.com/office/drawing/2014/main" val="3430514595"/>
+                    </a:ext>
+                  </a:extLst>
+                </a:tr>
+                <a:tr h="226484">
+                  <a:tc>
+                    <a:txBody>
+                      <a:bodyPr/>
+                      <a:lstStyle/>
+                      <a:p>
+                        <a:pPr algn="ctr" fontAlgn="ctr">
+                          <a:spcBef>
+                            <a:spcPts val="0"/>
+                          </a:spcBef>
+                          <a:spcAft>
+                            <a:spcPts val="0"/>
+                          </a:spcAft>
+                        </a:pPr>
+                        <a:r>
+                          <a:rPr lang="en-US" sz="1100" u="none" strike="noStrike">
+                            <a:effectLst/>
+                            <a:latin typeface="Times New Roman" panose="02020603050405020304" pitchFamily="18" charset="0"/>
+                            <a:cs typeface="Times New Roman" panose="02020603050405020304" pitchFamily="18" charset="0"/>
+                          </a:rPr>
+                          <a:t>3</a:t>
+                        </a:r>
+                        <a:endParaRPr lang="en-US" altLang="ko-KR" sz="1100" b="0" i="0" u="none" strike="noStrike">
+                          <a:effectLst/>
+                          <a:latin typeface="Times New Roman" panose="02020603050405020304" pitchFamily="18" charset="0"/>
+                          <a:cs typeface="Times New Roman" panose="02020603050405020304" pitchFamily="18" charset="0"/>
+                        </a:endParaRPr>
+                      </a:p>
+                    </a:txBody>
+                    <a:tcPr marL="5953" marR="5953" marT="5953" marB="0" anchor="ctr"/>
+                  </a:tc>
+                  <a:tc>
+                    <a:txBody>
+                      <a:bodyPr/>
+                      <a:lstStyle/>
+                      <a:p>
+                        <a:pPr algn="ctr" fontAlgn="ctr">
+                          <a:spcBef>
+                            <a:spcPts val="0"/>
+                          </a:spcBef>
+                          <a:spcAft>
+                            <a:spcPts val="0"/>
+                          </a:spcAft>
+                        </a:pPr>
+                        <a:r>
+                          <a:rPr lang="en-US" sz="1100" u="none" strike="noStrike">
+                            <a:effectLst/>
+                            <a:latin typeface="Times New Roman" panose="02020603050405020304" pitchFamily="18" charset="0"/>
+                            <a:cs typeface="Times New Roman" panose="02020603050405020304" pitchFamily="18" charset="0"/>
+                          </a:rPr>
+                          <a:t>20190704</a:t>
+                        </a:r>
+                        <a:endParaRPr lang="en-US" altLang="ko-KR" sz="1100" b="0" i="0" u="none" strike="noStrike">
+                          <a:effectLst/>
+                          <a:latin typeface="Times New Roman" panose="02020603050405020304" pitchFamily="18" charset="0"/>
+                          <a:cs typeface="Times New Roman" panose="02020603050405020304" pitchFamily="18" charset="0"/>
+                        </a:endParaRPr>
+                      </a:p>
+                    </a:txBody>
+                    <a:tcPr marL="5953" marR="5953" marT="5953" marB="0" anchor="ctr"/>
+                  </a:tc>
+                  <a:tc>
+                    <a:txBody>
+                      <a:bodyPr/>
+                      <a:lstStyle/>
+                      <a:p>
+                        <a:pPr marL="0" marR="0" lvl="0" indent="0" algn="ctr" defTabSz="914400" rtl="0" eaLnBrk="1" fontAlgn="ctr" latinLnBrk="1" hangingPunct="1">
+                          <a:lnSpc>
+                            <a:spcPct val="100000"/>
+                          </a:lnSpc>
+                          <a:spcBef>
+                            <a:spcPts val="0"/>
+                          </a:spcBef>
+                          <a:spcAft>
+                            <a:spcPts val="0"/>
+                          </a:spcAft>
+                          <a:buClrTx/>
+                          <a:buSzTx/>
+                          <a:buFontTx/>
+                          <a:buNone/>
+                          <a:tabLst/>
+                          <a:defRPr/>
+                        </a:pPr>
+                        <a:r>
+                          <a:rPr lang="en-US" altLang="ko-KR" sz="1100" u="none" strike="noStrike" dirty="0">
+                            <a:effectLst/>
+                            <a:latin typeface="Times New Roman" panose="02020603050405020304" pitchFamily="18" charset="0"/>
+                            <a:cs typeface="Times New Roman" panose="02020603050405020304" pitchFamily="18" charset="0"/>
+                          </a:rPr>
+                          <a:t>716adcd0325d3422673e820e…</a:t>
+                        </a:r>
+                        <a:endParaRPr lang="en-US" altLang="ko-KR" sz="1100" b="0" i="0" u="none" strike="noStrike" dirty="0">
+                          <a:effectLst/>
+                          <a:latin typeface="Times New Roman" panose="02020603050405020304" pitchFamily="18" charset="0"/>
+                          <a:cs typeface="Times New Roman" panose="02020603050405020304" pitchFamily="18" charset="0"/>
+                        </a:endParaRPr>
+                      </a:p>
+                    </a:txBody>
+                    <a:tcPr marL="5953" marR="5953" marT="5953" marB="0" anchor="ctr"/>
+                  </a:tc>
+                  <a:tc>
+                    <a:txBody>
+                      <a:bodyPr/>
+                      <a:lstStyle/>
+                      <a:p>
+                        <a:pPr algn="ctr" fontAlgn="ctr">
+                          <a:spcBef>
+                            <a:spcPts val="0"/>
+                          </a:spcBef>
+                          <a:spcAft>
+                            <a:spcPts val="0"/>
+                          </a:spcAft>
+                        </a:pPr>
+                        <a:r>
+                          <a:rPr lang="en-US" sz="1100" u="none" strike="noStrike" dirty="0">
+                            <a:effectLst/>
+                            <a:latin typeface="Times New Roman" panose="02020603050405020304" pitchFamily="18" charset="0"/>
+                            <a:cs typeface="Times New Roman" panose="02020603050405020304" pitchFamily="18" charset="0"/>
+                          </a:rPr>
+                          <a:t>89</a:t>
+                        </a:r>
+                        <a:endParaRPr lang="en-US" altLang="ko-KR" sz="1100" b="0" i="0" u="none" strike="noStrike" dirty="0">
+                          <a:effectLst/>
+                          <a:latin typeface="Times New Roman" panose="02020603050405020304" pitchFamily="18" charset="0"/>
+                          <a:cs typeface="Times New Roman" panose="02020603050405020304" pitchFamily="18" charset="0"/>
+                        </a:endParaRPr>
+                      </a:p>
+                    </a:txBody>
+                    <a:tcPr marL="5953" marR="5953" marT="5953" marB="0" anchor="ctr"/>
+                  </a:tc>
+                  <a:tc>
+                    <a:txBody>
+                      <a:bodyPr/>
+                      <a:lstStyle/>
+                      <a:p>
+                        <a:pPr algn="ctr" fontAlgn="ctr">
+                          <a:spcBef>
+                            <a:spcPts val="0"/>
+                          </a:spcBef>
+                          <a:spcAft>
+                            <a:spcPts val="0"/>
+                          </a:spcAft>
+                        </a:pPr>
+                        <a:r>
+                          <a:rPr lang="en-US" sz="1100" u="none" strike="noStrike">
+                            <a:effectLst/>
+                            <a:latin typeface="Times New Roman" panose="02020603050405020304" pitchFamily="18" charset="0"/>
+                            <a:cs typeface="Times New Roman" panose="02020603050405020304" pitchFamily="18" charset="0"/>
+                          </a:rPr>
+                          <a:t>4</a:t>
+                        </a:r>
+                        <a:endParaRPr lang="en-US" altLang="ko-KR" sz="1100" b="0" i="0" u="none" strike="noStrike">
+                          <a:effectLst/>
+                          <a:latin typeface="Times New Roman" panose="02020603050405020304" pitchFamily="18" charset="0"/>
+                          <a:cs typeface="Times New Roman" panose="02020603050405020304" pitchFamily="18" charset="0"/>
+                        </a:endParaRPr>
+                      </a:p>
+                    </a:txBody>
+                    <a:tcPr marL="5953" marR="5953" marT="5953" marB="0" anchor="ctr"/>
+                  </a:tc>
+                  <a:tc>
+                    <a:txBody>
+                      <a:bodyPr/>
+                      <a:lstStyle/>
+                      <a:p>
+                        <a:pPr algn="ctr" fontAlgn="ctr">
+                          <a:spcBef>
+                            <a:spcPts val="0"/>
+                          </a:spcBef>
+                          <a:spcAft>
+                            <a:spcPts val="0"/>
+                          </a:spcAft>
+                        </a:pPr>
+                        <a:r>
+                          <a:rPr lang="en-US" sz="1100" u="none" strike="noStrike">
+                            <a:effectLst/>
+                            <a:latin typeface="Times New Roman" panose="02020603050405020304" pitchFamily="18" charset="0"/>
+                            <a:cs typeface="Times New Roman" panose="02020603050405020304" pitchFamily="18" charset="0"/>
+                          </a:rPr>
+                          <a:t>88</a:t>
+                        </a:r>
+                        <a:endParaRPr lang="en-US" altLang="ko-KR" sz="1100" b="0" i="0" u="none" strike="noStrike">
+                          <a:effectLst/>
+                          <a:latin typeface="Times New Roman" panose="02020603050405020304" pitchFamily="18" charset="0"/>
+                          <a:cs typeface="Times New Roman" panose="02020603050405020304" pitchFamily="18" charset="0"/>
+                        </a:endParaRPr>
+                      </a:p>
+                    </a:txBody>
+                    <a:tcPr marL="5953" marR="5953" marT="5953" marB="0" anchor="ctr"/>
+                  </a:tc>
+                  <a:tc>
+                    <a:txBody>
+                      <a:bodyPr/>
+                      <a:lstStyle/>
+                      <a:p>
+                        <a:pPr algn="ctr" fontAlgn="ctr">
+                          <a:spcBef>
+                            <a:spcPts val="0"/>
+                          </a:spcBef>
+                          <a:spcAft>
+                            <a:spcPts val="0"/>
+                          </a:spcAft>
+                        </a:pPr>
+                        <a:r>
+                          <a:rPr lang="en-US" sz="1100" u="none" strike="noStrike" dirty="0">
+                            <a:effectLst/>
+                            <a:latin typeface="Times New Roman" panose="02020603050405020304" pitchFamily="18" charset="0"/>
+                            <a:cs typeface="Times New Roman" panose="02020603050405020304" pitchFamily="18" charset="0"/>
+                          </a:rPr>
+                          <a:t>352</a:t>
+                        </a:r>
+                        <a:endParaRPr lang="en-US" altLang="ko-KR" sz="1100" b="0" i="0" u="none" strike="noStrike" dirty="0">
+                          <a:effectLst/>
+                          <a:latin typeface="Times New Roman" panose="02020603050405020304" pitchFamily="18" charset="0"/>
+                          <a:cs typeface="Times New Roman" panose="02020603050405020304" pitchFamily="18" charset="0"/>
+                        </a:endParaRPr>
+                      </a:p>
+                    </a:txBody>
+                    <a:tcPr marL="5953" marR="5953" marT="5953" marB="0" anchor="ctr"/>
+                  </a:tc>
+                  <a:tc>
+                    <a:txBody>
+                      <a:bodyPr/>
+                      <a:lstStyle/>
+                      <a:p>
+                        <a:pPr algn="ctr" fontAlgn="ctr">
+                          <a:spcBef>
+                            <a:spcPts val="0"/>
+                          </a:spcBef>
+                          <a:spcAft>
+                            <a:spcPts val="0"/>
+                          </a:spcAft>
+                        </a:pPr>
+                        <a:r>
+                          <a:rPr lang="en-US" sz="1100" u="none" strike="noStrike" dirty="0">
+                            <a:effectLst/>
+                            <a:latin typeface="Times New Roman" panose="02020603050405020304" pitchFamily="18" charset="0"/>
+                            <a:cs typeface="Times New Roman" panose="02020603050405020304" pitchFamily="18" charset="0"/>
+                          </a:rPr>
+                          <a:t>0</a:t>
+                        </a:r>
+                        <a:endParaRPr lang="en-US" altLang="ko-KR" sz="1100" b="0" i="0" u="none" strike="noStrike" dirty="0">
+                          <a:effectLst/>
+                          <a:latin typeface="Times New Roman" panose="02020603050405020304" pitchFamily="18" charset="0"/>
+                          <a:cs typeface="Times New Roman" panose="02020603050405020304" pitchFamily="18" charset="0"/>
+                        </a:endParaRPr>
+                      </a:p>
+                    </a:txBody>
+                    <a:tcPr marL="5953" marR="5953" marT="5953" marB="0" anchor="ctr"/>
+                  </a:tc>
+                  <a:tc>
+                    <a:txBody>
+                      <a:bodyPr/>
+                      <a:lstStyle/>
+                      <a:p>
+                        <a:pPr algn="ctr" fontAlgn="ctr">
+                          <a:spcBef>
+                            <a:spcPts val="0"/>
+                          </a:spcBef>
+                          <a:spcAft>
+                            <a:spcPts val="0"/>
+                          </a:spcAft>
+                        </a:pPr>
+                        <a:r>
+                          <a:rPr lang="en-US" sz="1100" u="none" strike="noStrike" dirty="0">
+                            <a:effectLst/>
+                            <a:latin typeface="Times New Roman" panose="02020603050405020304" pitchFamily="18" charset="0"/>
+                            <a:cs typeface="Times New Roman" panose="02020603050405020304" pitchFamily="18" charset="0"/>
+                          </a:rPr>
+                          <a:t>0</a:t>
+                        </a:r>
+                        <a:endParaRPr lang="en-US" altLang="ko-KR" sz="1100" b="0" i="0" u="none" strike="noStrike" dirty="0">
+                          <a:effectLst/>
+                          <a:latin typeface="Times New Roman" panose="02020603050405020304" pitchFamily="18" charset="0"/>
+                          <a:cs typeface="Times New Roman" panose="02020603050405020304" pitchFamily="18" charset="0"/>
+                        </a:endParaRPr>
+                      </a:p>
+                    </a:txBody>
+                    <a:tcPr marL="5953" marR="5953" marT="5953" marB="0" anchor="ctr"/>
+                  </a:tc>
+                  <a:tc>
+                    <a:txBody>
+                      <a:bodyPr/>
+                      <a:lstStyle/>
+                      <a:p>
+                        <a:pPr algn="ctr" fontAlgn="ctr">
+                          <a:spcBef>
+                            <a:spcPts val="0"/>
+                          </a:spcBef>
+                          <a:spcAft>
+                            <a:spcPts val="0"/>
+                          </a:spcAft>
+                        </a:pPr>
+                        <a:r>
+                          <a:rPr lang="en-US" sz="1100" u="none" strike="noStrike" dirty="0">
+                            <a:effectLst/>
+                            <a:latin typeface="Times New Roman" panose="02020603050405020304" pitchFamily="18" charset="0"/>
+                            <a:cs typeface="Times New Roman" panose="02020603050405020304" pitchFamily="18" charset="0"/>
+                          </a:rPr>
+                          <a:t>0</a:t>
+                        </a:r>
+                        <a:endParaRPr lang="en-US" altLang="ko-KR" sz="1100" b="0" i="0" u="none" strike="noStrike" dirty="0">
+                          <a:effectLst/>
+                          <a:latin typeface="Times New Roman" panose="02020603050405020304" pitchFamily="18" charset="0"/>
+                          <a:cs typeface="Times New Roman" panose="02020603050405020304" pitchFamily="18" charset="0"/>
+                        </a:endParaRPr>
+                      </a:p>
+                    </a:txBody>
+                    <a:tcPr marL="5953" marR="5953" marT="5953" marB="0" anchor="ctr"/>
+                  </a:tc>
+                  <a:tc>
+                    <a:txBody>
+                      <a:bodyPr/>
+                      <a:lstStyle/>
+                      <a:p>
+                        <a:pPr algn="ctr" fontAlgn="ctr">
+                          <a:spcBef>
+                            <a:spcPts val="0"/>
+                          </a:spcBef>
+                          <a:spcAft>
+                            <a:spcPts val="0"/>
+                          </a:spcAft>
+                        </a:pPr>
+                        <a:r>
+                          <a:rPr lang="en-US" sz="1100" u="none" strike="noStrike">
+                            <a:effectLst/>
+                            <a:latin typeface="Times New Roman" panose="02020603050405020304" pitchFamily="18" charset="0"/>
+                            <a:cs typeface="Times New Roman" panose="02020603050405020304" pitchFamily="18" charset="0"/>
+                          </a:rPr>
+                          <a:t>0</a:t>
+                        </a:r>
+                        <a:endParaRPr lang="en-US" altLang="ko-KR" sz="1100" b="0" i="0" u="none" strike="noStrike">
+                          <a:effectLst/>
+                          <a:latin typeface="Times New Roman" panose="02020603050405020304" pitchFamily="18" charset="0"/>
+                          <a:cs typeface="Times New Roman" panose="02020603050405020304" pitchFamily="18" charset="0"/>
+                        </a:endParaRPr>
+                      </a:p>
+                    </a:txBody>
+                    <a:tcPr marL="5953" marR="5953" marT="5953" marB="0" anchor="ctr"/>
+                  </a:tc>
+                  <a:tc>
+                    <a:txBody>
+                      <a:bodyPr/>
+                      <a:lstStyle/>
+                      <a:p>
+                        <a:pPr algn="ctr" fontAlgn="ctr">
+                          <a:spcBef>
+                            <a:spcPts val="0"/>
+                          </a:spcBef>
+                          <a:spcAft>
+                            <a:spcPts val="0"/>
+                          </a:spcAft>
+                        </a:pPr>
+                        <a:r>
+                          <a:rPr lang="en-US" sz="1100" u="none" strike="noStrike">
+                            <a:effectLst/>
+                            <a:latin typeface="Times New Roman" panose="02020603050405020304" pitchFamily="18" charset="0"/>
+                            <a:cs typeface="Times New Roman" panose="02020603050405020304" pitchFamily="18" charset="0"/>
+                          </a:rPr>
+                          <a:t>1</a:t>
+                        </a:r>
+                        <a:endParaRPr lang="en-US" altLang="ko-KR" sz="1100" b="0" i="0" u="none" strike="noStrike">
+                          <a:effectLst/>
+                          <a:latin typeface="Times New Roman" panose="02020603050405020304" pitchFamily="18" charset="0"/>
+                          <a:cs typeface="Times New Roman" panose="02020603050405020304" pitchFamily="18" charset="0"/>
+                        </a:endParaRPr>
+                      </a:p>
+                    </a:txBody>
+                    <a:tcPr marL="5953" marR="5953" marT="5953" marB="0" anchor="ctr"/>
+                  </a:tc>
+                  <a:extLst>
+                    <a:ext uri="{0D108BD9-81ED-4DB2-BD59-A6C34878D82A}">
+                      <a16:rowId xmlns:a16="http://schemas.microsoft.com/office/drawing/2014/main" val="1033021"/>
+                    </a:ext>
+                  </a:extLst>
+                </a:tr>
+                <a:tr h="508873">
+                  <a:tc gridSpan="12">
+                    <a:txBody>
+                      <a:bodyPr/>
+                      <a:lstStyle/>
+                      <a:p>
+                        <a:pPr algn="ctr" fontAlgn="ctr">
+                          <a:spcBef>
+                            <a:spcPts val="0"/>
+                          </a:spcBef>
+                          <a:spcAft>
+                            <a:spcPts val="0"/>
+                          </a:spcAft>
+                        </a:pPr>
+                        <a:r>
+                          <a:rPr lang="en-US" altLang="ko-KR" sz="1100" b="0" i="0" u="none" strike="noStrike" dirty="0">
+                            <a:effectLst/>
+                            <a:latin typeface="Times New Roman" panose="02020603050405020304" pitchFamily="18" charset="0"/>
+                            <a:cs typeface="Times New Roman" panose="02020603050405020304" pitchFamily="18" charset="0"/>
+                          </a:rPr>
+                          <a:t>…</a:t>
+                        </a:r>
+                      </a:p>
+                    </a:txBody>
+                    <a:tcPr marL="5953" marR="5953" marT="5953" marB="0" anchor="ctr"/>
+                  </a:tc>
+                  <a:tc hMerge="1">
+                    <a:txBody>
+                      <a:bodyPr/>
+                      <a:lstStyle/>
+                      <a:p>
+                        <a:pPr algn="ctr" fontAlgn="ctr">
+                          <a:spcBef>
+                            <a:spcPts val="0"/>
+                          </a:spcBef>
+                          <a:spcAft>
+                            <a:spcPts val="0"/>
+                          </a:spcAft>
+                        </a:pPr>
+                        <a:r>
+                          <a:rPr lang="en-US" sz="1100" u="none" strike="noStrike" dirty="0">
+                            <a:effectLst/>
+                            <a:latin typeface="Times New Roman" panose="02020603050405020304" pitchFamily="18" charset="0"/>
+                            <a:cs typeface="Times New Roman" panose="02020603050405020304" pitchFamily="18" charset="0"/>
+                          </a:rPr>
+                          <a:t>20190705</a:t>
+                        </a:r>
+                        <a:endParaRPr lang="en-US" altLang="ko-KR" sz="1100" b="0" i="0" u="none" strike="noStrike" dirty="0">
+                          <a:effectLst/>
+                          <a:latin typeface="Times New Roman" panose="02020603050405020304" pitchFamily="18" charset="0"/>
+                          <a:cs typeface="Times New Roman" panose="02020603050405020304" pitchFamily="18" charset="0"/>
+                        </a:endParaRPr>
+                      </a:p>
+                    </a:txBody>
+                    <a:tcPr marL="5953" marR="5953" marT="5953" marB="0" anchor="ctr"/>
+                  </a:tc>
+                  <a:tc hMerge="1">
+                    <a:txBody>
+                      <a:bodyPr/>
+                      <a:lstStyle/>
+                      <a:p>
+                        <a:pPr marL="0" marR="0" lvl="0" indent="0" algn="ctr" defTabSz="914400" rtl="0" eaLnBrk="1" fontAlgn="ctr" latinLnBrk="1" hangingPunct="1">
+                          <a:lnSpc>
+                            <a:spcPct val="100000"/>
+                          </a:lnSpc>
+                          <a:spcBef>
+                            <a:spcPts val="0"/>
+                          </a:spcBef>
+                          <a:spcAft>
+                            <a:spcPts val="0"/>
+                          </a:spcAft>
+                          <a:buClrTx/>
+                          <a:buSzTx/>
+                          <a:buFontTx/>
+                          <a:buNone/>
+                          <a:tabLst/>
+                          <a:defRPr/>
+                        </a:pPr>
+                        <a:r>
+                          <a:rPr lang="en-US" altLang="ko-KR" sz="1100" u="none" strike="noStrike" dirty="0">
+                            <a:effectLst/>
+                            <a:latin typeface="Times New Roman" panose="02020603050405020304" pitchFamily="18" charset="0"/>
+                            <a:cs typeface="Times New Roman" panose="02020603050405020304" pitchFamily="18" charset="0"/>
+                          </a:rPr>
+                          <a:t>716adcd0325d3422673e820e…</a:t>
+                        </a:r>
+                        <a:endParaRPr lang="en-US" altLang="ko-KR" sz="1100" b="0" i="0" u="none" strike="noStrike" dirty="0">
+                          <a:effectLst/>
+                          <a:latin typeface="Times New Roman" panose="02020603050405020304" pitchFamily="18" charset="0"/>
+                          <a:cs typeface="Times New Roman" panose="02020603050405020304" pitchFamily="18" charset="0"/>
+                        </a:endParaRPr>
+                      </a:p>
+                    </a:txBody>
+                    <a:tcPr marL="5953" marR="5953" marT="5953" marB="0" anchor="ctr"/>
+                  </a:tc>
+                  <a:tc hMerge="1">
+                    <a:txBody>
+                      <a:bodyPr/>
+                      <a:lstStyle/>
+                      <a:p>
+                        <a:pPr algn="ctr" fontAlgn="ctr">
+                          <a:spcBef>
+                            <a:spcPts val="0"/>
+                          </a:spcBef>
+                          <a:spcAft>
+                            <a:spcPts val="0"/>
+                          </a:spcAft>
+                        </a:pPr>
+                        <a:r>
+                          <a:rPr lang="en-US" sz="1100" u="none" strike="noStrike" dirty="0">
+                            <a:effectLst/>
+                            <a:latin typeface="Times New Roman" panose="02020603050405020304" pitchFamily="18" charset="0"/>
+                            <a:cs typeface="Times New Roman" panose="02020603050405020304" pitchFamily="18" charset="0"/>
+                          </a:rPr>
+                          <a:t>83</a:t>
+                        </a:r>
+                        <a:endParaRPr lang="en-US" altLang="ko-KR" sz="1100" b="0" i="0" u="none" strike="noStrike" dirty="0">
+                          <a:effectLst/>
+                          <a:latin typeface="Times New Roman" panose="02020603050405020304" pitchFamily="18" charset="0"/>
+                          <a:cs typeface="Times New Roman" panose="02020603050405020304" pitchFamily="18" charset="0"/>
+                        </a:endParaRPr>
+                      </a:p>
+                    </a:txBody>
+                    <a:tcPr marL="5953" marR="5953" marT="5953" marB="0" anchor="ctr"/>
+                  </a:tc>
+                  <a:tc hMerge="1">
+                    <a:txBody>
+                      <a:bodyPr/>
+                      <a:lstStyle/>
+                      <a:p>
+                        <a:pPr algn="ctr" fontAlgn="ctr">
+                          <a:spcBef>
+                            <a:spcPts val="0"/>
+                          </a:spcBef>
+                          <a:spcAft>
+                            <a:spcPts val="0"/>
+                          </a:spcAft>
+                        </a:pPr>
+                        <a:r>
+                          <a:rPr lang="en-US" sz="1100" u="none" strike="noStrike" dirty="0">
+                            <a:effectLst/>
+                            <a:latin typeface="Times New Roman" panose="02020603050405020304" pitchFamily="18" charset="0"/>
+                            <a:cs typeface="Times New Roman" panose="02020603050405020304" pitchFamily="18" charset="0"/>
+                          </a:rPr>
+                          <a:t>1</a:t>
+                        </a:r>
+                        <a:endParaRPr lang="en-US" altLang="ko-KR" sz="1100" b="0" i="0" u="none" strike="noStrike" dirty="0">
+                          <a:effectLst/>
+                          <a:latin typeface="Times New Roman" panose="02020603050405020304" pitchFamily="18" charset="0"/>
+                          <a:cs typeface="Times New Roman" panose="02020603050405020304" pitchFamily="18" charset="0"/>
+                        </a:endParaRPr>
+                      </a:p>
+                    </a:txBody>
+                    <a:tcPr marL="5953" marR="5953" marT="5953" marB="0" anchor="ctr"/>
+                  </a:tc>
+                  <a:tc hMerge="1">
+                    <a:txBody>
+                      <a:bodyPr/>
+                      <a:lstStyle/>
+                      <a:p>
+                        <a:pPr algn="ctr" fontAlgn="ctr">
+                          <a:spcBef>
+                            <a:spcPts val="0"/>
+                          </a:spcBef>
+                          <a:spcAft>
+                            <a:spcPts val="0"/>
+                          </a:spcAft>
+                        </a:pPr>
+                        <a:r>
+                          <a:rPr lang="en-US" sz="1100" u="none" strike="noStrike" dirty="0">
+                            <a:effectLst/>
+                            <a:latin typeface="Times New Roman" panose="02020603050405020304" pitchFamily="18" charset="0"/>
+                            <a:cs typeface="Times New Roman" panose="02020603050405020304" pitchFamily="18" charset="0"/>
+                          </a:rPr>
+                          <a:t>88</a:t>
+                        </a:r>
+                        <a:endParaRPr lang="en-US" altLang="ko-KR" sz="1100" b="0" i="0" u="none" strike="noStrike" dirty="0">
+                          <a:effectLst/>
+                          <a:latin typeface="Times New Roman" panose="02020603050405020304" pitchFamily="18" charset="0"/>
+                          <a:cs typeface="Times New Roman" panose="02020603050405020304" pitchFamily="18" charset="0"/>
+                        </a:endParaRPr>
+                      </a:p>
+                    </a:txBody>
+                    <a:tcPr marL="5953" marR="5953" marT="5953" marB="0" anchor="ctr"/>
+                  </a:tc>
+                  <a:tc hMerge="1">
+                    <a:txBody>
+                      <a:bodyPr/>
+                      <a:lstStyle/>
+                      <a:p>
+                        <a:pPr algn="ctr" fontAlgn="ctr">
+                          <a:spcBef>
+                            <a:spcPts val="0"/>
+                          </a:spcBef>
+                          <a:spcAft>
+                            <a:spcPts val="0"/>
+                          </a:spcAft>
+                        </a:pPr>
+                        <a:r>
+                          <a:rPr lang="en-US" sz="1100" u="none" strike="noStrike" dirty="0">
+                            <a:effectLst/>
+                            <a:latin typeface="Times New Roman" panose="02020603050405020304" pitchFamily="18" charset="0"/>
+                            <a:cs typeface="Times New Roman" panose="02020603050405020304" pitchFamily="18" charset="0"/>
+                          </a:rPr>
+                          <a:t>88</a:t>
+                        </a:r>
+                        <a:endParaRPr lang="en-US" altLang="ko-KR" sz="1100" b="0" i="0" u="none" strike="noStrike" dirty="0">
+                          <a:effectLst/>
+                          <a:latin typeface="Times New Roman" panose="02020603050405020304" pitchFamily="18" charset="0"/>
+                          <a:cs typeface="Times New Roman" panose="02020603050405020304" pitchFamily="18" charset="0"/>
+                        </a:endParaRPr>
+                      </a:p>
+                    </a:txBody>
+                    <a:tcPr marL="5953" marR="5953" marT="5953" marB="0" anchor="ctr"/>
+                  </a:tc>
+                  <a:tc hMerge="1">
+                    <a:txBody>
+                      <a:bodyPr/>
+                      <a:lstStyle/>
+                      <a:p>
+                        <a:pPr algn="ctr" fontAlgn="ctr">
+                          <a:spcBef>
+                            <a:spcPts val="0"/>
+                          </a:spcBef>
+                          <a:spcAft>
+                            <a:spcPts val="0"/>
+                          </a:spcAft>
+                        </a:pPr>
+                        <a:r>
+                          <a:rPr lang="en-US" sz="1100" u="none" strike="noStrike" dirty="0">
+                            <a:effectLst/>
+                            <a:latin typeface="Times New Roman" panose="02020603050405020304" pitchFamily="18" charset="0"/>
+                            <a:cs typeface="Times New Roman" panose="02020603050405020304" pitchFamily="18" charset="0"/>
+                          </a:rPr>
+                          <a:t>0</a:t>
+                        </a:r>
+                        <a:endParaRPr lang="en-US" altLang="ko-KR" sz="1100" b="0" i="0" u="none" strike="noStrike" dirty="0">
+                          <a:effectLst/>
+                          <a:latin typeface="Times New Roman" panose="02020603050405020304" pitchFamily="18" charset="0"/>
+                          <a:cs typeface="Times New Roman" panose="02020603050405020304" pitchFamily="18" charset="0"/>
+                        </a:endParaRPr>
+                      </a:p>
+                    </a:txBody>
+                    <a:tcPr marL="5953" marR="5953" marT="5953" marB="0" anchor="ctr"/>
+                  </a:tc>
+                  <a:tc hMerge="1">
+                    <a:txBody>
+                      <a:bodyPr/>
+                      <a:lstStyle/>
+                      <a:p>
+                        <a:pPr algn="ctr" fontAlgn="ctr">
+                          <a:spcBef>
+                            <a:spcPts val="0"/>
+                          </a:spcBef>
+                          <a:spcAft>
+                            <a:spcPts val="0"/>
+                          </a:spcAft>
+                        </a:pPr>
+                        <a:r>
+                          <a:rPr lang="en-US" sz="1100" u="none" strike="noStrike" dirty="0">
+                            <a:effectLst/>
+                            <a:latin typeface="Times New Roman" panose="02020603050405020304" pitchFamily="18" charset="0"/>
+                            <a:cs typeface="Times New Roman" panose="02020603050405020304" pitchFamily="18" charset="0"/>
+                          </a:rPr>
+                          <a:t>0</a:t>
+                        </a:r>
+                        <a:endParaRPr lang="en-US" altLang="ko-KR" sz="1100" b="0" i="0" u="none" strike="noStrike" dirty="0">
+                          <a:effectLst/>
+                          <a:latin typeface="Times New Roman" panose="02020603050405020304" pitchFamily="18" charset="0"/>
+                          <a:cs typeface="Times New Roman" panose="02020603050405020304" pitchFamily="18" charset="0"/>
+                        </a:endParaRPr>
+                      </a:p>
+                    </a:txBody>
+                    <a:tcPr marL="5953" marR="5953" marT="5953" marB="0" anchor="ctr"/>
+                  </a:tc>
+                  <a:tc hMerge="1">
+                    <a:txBody>
+                      <a:bodyPr/>
+                      <a:lstStyle/>
+                      <a:p>
+                        <a:pPr algn="ctr" fontAlgn="ctr">
+                          <a:spcBef>
+                            <a:spcPts val="0"/>
+                          </a:spcBef>
+                          <a:spcAft>
+                            <a:spcPts val="0"/>
+                          </a:spcAft>
+                        </a:pPr>
+                        <a:r>
+                          <a:rPr lang="en-US" sz="1100" u="none" strike="noStrike" dirty="0">
+                            <a:effectLst/>
+                            <a:latin typeface="Times New Roman" panose="02020603050405020304" pitchFamily="18" charset="0"/>
+                            <a:cs typeface="Times New Roman" panose="02020603050405020304" pitchFamily="18" charset="0"/>
+                          </a:rPr>
+                          <a:t>0</a:t>
+                        </a:r>
+                        <a:endParaRPr lang="en-US" altLang="ko-KR" sz="1100" b="0" i="0" u="none" strike="noStrike" dirty="0">
+                          <a:effectLst/>
+                          <a:latin typeface="Times New Roman" panose="02020603050405020304" pitchFamily="18" charset="0"/>
+                          <a:cs typeface="Times New Roman" panose="02020603050405020304" pitchFamily="18" charset="0"/>
+                        </a:endParaRPr>
+                      </a:p>
+                    </a:txBody>
+                    <a:tcPr marL="5953" marR="5953" marT="5953" marB="0" anchor="ctr"/>
+                  </a:tc>
+                  <a:tc hMerge="1">
+                    <a:txBody>
+                      <a:bodyPr/>
+                      <a:lstStyle/>
+                      <a:p>
+                        <a:pPr algn="ctr" fontAlgn="ctr">
+                          <a:spcBef>
+                            <a:spcPts val="0"/>
+                          </a:spcBef>
+                          <a:spcAft>
+                            <a:spcPts val="0"/>
+                          </a:spcAft>
+                        </a:pPr>
+                        <a:r>
+                          <a:rPr lang="en-US" sz="1100" u="none" strike="noStrike" dirty="0">
+                            <a:effectLst/>
+                            <a:latin typeface="Times New Roman" panose="02020603050405020304" pitchFamily="18" charset="0"/>
+                            <a:cs typeface="Times New Roman" panose="02020603050405020304" pitchFamily="18" charset="0"/>
+                          </a:rPr>
+                          <a:t>0</a:t>
+                        </a:r>
+                        <a:endParaRPr lang="en-US" altLang="ko-KR" sz="1100" b="0" i="0" u="none" strike="noStrike" dirty="0">
+                          <a:effectLst/>
+                          <a:latin typeface="Times New Roman" panose="02020603050405020304" pitchFamily="18" charset="0"/>
+                          <a:cs typeface="Times New Roman" panose="02020603050405020304" pitchFamily="18" charset="0"/>
+                        </a:endParaRPr>
+                      </a:p>
+                    </a:txBody>
+                    <a:tcPr marL="5953" marR="5953" marT="5953" marB="0" anchor="ctr"/>
+                  </a:tc>
+                  <a:tc hMerge="1">
+                    <a:txBody>
+                      <a:bodyPr/>
+                      <a:lstStyle/>
+                      <a:p>
+                        <a:pPr algn="ctr" fontAlgn="ctr">
+                          <a:spcBef>
+                            <a:spcPts val="0"/>
+                          </a:spcBef>
+                          <a:spcAft>
+                            <a:spcPts val="0"/>
+                          </a:spcAft>
+                        </a:pPr>
+                        <a:r>
+                          <a:rPr lang="en-US" sz="1100" u="none" strike="noStrike" dirty="0">
+                            <a:effectLst/>
+                            <a:latin typeface="Times New Roman" panose="02020603050405020304" pitchFamily="18" charset="0"/>
+                            <a:cs typeface="Times New Roman" panose="02020603050405020304" pitchFamily="18" charset="0"/>
+                          </a:rPr>
+                          <a:t>0</a:t>
+                        </a:r>
+                        <a:endParaRPr lang="en-US" altLang="ko-KR" sz="1100" b="0" i="0" u="none" strike="noStrike" dirty="0">
+                          <a:effectLst/>
+                          <a:latin typeface="Times New Roman" panose="02020603050405020304" pitchFamily="18" charset="0"/>
+                          <a:cs typeface="Times New Roman" panose="02020603050405020304" pitchFamily="18" charset="0"/>
+                        </a:endParaRPr>
+                      </a:p>
+                    </a:txBody>
+                    <a:tcPr marL="5953" marR="5953" marT="5953" marB="0" anchor="ctr"/>
+                  </a:tc>
+                  <a:extLst>
+                    <a:ext uri="{0D108BD9-81ED-4DB2-BD59-A6C34878D82A}">
+                      <a16:rowId xmlns:a16="http://schemas.microsoft.com/office/drawing/2014/main" val="4011973699"/>
+                    </a:ext>
+                  </a:extLst>
+                </a:tr>
+                <a:tr h="228074">
+                  <a:tc>
+                    <a:txBody>
+                      <a:bodyPr/>
+                      <a:lstStyle/>
+                      <a:p>
+                        <a:pPr algn="ctr" fontAlgn="ctr">
+                          <a:spcBef>
+                            <a:spcPts val="0"/>
+                          </a:spcBef>
+                          <a:spcAft>
+                            <a:spcPts val="0"/>
+                          </a:spcAft>
+                        </a:pPr>
+                        <a:r>
+                          <a:rPr lang="en-US" sz="1100" u="none" strike="noStrike" dirty="0">
+                            <a:effectLst/>
+                            <a:latin typeface="Times New Roman" panose="02020603050405020304" pitchFamily="18" charset="0"/>
+                            <a:cs typeface="Times New Roman" panose="02020603050405020304" pitchFamily="18" charset="0"/>
+                          </a:rPr>
+                          <a:t>35839</a:t>
+                        </a:r>
+                        <a:endParaRPr lang="en-US" altLang="ko-KR" sz="1100" b="0" i="0" u="none" strike="noStrike" dirty="0">
+                          <a:effectLst/>
+                          <a:latin typeface="Times New Roman" panose="02020603050405020304" pitchFamily="18" charset="0"/>
+                          <a:cs typeface="Times New Roman" panose="02020603050405020304" pitchFamily="18" charset="0"/>
+                        </a:endParaRPr>
+                      </a:p>
+                    </a:txBody>
+                    <a:tcPr marL="9525" marR="9525" marT="9525" marB="0" anchor="ctr"/>
+                  </a:tc>
+                  <a:tc>
+                    <a:txBody>
+                      <a:bodyPr/>
+                      <a:lstStyle/>
+                      <a:p>
+                        <a:pPr algn="ctr" fontAlgn="ctr">
+                          <a:spcBef>
+                            <a:spcPts val="0"/>
+                          </a:spcBef>
+                          <a:spcAft>
+                            <a:spcPts val="0"/>
+                          </a:spcAft>
+                        </a:pPr>
+                        <a:r>
+                          <a:rPr lang="en-US" sz="1100" u="none" strike="noStrike" dirty="0">
+                            <a:effectLst/>
+                            <a:latin typeface="Times New Roman" panose="02020603050405020304" pitchFamily="18" charset="0"/>
+                            <a:cs typeface="Times New Roman" panose="02020603050405020304" pitchFamily="18" charset="0"/>
+                          </a:rPr>
+                          <a:t>20190729</a:t>
+                        </a:r>
+                        <a:endParaRPr lang="en-US" altLang="ko-KR" sz="1800" b="0" i="0" u="none" strike="noStrike" dirty="0">
+                          <a:effectLst/>
+                          <a:latin typeface="Times New Roman" panose="02020603050405020304" pitchFamily="18" charset="0"/>
+                          <a:cs typeface="Times New Roman" panose="02020603050405020304" pitchFamily="18" charset="0"/>
+                        </a:endParaRPr>
+                      </a:p>
+                    </a:txBody>
+                    <a:tcPr marL="9525" marR="9525" marT="9525" marB="0" anchor="ctr"/>
+                  </a:tc>
+                  <a:tc>
+                    <a:txBody>
+                      <a:bodyPr/>
+                      <a:lstStyle/>
+                      <a:p>
+                        <a:pPr algn="ctr" fontAlgn="ctr">
+                          <a:spcBef>
+                            <a:spcPts val="0"/>
+                          </a:spcBef>
+                          <a:spcAft>
+                            <a:spcPts val="0"/>
+                          </a:spcAft>
+                        </a:pPr>
+                        <a:r>
+                          <a:rPr lang="en-US" sz="1100" u="none" strike="noStrike" dirty="0">
+                            <a:effectLst/>
+                            <a:latin typeface="Times New Roman" panose="02020603050405020304" pitchFamily="18" charset="0"/>
+                            <a:cs typeface="Times New Roman" panose="02020603050405020304" pitchFamily="18" charset="0"/>
+                          </a:rPr>
+                          <a:t>Ae7059b2cd0a55eee7d…</a:t>
+                        </a:r>
+                        <a:endParaRPr lang="en-US" altLang="ko-KR" sz="1800" b="0" i="0" u="none" strike="noStrike" dirty="0">
+                          <a:effectLst/>
+                          <a:latin typeface="Times New Roman" panose="02020603050405020304" pitchFamily="18" charset="0"/>
+                          <a:cs typeface="Times New Roman" panose="02020603050405020304" pitchFamily="18" charset="0"/>
+                        </a:endParaRPr>
+                      </a:p>
+                    </a:txBody>
+                    <a:tcPr marL="9525" marR="9525" marT="9525" marB="0" anchor="ctr"/>
+                  </a:tc>
+                  <a:tc>
+                    <a:txBody>
+                      <a:bodyPr/>
+                      <a:lstStyle/>
+                      <a:p>
+                        <a:pPr algn="ctr" fontAlgn="ctr">
+                          <a:spcBef>
+                            <a:spcPts val="0"/>
+                          </a:spcBef>
+                          <a:spcAft>
+                            <a:spcPts val="0"/>
+                          </a:spcAft>
+                        </a:pPr>
+                        <a:r>
+                          <a:rPr lang="en-US" sz="1100" u="none" strike="noStrike" dirty="0">
+                            <a:effectLst/>
+                            <a:latin typeface="Times New Roman" panose="02020603050405020304" pitchFamily="18" charset="0"/>
+                            <a:cs typeface="Times New Roman" panose="02020603050405020304" pitchFamily="18" charset="0"/>
+                          </a:rPr>
+                          <a:t>42</a:t>
+                        </a:r>
+                        <a:endParaRPr lang="en-US" altLang="ko-KR" sz="1800" b="0" i="0" u="none" strike="noStrike" dirty="0">
+                          <a:effectLst/>
+                          <a:latin typeface="Times New Roman" panose="02020603050405020304" pitchFamily="18" charset="0"/>
+                          <a:cs typeface="Times New Roman" panose="02020603050405020304" pitchFamily="18" charset="0"/>
+                        </a:endParaRPr>
+                      </a:p>
+                    </a:txBody>
+                    <a:tcPr marL="9525" marR="9525" marT="9525" marB="0" anchor="ctr"/>
+                  </a:tc>
+                  <a:tc>
+                    <a:txBody>
+                      <a:bodyPr/>
+                      <a:lstStyle/>
+                      <a:p>
+                        <a:pPr algn="ctr" fontAlgn="ctr">
+                          <a:spcBef>
+                            <a:spcPts val="0"/>
+                          </a:spcBef>
+                          <a:spcAft>
+                            <a:spcPts val="0"/>
+                          </a:spcAft>
+                        </a:pPr>
+                        <a:r>
+                          <a:rPr lang="en-US" sz="1100" u="none" strike="noStrike" dirty="0">
+                            <a:effectLst/>
+                            <a:latin typeface="Times New Roman" panose="02020603050405020304" pitchFamily="18" charset="0"/>
+                            <a:cs typeface="Times New Roman" panose="02020603050405020304" pitchFamily="18" charset="0"/>
+                          </a:rPr>
+                          <a:t>10</a:t>
+                        </a:r>
+                        <a:endParaRPr lang="en-US" altLang="ko-KR" sz="1800" b="0" i="0" u="none" strike="noStrike" dirty="0">
+                          <a:effectLst/>
+                          <a:latin typeface="Times New Roman" panose="02020603050405020304" pitchFamily="18" charset="0"/>
+                          <a:cs typeface="Times New Roman" panose="02020603050405020304" pitchFamily="18" charset="0"/>
+                        </a:endParaRPr>
+                      </a:p>
+                    </a:txBody>
+                    <a:tcPr marL="9525" marR="9525" marT="9525" marB="0" anchor="ctr"/>
+                  </a:tc>
+                  <a:tc>
+                    <a:txBody>
+                      <a:bodyPr/>
+                      <a:lstStyle/>
+                      <a:p>
+                        <a:pPr algn="ctr" fontAlgn="ctr">
+                          <a:spcBef>
+                            <a:spcPts val="0"/>
+                          </a:spcBef>
+                          <a:spcAft>
+                            <a:spcPts val="0"/>
+                          </a:spcAft>
+                        </a:pPr>
+                        <a:r>
+                          <a:rPr lang="en-US" sz="1100" u="none" strike="noStrike" dirty="0">
+                            <a:effectLst/>
+                            <a:latin typeface="Times New Roman" panose="02020603050405020304" pitchFamily="18" charset="0"/>
+                            <a:cs typeface="Times New Roman" panose="02020603050405020304" pitchFamily="18" charset="0"/>
+                          </a:rPr>
+                          <a:t>77</a:t>
+                        </a:r>
+                        <a:endParaRPr lang="en-US" altLang="ko-KR" sz="1800" b="0" i="0" u="none" strike="noStrike" dirty="0">
+                          <a:effectLst/>
+                          <a:latin typeface="Times New Roman" panose="02020603050405020304" pitchFamily="18" charset="0"/>
+                          <a:cs typeface="Times New Roman" panose="02020603050405020304" pitchFamily="18" charset="0"/>
+                        </a:endParaRPr>
+                      </a:p>
+                    </a:txBody>
+                    <a:tcPr marL="9525" marR="9525" marT="9525" marB="0" anchor="ctr"/>
+                  </a:tc>
+                  <a:tc>
+                    <a:txBody>
+                      <a:bodyPr/>
+                      <a:lstStyle/>
+                      <a:p>
+                        <a:pPr algn="ctr" fontAlgn="ctr">
+                          <a:spcBef>
+                            <a:spcPts val="0"/>
+                          </a:spcBef>
+                          <a:spcAft>
+                            <a:spcPts val="0"/>
+                          </a:spcAft>
+                        </a:pPr>
+                        <a:r>
+                          <a:rPr lang="en-US" sz="1100" u="none" strike="noStrike" dirty="0">
+                            <a:effectLst/>
+                            <a:latin typeface="Times New Roman" panose="02020603050405020304" pitchFamily="18" charset="0"/>
+                            <a:cs typeface="Times New Roman" panose="02020603050405020304" pitchFamily="18" charset="0"/>
+                          </a:rPr>
+                          <a:t>770</a:t>
+                        </a:r>
+                        <a:endParaRPr lang="en-US" altLang="ko-KR" sz="1800" b="0" i="0" u="none" strike="noStrike" dirty="0">
+                          <a:effectLst/>
+                          <a:latin typeface="Times New Roman" panose="02020603050405020304" pitchFamily="18" charset="0"/>
+                          <a:cs typeface="Times New Roman" panose="02020603050405020304" pitchFamily="18" charset="0"/>
+                        </a:endParaRPr>
+                      </a:p>
+                    </a:txBody>
+                    <a:tcPr marL="9525" marR="9525" marT="9525" marB="0" anchor="ctr"/>
+                  </a:tc>
+                  <a:tc>
+                    <a:txBody>
+                      <a:bodyPr/>
+                      <a:lstStyle/>
+                      <a:p>
+                        <a:pPr algn="ctr" fontAlgn="ctr">
+                          <a:spcBef>
+                            <a:spcPts val="0"/>
+                          </a:spcBef>
+                          <a:spcAft>
+                            <a:spcPts val="0"/>
+                          </a:spcAft>
+                        </a:pPr>
+                        <a:r>
+                          <a:rPr lang="en-US" sz="1100" u="none" strike="noStrike">
+                            <a:effectLst/>
+                            <a:latin typeface="Times New Roman" panose="02020603050405020304" pitchFamily="18" charset="0"/>
+                            <a:cs typeface="Times New Roman" panose="02020603050405020304" pitchFamily="18" charset="0"/>
+                          </a:rPr>
+                          <a:t>8</a:t>
+                        </a:r>
+                        <a:endParaRPr lang="en-US" altLang="ko-KR" sz="1800" b="0" i="0" u="none" strike="noStrike" dirty="0">
+                          <a:effectLst/>
+                          <a:latin typeface="Times New Roman" panose="02020603050405020304" pitchFamily="18" charset="0"/>
+                          <a:cs typeface="Times New Roman" panose="02020603050405020304" pitchFamily="18" charset="0"/>
+                        </a:endParaRPr>
+                      </a:p>
+                    </a:txBody>
+                    <a:tcPr marL="9525" marR="9525" marT="9525" marB="0" anchor="ctr"/>
+                  </a:tc>
+                  <a:tc>
+                    <a:txBody>
+                      <a:bodyPr/>
+                      <a:lstStyle/>
+                      <a:p>
+                        <a:pPr algn="ctr" fontAlgn="ctr">
+                          <a:spcBef>
+                            <a:spcPts val="0"/>
+                          </a:spcBef>
+                          <a:spcAft>
+                            <a:spcPts val="0"/>
+                          </a:spcAft>
+                        </a:pPr>
+                        <a:r>
+                          <a:rPr lang="en-US" sz="1100" u="none" strike="noStrike">
+                            <a:effectLst/>
+                            <a:latin typeface="Times New Roman" panose="02020603050405020304" pitchFamily="18" charset="0"/>
+                            <a:cs typeface="Times New Roman" panose="02020603050405020304" pitchFamily="18" charset="0"/>
+                          </a:rPr>
+                          <a:t>6</a:t>
+                        </a:r>
+                        <a:endParaRPr lang="en-US" altLang="ko-KR" sz="1800" b="0" i="0" u="none" strike="noStrike" dirty="0">
+                          <a:effectLst/>
+                          <a:latin typeface="Times New Roman" panose="02020603050405020304" pitchFamily="18" charset="0"/>
+                          <a:cs typeface="Times New Roman" panose="02020603050405020304" pitchFamily="18" charset="0"/>
+                        </a:endParaRPr>
+                      </a:p>
+                    </a:txBody>
+                    <a:tcPr marL="9525" marR="9525" marT="9525" marB="0" anchor="ctr"/>
+                  </a:tc>
+                  <a:tc>
+                    <a:txBody>
+                      <a:bodyPr/>
+                      <a:lstStyle/>
+                      <a:p>
+                        <a:pPr algn="ctr" fontAlgn="ctr">
+                          <a:spcBef>
+                            <a:spcPts val="0"/>
+                          </a:spcBef>
+                          <a:spcAft>
+                            <a:spcPts val="0"/>
+                          </a:spcAft>
+                        </a:pPr>
+                        <a:r>
+                          <a:rPr lang="en-US" sz="1100" u="none" strike="noStrike">
+                            <a:effectLst/>
+                            <a:latin typeface="Times New Roman" panose="02020603050405020304" pitchFamily="18" charset="0"/>
+                            <a:cs typeface="Times New Roman" panose="02020603050405020304" pitchFamily="18" charset="0"/>
+                          </a:rPr>
+                          <a:t>2</a:t>
+                        </a:r>
+                        <a:endParaRPr lang="en-US" altLang="ko-KR" sz="1800" b="0" i="0" u="none" strike="noStrike">
+                          <a:effectLst/>
+                          <a:latin typeface="Times New Roman" panose="02020603050405020304" pitchFamily="18" charset="0"/>
+                          <a:cs typeface="Times New Roman" panose="02020603050405020304" pitchFamily="18" charset="0"/>
+                        </a:endParaRPr>
+                      </a:p>
+                    </a:txBody>
+                    <a:tcPr marL="9525" marR="9525" marT="9525" marB="0" anchor="ctr"/>
+                  </a:tc>
+                  <a:tc>
+                    <a:txBody>
+                      <a:bodyPr/>
+                      <a:lstStyle/>
+                      <a:p>
+                        <a:pPr algn="ctr" fontAlgn="ctr">
+                          <a:spcBef>
+                            <a:spcPts val="0"/>
+                          </a:spcBef>
+                          <a:spcAft>
+                            <a:spcPts val="0"/>
+                          </a:spcAft>
+                        </a:pPr>
+                        <a:r>
+                          <a:rPr lang="en-US" sz="1100" u="none" strike="noStrike" dirty="0">
+                            <a:effectLst/>
+                            <a:latin typeface="Times New Roman" panose="02020603050405020304" pitchFamily="18" charset="0"/>
+                            <a:cs typeface="Times New Roman" panose="02020603050405020304" pitchFamily="18" charset="0"/>
+                          </a:rPr>
+                          <a:t>0</a:t>
+                        </a:r>
+                        <a:endParaRPr lang="en-US" altLang="ko-KR" sz="1800" b="0" i="0" u="none" strike="noStrike" dirty="0">
+                          <a:effectLst/>
+                          <a:latin typeface="Times New Roman" panose="02020603050405020304" pitchFamily="18" charset="0"/>
+                          <a:cs typeface="Times New Roman" panose="02020603050405020304" pitchFamily="18" charset="0"/>
+                        </a:endParaRPr>
+                      </a:p>
+                    </a:txBody>
+                    <a:tcPr marL="9525" marR="9525" marT="9525" marB="0" anchor="ctr"/>
+                  </a:tc>
+                  <a:tc>
+                    <a:txBody>
+                      <a:bodyPr/>
+                      <a:lstStyle/>
+                      <a:p>
+                        <a:pPr algn="ctr" fontAlgn="ctr">
+                          <a:spcBef>
+                            <a:spcPts val="0"/>
+                          </a:spcBef>
+                          <a:spcAft>
+                            <a:spcPts val="0"/>
+                          </a:spcAft>
+                        </a:pPr>
+                        <a:r>
+                          <a:rPr lang="en-US" sz="1100" u="none" strike="noStrike" dirty="0">
+                            <a:effectLst/>
+                            <a:latin typeface="Times New Roman" panose="02020603050405020304" pitchFamily="18" charset="0"/>
+                            <a:cs typeface="Times New Roman" panose="02020603050405020304" pitchFamily="18" charset="0"/>
+                          </a:rPr>
+                          <a:t>4</a:t>
+                        </a:r>
+                        <a:endParaRPr lang="en-US" altLang="ko-KR" sz="1800" b="0" i="0" u="none" strike="noStrike" dirty="0">
+                          <a:effectLst/>
+                          <a:latin typeface="Times New Roman" panose="02020603050405020304" pitchFamily="18" charset="0"/>
+                          <a:cs typeface="Times New Roman" panose="02020603050405020304" pitchFamily="18" charset="0"/>
+                        </a:endParaRPr>
+                      </a:p>
+                    </a:txBody>
+                    <a:tcPr marL="9525" marR="9525" marT="9525" marB="0" anchor="ctr"/>
+                  </a:tc>
+                  <a:extLst>
+                    <a:ext uri="{0D108BD9-81ED-4DB2-BD59-A6C34878D82A}">
+                      <a16:rowId xmlns:a16="http://schemas.microsoft.com/office/drawing/2014/main" val="1626834736"/>
+                    </a:ext>
+                  </a:extLst>
+                </a:tr>
+                <a:tr h="228074">
+                  <a:tc>
+                    <a:txBody>
+                      <a:bodyPr/>
+                      <a:lstStyle/>
+                      <a:p>
+                        <a:pPr algn="ctr" fontAlgn="ctr">
+                          <a:spcBef>
+                            <a:spcPts val="0"/>
+                          </a:spcBef>
+                          <a:spcAft>
+                            <a:spcPts val="0"/>
+                          </a:spcAft>
+                        </a:pPr>
+                        <a:r>
+                          <a:rPr lang="en-US" sz="1100" u="none" strike="noStrike">
+                            <a:effectLst/>
+                            <a:latin typeface="Times New Roman" panose="02020603050405020304" pitchFamily="18" charset="0"/>
+                            <a:cs typeface="Times New Roman" panose="02020603050405020304" pitchFamily="18" charset="0"/>
+                          </a:rPr>
+                          <a:t>35840</a:t>
+                        </a:r>
+                        <a:endParaRPr lang="en-US" altLang="ko-KR" sz="1800" b="0" i="0" u="none" strike="noStrike">
+                          <a:effectLst/>
+                          <a:latin typeface="Times New Roman" panose="02020603050405020304" pitchFamily="18" charset="0"/>
+                          <a:cs typeface="Times New Roman" panose="02020603050405020304" pitchFamily="18" charset="0"/>
+                        </a:endParaRPr>
+                      </a:p>
+                    </a:txBody>
+                    <a:tcPr marL="9525" marR="9525" marT="9525" marB="0" anchor="ctr"/>
+                  </a:tc>
+                  <a:tc>
+                    <a:txBody>
+                      <a:bodyPr/>
+                      <a:lstStyle/>
+                      <a:p>
+                        <a:pPr algn="ctr" fontAlgn="ctr">
+                          <a:spcBef>
+                            <a:spcPts val="0"/>
+                          </a:spcBef>
+                          <a:spcAft>
+                            <a:spcPts val="0"/>
+                          </a:spcAft>
+                        </a:pPr>
+                        <a:r>
+                          <a:rPr lang="en-US" sz="1100" u="none" strike="noStrike" dirty="0">
+                            <a:effectLst/>
+                            <a:latin typeface="Times New Roman" panose="02020603050405020304" pitchFamily="18" charset="0"/>
+                            <a:cs typeface="Times New Roman" panose="02020603050405020304" pitchFamily="18" charset="0"/>
+                          </a:rPr>
+                          <a:t>20190730</a:t>
+                        </a:r>
+                        <a:endParaRPr lang="en-US" altLang="ko-KR" sz="1800" b="0" i="0" u="none" strike="noStrike" dirty="0">
+                          <a:effectLst/>
+                          <a:latin typeface="Times New Roman" panose="02020603050405020304" pitchFamily="18" charset="0"/>
+                          <a:cs typeface="Times New Roman" panose="02020603050405020304" pitchFamily="18" charset="0"/>
+                        </a:endParaRPr>
+                      </a:p>
+                    </a:txBody>
+                    <a:tcPr marL="9525" marR="9525" marT="9525" marB="0" anchor="ctr"/>
+                  </a:tc>
+                  <a:tc>
+                    <a:txBody>
+                      <a:bodyPr/>
+                      <a:lstStyle/>
+                      <a:p>
+                        <a:pPr marL="0" marR="0" lvl="0" indent="0" algn="ctr" defTabSz="914400" rtl="0" eaLnBrk="1" fontAlgn="ctr" latinLnBrk="1" hangingPunct="1">
+                          <a:lnSpc>
+                            <a:spcPct val="100000"/>
+                          </a:lnSpc>
+                          <a:spcBef>
+                            <a:spcPts val="0"/>
+                          </a:spcBef>
+                          <a:spcAft>
+                            <a:spcPts val="0"/>
+                          </a:spcAft>
+                          <a:buClrTx/>
+                          <a:buSzTx/>
+                          <a:buFontTx/>
+                          <a:buNone/>
+                          <a:tabLst/>
+                          <a:defRPr/>
+                        </a:pPr>
+                        <a:r>
+                          <a:rPr lang="en-US" altLang="ko-KR" sz="1100" u="none" strike="noStrike" dirty="0">
+                            <a:effectLst/>
+                            <a:latin typeface="Times New Roman" panose="02020603050405020304" pitchFamily="18" charset="0"/>
+                            <a:cs typeface="Times New Roman" panose="02020603050405020304" pitchFamily="18" charset="0"/>
+                          </a:rPr>
+                          <a:t>Ae7059b2cd0a55eee7d…</a:t>
+                        </a:r>
+                        <a:endParaRPr lang="en-US" altLang="ko-KR" sz="1800" b="0" i="0" u="none" strike="noStrike" dirty="0">
+                          <a:effectLst/>
+                          <a:latin typeface="Times New Roman" panose="02020603050405020304" pitchFamily="18" charset="0"/>
+                          <a:cs typeface="Times New Roman" panose="02020603050405020304" pitchFamily="18" charset="0"/>
+                        </a:endParaRPr>
+                      </a:p>
+                    </a:txBody>
+                    <a:tcPr marL="9525" marR="9525" marT="9525" marB="0" anchor="ctr"/>
+                  </a:tc>
+                  <a:tc>
+                    <a:txBody>
+                      <a:bodyPr/>
+                      <a:lstStyle/>
+                      <a:p>
+                        <a:pPr algn="ctr" fontAlgn="ctr">
+                          <a:spcBef>
+                            <a:spcPts val="0"/>
+                          </a:spcBef>
+                          <a:spcAft>
+                            <a:spcPts val="0"/>
+                          </a:spcAft>
+                        </a:pPr>
+                        <a:r>
+                          <a:rPr lang="en-US" sz="1100" u="none" strike="noStrike" dirty="0">
+                            <a:effectLst/>
+                            <a:latin typeface="Times New Roman" panose="02020603050405020304" pitchFamily="18" charset="0"/>
+                            <a:cs typeface="Times New Roman" panose="02020603050405020304" pitchFamily="18" charset="0"/>
+                          </a:rPr>
+                          <a:t>26</a:t>
+                        </a:r>
+                        <a:endParaRPr lang="en-US" altLang="ko-KR" sz="1800" b="0" i="0" u="none" strike="noStrike" dirty="0">
+                          <a:effectLst/>
+                          <a:latin typeface="Times New Roman" panose="02020603050405020304" pitchFamily="18" charset="0"/>
+                          <a:cs typeface="Times New Roman" panose="02020603050405020304" pitchFamily="18" charset="0"/>
+                        </a:endParaRPr>
+                      </a:p>
+                    </a:txBody>
+                    <a:tcPr marL="9525" marR="9525" marT="9525" marB="0" anchor="ctr"/>
+                  </a:tc>
+                  <a:tc>
+                    <a:txBody>
+                      <a:bodyPr/>
+                      <a:lstStyle/>
+                      <a:p>
+                        <a:pPr algn="ctr" fontAlgn="ctr">
+                          <a:spcBef>
+                            <a:spcPts val="0"/>
+                          </a:spcBef>
+                          <a:spcAft>
+                            <a:spcPts val="0"/>
+                          </a:spcAft>
+                        </a:pPr>
+                        <a:r>
+                          <a:rPr lang="en-US" sz="1100" u="none" strike="noStrike" dirty="0">
+                            <a:effectLst/>
+                            <a:latin typeface="Times New Roman" panose="02020603050405020304" pitchFamily="18" charset="0"/>
+                            <a:cs typeface="Times New Roman" panose="02020603050405020304" pitchFamily="18" charset="0"/>
+                          </a:rPr>
+                          <a:t>3</a:t>
+                        </a:r>
+                        <a:endParaRPr lang="en-US" altLang="ko-KR" sz="1800" b="0" i="0" u="none" strike="noStrike" dirty="0">
+                          <a:effectLst/>
+                          <a:latin typeface="Times New Roman" panose="02020603050405020304" pitchFamily="18" charset="0"/>
+                          <a:cs typeface="Times New Roman" panose="02020603050405020304" pitchFamily="18" charset="0"/>
+                        </a:endParaRPr>
+                      </a:p>
+                    </a:txBody>
+                    <a:tcPr marL="9525" marR="9525" marT="9525" marB="0" anchor="ctr"/>
+                  </a:tc>
+                  <a:tc>
+                    <a:txBody>
+                      <a:bodyPr/>
+                      <a:lstStyle/>
+                      <a:p>
+                        <a:pPr algn="ctr" fontAlgn="ctr">
+                          <a:spcBef>
+                            <a:spcPts val="0"/>
+                          </a:spcBef>
+                          <a:spcAft>
+                            <a:spcPts val="0"/>
+                          </a:spcAft>
+                        </a:pPr>
+                        <a:r>
+                          <a:rPr lang="en-US" sz="1100" u="none" strike="noStrike" dirty="0">
+                            <a:effectLst/>
+                            <a:latin typeface="Times New Roman" panose="02020603050405020304" pitchFamily="18" charset="0"/>
+                            <a:cs typeface="Times New Roman" panose="02020603050405020304" pitchFamily="18" charset="0"/>
+                          </a:rPr>
+                          <a:t>77</a:t>
+                        </a:r>
+                        <a:endParaRPr lang="en-US" altLang="ko-KR" sz="1800" b="0" i="0" u="none" strike="noStrike" dirty="0">
+                          <a:effectLst/>
+                          <a:latin typeface="Times New Roman" panose="02020603050405020304" pitchFamily="18" charset="0"/>
+                          <a:cs typeface="Times New Roman" panose="02020603050405020304" pitchFamily="18" charset="0"/>
+                        </a:endParaRPr>
+                      </a:p>
+                    </a:txBody>
+                    <a:tcPr marL="9525" marR="9525" marT="9525" marB="0" anchor="ctr"/>
+                  </a:tc>
+                  <a:tc>
+                    <a:txBody>
+                      <a:bodyPr/>
+                      <a:lstStyle/>
+                      <a:p>
+                        <a:pPr algn="ctr" fontAlgn="ctr">
+                          <a:spcBef>
+                            <a:spcPts val="0"/>
+                          </a:spcBef>
+                          <a:spcAft>
+                            <a:spcPts val="0"/>
+                          </a:spcAft>
+                        </a:pPr>
+                        <a:r>
+                          <a:rPr lang="en-US" sz="1100" u="none" strike="noStrike" dirty="0">
+                            <a:effectLst/>
+                            <a:latin typeface="Times New Roman" panose="02020603050405020304" pitchFamily="18" charset="0"/>
+                            <a:cs typeface="Times New Roman" panose="02020603050405020304" pitchFamily="18" charset="0"/>
+                          </a:rPr>
+                          <a:t>231</a:t>
+                        </a:r>
+                        <a:endParaRPr lang="en-US" altLang="ko-KR" sz="1800" b="0" i="0" u="none" strike="noStrike" dirty="0">
+                          <a:effectLst/>
+                          <a:latin typeface="Times New Roman" panose="02020603050405020304" pitchFamily="18" charset="0"/>
+                          <a:cs typeface="Times New Roman" panose="02020603050405020304" pitchFamily="18" charset="0"/>
+                        </a:endParaRPr>
+                      </a:p>
+                    </a:txBody>
+                    <a:tcPr marL="9525" marR="9525" marT="9525" marB="0" anchor="ctr"/>
+                  </a:tc>
+                  <a:tc>
+                    <a:txBody>
+                      <a:bodyPr/>
+                      <a:lstStyle/>
+                      <a:p>
+                        <a:pPr algn="ctr" fontAlgn="ctr">
+                          <a:spcBef>
+                            <a:spcPts val="0"/>
+                          </a:spcBef>
+                          <a:spcAft>
+                            <a:spcPts val="0"/>
+                          </a:spcAft>
+                        </a:pPr>
+                        <a:r>
+                          <a:rPr lang="en-US" sz="1100" u="none" strike="noStrike" dirty="0">
+                            <a:effectLst/>
+                            <a:latin typeface="Times New Roman" panose="02020603050405020304" pitchFamily="18" charset="0"/>
+                            <a:cs typeface="Times New Roman" panose="02020603050405020304" pitchFamily="18" charset="0"/>
+                          </a:rPr>
+                          <a:t>0</a:t>
+                        </a:r>
+                        <a:endParaRPr lang="en-US" altLang="ko-KR" sz="1800" b="0" i="0" u="none" strike="noStrike" dirty="0">
+                          <a:effectLst/>
+                          <a:latin typeface="Times New Roman" panose="02020603050405020304" pitchFamily="18" charset="0"/>
+                          <a:cs typeface="Times New Roman" panose="02020603050405020304" pitchFamily="18" charset="0"/>
+                        </a:endParaRPr>
+                      </a:p>
+                    </a:txBody>
+                    <a:tcPr marL="9525" marR="9525" marT="9525" marB="0" anchor="ctr"/>
+                  </a:tc>
+                  <a:tc>
+                    <a:txBody>
+                      <a:bodyPr/>
+                      <a:lstStyle/>
+                      <a:p>
+                        <a:pPr algn="ctr" fontAlgn="ctr">
+                          <a:spcBef>
+                            <a:spcPts val="0"/>
+                          </a:spcBef>
+                          <a:spcAft>
+                            <a:spcPts val="0"/>
+                          </a:spcAft>
+                        </a:pPr>
+                        <a:r>
+                          <a:rPr lang="en-US" sz="1100" u="none" strike="noStrike" dirty="0">
+                            <a:effectLst/>
+                            <a:latin typeface="Times New Roman" panose="02020603050405020304" pitchFamily="18" charset="0"/>
+                            <a:cs typeface="Times New Roman" panose="02020603050405020304" pitchFamily="18" charset="0"/>
+                          </a:rPr>
+                          <a:t>0</a:t>
+                        </a:r>
+                        <a:endParaRPr lang="en-US" altLang="ko-KR" sz="1800" b="0" i="0" u="none" strike="noStrike" dirty="0">
+                          <a:effectLst/>
+                          <a:latin typeface="Times New Roman" panose="02020603050405020304" pitchFamily="18" charset="0"/>
+                          <a:cs typeface="Times New Roman" panose="02020603050405020304" pitchFamily="18" charset="0"/>
+                        </a:endParaRPr>
+                      </a:p>
+                    </a:txBody>
+                    <a:tcPr marL="9525" marR="9525" marT="9525" marB="0" anchor="ctr"/>
+                  </a:tc>
+                  <a:tc>
+                    <a:txBody>
+                      <a:bodyPr/>
+                      <a:lstStyle/>
+                      <a:p>
+                        <a:pPr algn="ctr" fontAlgn="ctr">
+                          <a:spcBef>
+                            <a:spcPts val="0"/>
+                          </a:spcBef>
+                          <a:spcAft>
+                            <a:spcPts val="0"/>
+                          </a:spcAft>
+                        </a:pPr>
+                        <a:r>
+                          <a:rPr lang="en-US" sz="1100" u="none" strike="noStrike" dirty="0">
+                            <a:effectLst/>
+                            <a:latin typeface="Times New Roman" panose="02020603050405020304" pitchFamily="18" charset="0"/>
+                            <a:cs typeface="Times New Roman" panose="02020603050405020304" pitchFamily="18" charset="0"/>
+                          </a:rPr>
+                          <a:t>0</a:t>
+                        </a:r>
+                        <a:endParaRPr lang="en-US" altLang="ko-KR" sz="1800" b="0" i="0" u="none" strike="noStrike" dirty="0">
+                          <a:effectLst/>
+                          <a:latin typeface="Times New Roman" panose="02020603050405020304" pitchFamily="18" charset="0"/>
+                          <a:cs typeface="Times New Roman" panose="02020603050405020304" pitchFamily="18" charset="0"/>
+                        </a:endParaRPr>
+                      </a:p>
+                    </a:txBody>
+                    <a:tcPr marL="9525" marR="9525" marT="9525" marB="0" anchor="ctr"/>
+                  </a:tc>
+                  <a:tc>
+                    <a:txBody>
+                      <a:bodyPr/>
+                      <a:lstStyle/>
+                      <a:p>
+                        <a:pPr algn="ctr" fontAlgn="ctr">
+                          <a:spcBef>
+                            <a:spcPts val="0"/>
+                          </a:spcBef>
+                          <a:spcAft>
+                            <a:spcPts val="0"/>
+                          </a:spcAft>
+                        </a:pPr>
+                        <a:r>
+                          <a:rPr lang="en-US" sz="1100" u="none" strike="noStrike" dirty="0">
+                            <a:effectLst/>
+                            <a:latin typeface="Times New Roman" panose="02020603050405020304" pitchFamily="18" charset="0"/>
+                            <a:cs typeface="Times New Roman" panose="02020603050405020304" pitchFamily="18" charset="0"/>
+                          </a:rPr>
+                          <a:t>0</a:t>
+                        </a:r>
+                        <a:endParaRPr lang="en-US" altLang="ko-KR" sz="1800" b="0" i="0" u="none" strike="noStrike" dirty="0">
+                          <a:effectLst/>
+                          <a:latin typeface="Times New Roman" panose="02020603050405020304" pitchFamily="18" charset="0"/>
+                          <a:cs typeface="Times New Roman" panose="02020603050405020304" pitchFamily="18" charset="0"/>
+                        </a:endParaRPr>
+                      </a:p>
+                    </a:txBody>
+                    <a:tcPr marL="9525" marR="9525" marT="9525" marB="0" anchor="ctr"/>
+                  </a:tc>
+                  <a:tc>
+                    <a:txBody>
+                      <a:bodyPr/>
+                      <a:lstStyle/>
+                      <a:p>
+                        <a:pPr algn="ctr" fontAlgn="ctr">
+                          <a:spcBef>
+                            <a:spcPts val="0"/>
+                          </a:spcBef>
+                          <a:spcAft>
+                            <a:spcPts val="0"/>
+                          </a:spcAft>
+                        </a:pPr>
+                        <a:r>
+                          <a:rPr lang="en-US" sz="1100" u="none" strike="noStrike" dirty="0">
+                            <a:effectLst/>
+                            <a:latin typeface="Times New Roman" panose="02020603050405020304" pitchFamily="18" charset="0"/>
+                            <a:cs typeface="Times New Roman" panose="02020603050405020304" pitchFamily="18" charset="0"/>
+                          </a:rPr>
+                          <a:t>0</a:t>
+                        </a:r>
+                        <a:endParaRPr lang="en-US" altLang="ko-KR" sz="1800" b="0" i="0" u="none" strike="noStrike" dirty="0">
+                          <a:effectLst/>
+                          <a:latin typeface="Times New Roman" panose="02020603050405020304" pitchFamily="18" charset="0"/>
+                          <a:cs typeface="Times New Roman" panose="02020603050405020304" pitchFamily="18" charset="0"/>
+                        </a:endParaRPr>
+                      </a:p>
+                    </a:txBody>
+                    <a:tcPr marL="9525" marR="9525" marT="9525" marB="0" anchor="ctr"/>
+                  </a:tc>
+                  <a:extLst>
+                    <a:ext uri="{0D108BD9-81ED-4DB2-BD59-A6C34878D82A}">
+                      <a16:rowId xmlns:a16="http://schemas.microsoft.com/office/drawing/2014/main" val="3642178658"/>
+                    </a:ext>
+                  </a:extLst>
+                </a:tr>
+                <a:tr h="228074">
+                  <a:tc>
+                    <a:txBody>
+                      <a:bodyPr/>
+                      <a:lstStyle/>
+                      <a:p>
+                        <a:pPr algn="ctr" fontAlgn="ctr">
+                          <a:spcBef>
+                            <a:spcPts val="0"/>
+                          </a:spcBef>
+                          <a:spcAft>
+                            <a:spcPts val="0"/>
+                          </a:spcAft>
+                        </a:pPr>
+                        <a:r>
+                          <a:rPr lang="en-US" sz="1100" u="none" strike="noStrike">
+                            <a:effectLst/>
+                            <a:latin typeface="Times New Roman" panose="02020603050405020304" pitchFamily="18" charset="0"/>
+                            <a:cs typeface="Times New Roman" panose="02020603050405020304" pitchFamily="18" charset="0"/>
+                          </a:rPr>
+                          <a:t>35841</a:t>
+                        </a:r>
+                        <a:endParaRPr lang="en-US" altLang="ko-KR" sz="1800" b="0" i="0" u="none" strike="noStrike">
+                          <a:effectLst/>
+                          <a:latin typeface="Times New Roman" panose="02020603050405020304" pitchFamily="18" charset="0"/>
+                          <a:cs typeface="Times New Roman" panose="02020603050405020304" pitchFamily="18" charset="0"/>
+                        </a:endParaRPr>
+                      </a:p>
+                    </a:txBody>
+                    <a:tcPr marL="9525" marR="9525" marT="9525" marB="0" anchor="ctr"/>
+                  </a:tc>
+                  <a:tc>
+                    <a:txBody>
+                      <a:bodyPr/>
+                      <a:lstStyle/>
+                      <a:p>
+                        <a:pPr algn="ctr" fontAlgn="ctr">
+                          <a:spcBef>
+                            <a:spcPts val="0"/>
+                          </a:spcBef>
+                          <a:spcAft>
+                            <a:spcPts val="0"/>
+                          </a:spcAft>
+                        </a:pPr>
+                        <a:r>
+                          <a:rPr lang="en-US" sz="1100" u="none" strike="noStrike">
+                            <a:effectLst/>
+                            <a:latin typeface="Times New Roman" panose="02020603050405020304" pitchFamily="18" charset="0"/>
+                            <a:cs typeface="Times New Roman" panose="02020603050405020304" pitchFamily="18" charset="0"/>
+                          </a:rPr>
+                          <a:t>20190731</a:t>
+                        </a:r>
+                        <a:endParaRPr lang="en-US" altLang="ko-KR" sz="1800" b="0" i="0" u="none" strike="noStrike">
+                          <a:effectLst/>
+                          <a:latin typeface="Times New Roman" panose="02020603050405020304" pitchFamily="18" charset="0"/>
+                          <a:cs typeface="Times New Roman" panose="02020603050405020304" pitchFamily="18" charset="0"/>
+                        </a:endParaRPr>
+                      </a:p>
+                    </a:txBody>
+                    <a:tcPr marL="9525" marR="9525" marT="9525" marB="0" anchor="ctr"/>
+                  </a:tc>
+                  <a:tc>
+                    <a:txBody>
+                      <a:bodyPr/>
+                      <a:lstStyle/>
+                      <a:p>
+                        <a:pPr marL="0" marR="0" lvl="0" indent="0" algn="ctr" defTabSz="914400" rtl="0" eaLnBrk="1" fontAlgn="ctr" latinLnBrk="1" hangingPunct="1">
+                          <a:lnSpc>
+                            <a:spcPct val="100000"/>
+                          </a:lnSpc>
+                          <a:spcBef>
+                            <a:spcPts val="0"/>
+                          </a:spcBef>
+                          <a:spcAft>
+                            <a:spcPts val="0"/>
+                          </a:spcAft>
+                          <a:buClrTx/>
+                          <a:buSzTx/>
+                          <a:buFontTx/>
+                          <a:buNone/>
+                          <a:tabLst/>
+                          <a:defRPr/>
+                        </a:pPr>
+                        <a:r>
+                          <a:rPr lang="en-US" altLang="ko-KR" sz="1100" u="none" strike="noStrike" dirty="0">
+                            <a:effectLst/>
+                            <a:latin typeface="Times New Roman" panose="02020603050405020304" pitchFamily="18" charset="0"/>
+                            <a:cs typeface="Times New Roman" panose="02020603050405020304" pitchFamily="18" charset="0"/>
+                          </a:rPr>
+                          <a:t>Ae7059b2cd0a55eee7d…</a:t>
+                        </a:r>
+                        <a:endParaRPr lang="en-US" altLang="ko-KR" sz="1800" b="0" i="0" u="none" strike="noStrike" dirty="0">
+                          <a:effectLst/>
+                          <a:latin typeface="Times New Roman" panose="02020603050405020304" pitchFamily="18" charset="0"/>
+                          <a:cs typeface="Times New Roman" panose="02020603050405020304" pitchFamily="18" charset="0"/>
+                        </a:endParaRPr>
+                      </a:p>
+                    </a:txBody>
+                    <a:tcPr marL="9525" marR="9525" marT="9525" marB="0" anchor="ctr"/>
+                  </a:tc>
+                  <a:tc>
+                    <a:txBody>
+                      <a:bodyPr/>
+                      <a:lstStyle/>
+                      <a:p>
+                        <a:pPr algn="ctr" fontAlgn="ctr">
+                          <a:spcBef>
+                            <a:spcPts val="0"/>
+                          </a:spcBef>
+                          <a:spcAft>
+                            <a:spcPts val="0"/>
+                          </a:spcAft>
+                        </a:pPr>
+                        <a:r>
+                          <a:rPr lang="en-US" sz="1100" u="none" strike="noStrike" dirty="0">
+                            <a:effectLst/>
+                            <a:latin typeface="Times New Roman" panose="02020603050405020304" pitchFamily="18" charset="0"/>
+                            <a:cs typeface="Times New Roman" panose="02020603050405020304" pitchFamily="18" charset="0"/>
+                          </a:rPr>
+                          <a:t>23</a:t>
+                        </a:r>
+                        <a:endParaRPr lang="en-US" altLang="ko-KR" sz="1800" b="0" i="0" u="none" strike="noStrike" dirty="0">
+                          <a:effectLst/>
+                          <a:latin typeface="Times New Roman" panose="02020603050405020304" pitchFamily="18" charset="0"/>
+                          <a:cs typeface="Times New Roman" panose="02020603050405020304" pitchFamily="18" charset="0"/>
+                        </a:endParaRPr>
+                      </a:p>
+                    </a:txBody>
+                    <a:tcPr marL="9525" marR="9525" marT="9525" marB="0" anchor="ctr"/>
+                  </a:tc>
+                  <a:tc>
+                    <a:txBody>
+                      <a:bodyPr/>
+                      <a:lstStyle/>
+                      <a:p>
+                        <a:pPr algn="ctr" fontAlgn="ctr">
+                          <a:spcBef>
+                            <a:spcPts val="0"/>
+                          </a:spcBef>
+                          <a:spcAft>
+                            <a:spcPts val="0"/>
+                          </a:spcAft>
+                        </a:pPr>
+                        <a:r>
+                          <a:rPr lang="en-US" sz="1100" u="none" strike="noStrike" dirty="0">
+                            <a:effectLst/>
+                            <a:latin typeface="Times New Roman" panose="02020603050405020304" pitchFamily="18" charset="0"/>
+                            <a:cs typeface="Times New Roman" panose="02020603050405020304" pitchFamily="18" charset="0"/>
+                          </a:rPr>
+                          <a:t>4</a:t>
+                        </a:r>
+                        <a:endParaRPr lang="en-US" altLang="ko-KR" sz="1800" b="0" i="0" u="none" strike="noStrike" dirty="0">
+                          <a:effectLst/>
+                          <a:latin typeface="Times New Roman" panose="02020603050405020304" pitchFamily="18" charset="0"/>
+                          <a:cs typeface="Times New Roman" panose="02020603050405020304" pitchFamily="18" charset="0"/>
+                        </a:endParaRPr>
+                      </a:p>
+                    </a:txBody>
+                    <a:tcPr marL="9525" marR="9525" marT="9525" marB="0" anchor="ctr"/>
+                  </a:tc>
+                  <a:tc>
+                    <a:txBody>
+                      <a:bodyPr/>
+                      <a:lstStyle/>
+                      <a:p>
+                        <a:pPr algn="ctr" fontAlgn="ctr">
+                          <a:spcBef>
+                            <a:spcPts val="0"/>
+                          </a:spcBef>
+                          <a:spcAft>
+                            <a:spcPts val="0"/>
+                          </a:spcAft>
+                        </a:pPr>
+                        <a:r>
+                          <a:rPr lang="en-US" sz="1100" u="none" strike="noStrike" dirty="0">
+                            <a:effectLst/>
+                            <a:latin typeface="Times New Roman" panose="02020603050405020304" pitchFamily="18" charset="0"/>
+                            <a:cs typeface="Times New Roman" panose="02020603050405020304" pitchFamily="18" charset="0"/>
+                          </a:rPr>
+                          <a:t>77</a:t>
+                        </a:r>
+                        <a:endParaRPr lang="en-US" altLang="ko-KR" sz="1800" b="0" i="0" u="none" strike="noStrike" dirty="0">
+                          <a:effectLst/>
+                          <a:latin typeface="Times New Roman" panose="02020603050405020304" pitchFamily="18" charset="0"/>
+                          <a:cs typeface="Times New Roman" panose="02020603050405020304" pitchFamily="18" charset="0"/>
+                        </a:endParaRPr>
+                      </a:p>
+                    </a:txBody>
+                    <a:tcPr marL="9525" marR="9525" marT="9525" marB="0" anchor="ctr"/>
+                  </a:tc>
+                  <a:tc>
+                    <a:txBody>
+                      <a:bodyPr/>
+                      <a:lstStyle/>
+                      <a:p>
+                        <a:pPr algn="ctr" fontAlgn="ctr">
+                          <a:spcBef>
+                            <a:spcPts val="0"/>
+                          </a:spcBef>
+                          <a:spcAft>
+                            <a:spcPts val="0"/>
+                          </a:spcAft>
+                        </a:pPr>
+                        <a:r>
+                          <a:rPr lang="en-US" sz="1100" u="none" strike="noStrike" dirty="0">
+                            <a:effectLst/>
+                            <a:latin typeface="Times New Roman" panose="02020603050405020304" pitchFamily="18" charset="0"/>
+                            <a:cs typeface="Times New Roman" panose="02020603050405020304" pitchFamily="18" charset="0"/>
+                          </a:rPr>
+                          <a:t>308</a:t>
+                        </a:r>
+                        <a:endParaRPr lang="en-US" altLang="ko-KR" sz="1800" b="0" i="0" u="none" strike="noStrike" dirty="0">
+                          <a:effectLst/>
+                          <a:latin typeface="Times New Roman" panose="02020603050405020304" pitchFamily="18" charset="0"/>
+                          <a:cs typeface="Times New Roman" panose="02020603050405020304" pitchFamily="18" charset="0"/>
+                        </a:endParaRPr>
+                      </a:p>
+                    </a:txBody>
+                    <a:tcPr marL="9525" marR="9525" marT="9525" marB="0" anchor="ctr"/>
+                  </a:tc>
+                  <a:tc>
+                    <a:txBody>
+                      <a:bodyPr/>
+                      <a:lstStyle/>
+                      <a:p>
+                        <a:pPr algn="ctr" fontAlgn="ctr">
+                          <a:spcBef>
+                            <a:spcPts val="0"/>
+                          </a:spcBef>
+                          <a:spcAft>
+                            <a:spcPts val="0"/>
+                          </a:spcAft>
+                        </a:pPr>
+                        <a:r>
+                          <a:rPr lang="en-US" sz="1100" u="none" strike="noStrike" dirty="0">
+                            <a:effectLst/>
+                            <a:latin typeface="Times New Roman" panose="02020603050405020304" pitchFamily="18" charset="0"/>
+                            <a:cs typeface="Times New Roman" panose="02020603050405020304" pitchFamily="18" charset="0"/>
+                          </a:rPr>
+                          <a:t>1</a:t>
+                        </a:r>
+                        <a:endParaRPr lang="en-US" altLang="ko-KR" sz="1800" b="0" i="0" u="none" strike="noStrike" dirty="0">
+                          <a:effectLst/>
+                          <a:latin typeface="Times New Roman" panose="02020603050405020304" pitchFamily="18" charset="0"/>
+                          <a:cs typeface="Times New Roman" panose="02020603050405020304" pitchFamily="18" charset="0"/>
+                        </a:endParaRPr>
+                      </a:p>
+                    </a:txBody>
+                    <a:tcPr marL="9525" marR="9525" marT="9525" marB="0" anchor="ctr"/>
+                  </a:tc>
+                  <a:tc>
+                    <a:txBody>
+                      <a:bodyPr/>
+                      <a:lstStyle/>
+                      <a:p>
+                        <a:pPr algn="ctr" fontAlgn="ctr">
+                          <a:spcBef>
+                            <a:spcPts val="0"/>
+                          </a:spcBef>
+                          <a:spcAft>
+                            <a:spcPts val="0"/>
+                          </a:spcAft>
+                        </a:pPr>
+                        <a:r>
+                          <a:rPr lang="en-US" sz="1100" u="none" strike="noStrike" dirty="0">
+                            <a:effectLst/>
+                            <a:latin typeface="Times New Roman" panose="02020603050405020304" pitchFamily="18" charset="0"/>
+                            <a:cs typeface="Times New Roman" panose="02020603050405020304" pitchFamily="18" charset="0"/>
+                          </a:rPr>
+                          <a:t>1</a:t>
+                        </a:r>
+                        <a:endParaRPr lang="en-US" altLang="ko-KR" sz="1800" b="0" i="0" u="none" strike="noStrike" dirty="0">
+                          <a:effectLst/>
+                          <a:latin typeface="Times New Roman" panose="02020603050405020304" pitchFamily="18" charset="0"/>
+                          <a:cs typeface="Times New Roman" panose="02020603050405020304" pitchFamily="18" charset="0"/>
+                        </a:endParaRPr>
+                      </a:p>
+                    </a:txBody>
+                    <a:tcPr marL="9525" marR="9525" marT="9525" marB="0" anchor="ctr"/>
+                  </a:tc>
+                  <a:tc>
+                    <a:txBody>
+                      <a:bodyPr/>
+                      <a:lstStyle/>
+                      <a:p>
+                        <a:pPr algn="ctr" fontAlgn="ctr">
+                          <a:spcBef>
+                            <a:spcPts val="0"/>
+                          </a:spcBef>
+                          <a:spcAft>
+                            <a:spcPts val="0"/>
+                          </a:spcAft>
+                        </a:pPr>
+                        <a:r>
+                          <a:rPr lang="en-US" sz="1100" u="none" strike="noStrike" dirty="0">
+                            <a:effectLst/>
+                            <a:latin typeface="Times New Roman" panose="02020603050405020304" pitchFamily="18" charset="0"/>
+                            <a:cs typeface="Times New Roman" panose="02020603050405020304" pitchFamily="18" charset="0"/>
+                          </a:rPr>
+                          <a:t>1</a:t>
+                        </a:r>
+                        <a:endParaRPr lang="en-US" altLang="ko-KR" sz="1800" b="0" i="0" u="none" strike="noStrike" dirty="0">
+                          <a:effectLst/>
+                          <a:latin typeface="Times New Roman" panose="02020603050405020304" pitchFamily="18" charset="0"/>
+                          <a:cs typeface="Times New Roman" panose="02020603050405020304" pitchFamily="18" charset="0"/>
+                        </a:endParaRPr>
+                      </a:p>
+                    </a:txBody>
+                    <a:tcPr marL="9525" marR="9525" marT="9525" marB="0" anchor="ctr"/>
+                  </a:tc>
+                  <a:tc>
+                    <a:txBody>
+                      <a:bodyPr/>
+                      <a:lstStyle/>
+                      <a:p>
+                        <a:pPr algn="ctr" fontAlgn="ctr">
+                          <a:spcBef>
+                            <a:spcPts val="0"/>
+                          </a:spcBef>
+                          <a:spcAft>
+                            <a:spcPts val="0"/>
+                          </a:spcAft>
+                        </a:pPr>
+                        <a:r>
+                          <a:rPr lang="en-US" sz="1100" u="none" strike="noStrike" dirty="0">
+                            <a:effectLst/>
+                            <a:latin typeface="Times New Roman" panose="02020603050405020304" pitchFamily="18" charset="0"/>
+                            <a:cs typeface="Times New Roman" panose="02020603050405020304" pitchFamily="18" charset="0"/>
+                          </a:rPr>
+                          <a:t>0</a:t>
+                        </a:r>
+                        <a:endParaRPr lang="en-US" altLang="ko-KR" sz="1800" b="0" i="0" u="none" strike="noStrike" dirty="0">
+                          <a:effectLst/>
+                          <a:latin typeface="Times New Roman" panose="02020603050405020304" pitchFamily="18" charset="0"/>
+                          <a:cs typeface="Times New Roman" panose="02020603050405020304" pitchFamily="18" charset="0"/>
+                        </a:endParaRPr>
+                      </a:p>
+                    </a:txBody>
+                    <a:tcPr marL="9525" marR="9525" marT="9525" marB="0" anchor="ctr"/>
+                  </a:tc>
+                  <a:tc>
+                    <a:txBody>
+                      <a:bodyPr/>
+                      <a:lstStyle/>
+                      <a:p>
+                        <a:pPr algn="ctr" fontAlgn="ctr">
+                          <a:spcBef>
+                            <a:spcPts val="0"/>
+                          </a:spcBef>
+                          <a:spcAft>
+                            <a:spcPts val="0"/>
+                          </a:spcAft>
+                        </a:pPr>
+                        <a:r>
+                          <a:rPr lang="en-US" sz="1100" u="none" strike="noStrike" dirty="0">
+                            <a:effectLst/>
+                            <a:latin typeface="Times New Roman" panose="02020603050405020304" pitchFamily="18" charset="0"/>
+                            <a:cs typeface="Times New Roman" panose="02020603050405020304" pitchFamily="18" charset="0"/>
+                          </a:rPr>
+                          <a:t>1</a:t>
+                        </a:r>
+                        <a:endParaRPr lang="en-US" altLang="ko-KR" sz="1800" b="0" i="0" u="none" strike="noStrike" dirty="0">
+                          <a:effectLst/>
+                          <a:latin typeface="Times New Roman" panose="02020603050405020304" pitchFamily="18" charset="0"/>
+                          <a:cs typeface="Times New Roman" panose="02020603050405020304" pitchFamily="18" charset="0"/>
+                        </a:endParaRPr>
+                      </a:p>
+                    </a:txBody>
+                    <a:tcPr marL="9525" marR="9525" marT="9525" marB="0" anchor="ctr"/>
+                  </a:tc>
+                  <a:extLst>
+                    <a:ext uri="{0D108BD9-81ED-4DB2-BD59-A6C34878D82A}">
+                      <a16:rowId xmlns:a16="http://schemas.microsoft.com/office/drawing/2014/main" val="1960695810"/>
+                    </a:ext>
+                  </a:extLst>
+                </a:tr>
+              </a:tbl>
+            </a:graphicData>
+          </a:graphic>
+        </p:graphicFrame>
+        <p:sp>
+          <p:nvSpPr>
+            <p:cNvPr id="2" name="오른쪽 중괄호 1">
+              <a:extLst>
+                <a:ext uri="{FF2B5EF4-FFF2-40B4-BE49-F238E27FC236}">
+                  <a16:creationId xmlns:a16="http://schemas.microsoft.com/office/drawing/2014/main" id="{7B09919B-47F0-4D47-98ED-73FA97CA1A12}"/>
+                </a:ext>
+              </a:extLst>
+            </p:cNvPr>
+            <p:cNvSpPr/>
+            <p:nvPr/>
+          </p:nvSpPr>
+          <p:spPr>
+            <a:xfrm rot="5400000">
+              <a:off x="5425209" y="1508661"/>
+              <a:ext cx="298544" cy="6451127"/>
+            </a:xfrm>
+            <a:prstGeom prst="rightBrace">
+              <a:avLst/>
+            </a:prstGeom>
+            <a:ln w="28575">
+              <a:solidFill>
+                <a:schemeClr val="tx1"/>
+              </a:solidFill>
+            </a:ln>
+          </p:spPr>
+          <p:style>
+            <a:lnRef idx="1">
+              <a:schemeClr val="accent1"/>
+            </a:lnRef>
+            <a:fillRef idx="0">
+              <a:schemeClr val="accent1"/>
+            </a:fillRef>
+            <a:effectRef idx="0">
+              <a:schemeClr val="accent1"/>
+            </a:effectRef>
+            <a:fontRef idx="minor">
+              <a:schemeClr val="tx1"/>
+            </a:fontRef>
+          </p:style>
+          <p:txBody>
+            <a:bodyPr rtlCol="0" anchor="ctr"/>
+            <a:lstStyle/>
+            <a:p>
+              <a:pPr algn="ctr"/>
+              <a:endParaRPr lang="ko-KR" altLang="en-US"/>
+            </a:p>
+          </p:txBody>
+        </p:sp>
+        <p:sp>
+          <p:nvSpPr>
+            <p:cNvPr id="4" name="오른쪽 중괄호 3">
+              <a:extLst>
+                <a:ext uri="{FF2B5EF4-FFF2-40B4-BE49-F238E27FC236}">
+                  <a16:creationId xmlns:a16="http://schemas.microsoft.com/office/drawing/2014/main" id="{9D70C8F0-E10B-4AA5-83B8-85D21336E256}"/>
+                </a:ext>
+              </a:extLst>
+            </p:cNvPr>
+            <p:cNvSpPr/>
+            <p:nvPr/>
+          </p:nvSpPr>
+          <p:spPr>
+            <a:xfrm rot="5400000">
+              <a:off x="736465" y="4017664"/>
+              <a:ext cx="298544" cy="1433119"/>
+            </a:xfrm>
+            <a:prstGeom prst="rightBrace">
+              <a:avLst/>
+            </a:prstGeom>
+            <a:ln w="28575">
+              <a:solidFill>
+                <a:schemeClr val="tx1"/>
+              </a:solidFill>
+            </a:ln>
+          </p:spPr>
+          <p:style>
+            <a:lnRef idx="1">
+              <a:schemeClr val="accent1"/>
+            </a:lnRef>
+            <a:fillRef idx="0">
+              <a:schemeClr val="accent1"/>
+            </a:fillRef>
+            <a:effectRef idx="0">
+              <a:schemeClr val="accent1"/>
+            </a:effectRef>
+            <a:fontRef idx="minor">
+              <a:schemeClr val="tx1"/>
+            </a:fontRef>
+          </p:style>
+          <p:txBody>
+            <a:bodyPr rtlCol="0" anchor="ctr"/>
+            <a:lstStyle/>
+            <a:p>
+              <a:pPr algn="ctr"/>
+              <a:endParaRPr lang="ko-KR" altLang="en-US"/>
+            </a:p>
+          </p:txBody>
+        </p:sp>
+        <p:sp>
+          <p:nvSpPr>
+            <p:cNvPr id="5" name="TextBox 4">
+              <a:extLst>
+                <a:ext uri="{FF2B5EF4-FFF2-40B4-BE49-F238E27FC236}">
+                  <a16:creationId xmlns:a16="http://schemas.microsoft.com/office/drawing/2014/main" id="{CC11A612-B869-486E-BFB8-EAD5123F1BDE}"/>
+                </a:ext>
+              </a:extLst>
+            </p:cNvPr>
+            <p:cNvSpPr txBox="1"/>
+            <p:nvPr/>
+          </p:nvSpPr>
+          <p:spPr>
+            <a:xfrm>
+              <a:off x="440422" y="4883496"/>
+              <a:ext cx="803425" cy="307777"/>
+            </a:xfrm>
+            <a:prstGeom prst="rect">
+              <a:avLst/>
+            </a:prstGeom>
+            <a:noFill/>
+          </p:spPr>
+          <p:txBody>
+            <a:bodyPr wrap="none" rtlCol="0">
+              <a:spAutoFit/>
+            </a:bodyPr>
+            <a:lstStyle/>
+            <a:p>
+              <a:r>
+                <a:rPr lang="en-US" altLang="ko-KR" sz="1400" dirty="0">
+                  <a:latin typeface="나눔스퀘어라운드 Bold" panose="020B0600000101010101" pitchFamily="50" charset="-127"/>
+                  <a:ea typeface="나눔스퀘어라운드 Bold" panose="020B0600000101010101" pitchFamily="50" charset="-127"/>
+                  <a:cs typeface="Times New Roman" panose="02020603050405020304" pitchFamily="18" charset="0"/>
+                </a:rPr>
+                <a:t>Integer</a:t>
+              </a:r>
+            </a:p>
+          </p:txBody>
+        </p:sp>
+        <p:sp>
+          <p:nvSpPr>
+            <p:cNvPr id="6" name="TextBox 5">
+              <a:extLst>
+                <a:ext uri="{FF2B5EF4-FFF2-40B4-BE49-F238E27FC236}">
+                  <a16:creationId xmlns:a16="http://schemas.microsoft.com/office/drawing/2014/main" id="{6C875066-7AD9-4020-B828-C49910F95A7D}"/>
+                </a:ext>
+              </a:extLst>
+            </p:cNvPr>
+            <p:cNvSpPr txBox="1"/>
+            <p:nvPr/>
+          </p:nvSpPr>
+          <p:spPr>
+            <a:xfrm>
+              <a:off x="5172768" y="5025739"/>
+              <a:ext cx="803425" cy="307777"/>
+            </a:xfrm>
+            <a:prstGeom prst="rect">
+              <a:avLst/>
+            </a:prstGeom>
+            <a:noFill/>
+          </p:spPr>
+          <p:txBody>
+            <a:bodyPr wrap="none" rtlCol="0">
+              <a:spAutoFit/>
+            </a:bodyPr>
+            <a:lstStyle/>
+            <a:p>
+              <a:r>
+                <a:rPr lang="en-US" altLang="ko-KR" sz="1400" dirty="0">
+                  <a:latin typeface="나눔스퀘어라운드 Bold" panose="020B0600000101010101" pitchFamily="50" charset="-127"/>
+                  <a:ea typeface="나눔스퀘어라운드 Bold" panose="020B0600000101010101" pitchFamily="50" charset="-127"/>
+                  <a:cs typeface="Times New Roman" panose="02020603050405020304" pitchFamily="18" charset="0"/>
+                </a:rPr>
+                <a:t>Integer</a:t>
+              </a:r>
+            </a:p>
+          </p:txBody>
+        </p:sp>
+        <p:sp>
+          <p:nvSpPr>
+            <p:cNvPr id="7" name="TextBox 6">
+              <a:extLst>
+                <a:ext uri="{FF2B5EF4-FFF2-40B4-BE49-F238E27FC236}">
+                  <a16:creationId xmlns:a16="http://schemas.microsoft.com/office/drawing/2014/main" id="{96D902E3-645A-45D5-AD25-87E89B9D6727}"/>
+                </a:ext>
+              </a:extLst>
+            </p:cNvPr>
+            <p:cNvSpPr txBox="1"/>
+            <p:nvPr/>
+          </p:nvSpPr>
+          <p:spPr>
+            <a:xfrm>
+              <a:off x="1602297" y="5353947"/>
+              <a:ext cx="707245" cy="307777"/>
+            </a:xfrm>
+            <a:prstGeom prst="rect">
+              <a:avLst/>
+            </a:prstGeom>
+            <a:noFill/>
+          </p:spPr>
+          <p:txBody>
+            <a:bodyPr wrap="none" rtlCol="0">
+              <a:spAutoFit/>
+            </a:bodyPr>
+            <a:lstStyle/>
+            <a:p>
+              <a:r>
+                <a:rPr lang="en-US" altLang="ko-KR" sz="1400" dirty="0">
+                  <a:latin typeface="나눔스퀘어라운드 Bold" panose="020B0600000101010101" pitchFamily="50" charset="-127"/>
+                  <a:ea typeface="나눔스퀘어라운드 Bold" panose="020B0600000101010101" pitchFamily="50" charset="-127"/>
+                  <a:cs typeface="Times New Roman" panose="02020603050405020304" pitchFamily="18" charset="0"/>
+                </a:rPr>
+                <a:t>String</a:t>
+              </a:r>
+            </a:p>
+          </p:txBody>
+        </p:sp>
+        <p:cxnSp>
+          <p:nvCxnSpPr>
+            <p:cNvPr id="9" name="직선 화살표 연결선 8">
+              <a:extLst>
+                <a:ext uri="{FF2B5EF4-FFF2-40B4-BE49-F238E27FC236}">
+                  <a16:creationId xmlns:a16="http://schemas.microsoft.com/office/drawing/2014/main" id="{A7449FBC-F138-48BA-8FA0-5FFA9ED96879}"/>
+                </a:ext>
+              </a:extLst>
+            </p:cNvPr>
+            <p:cNvCxnSpPr>
+              <a:cxnSpLocks/>
+              <a:endCxn id="7" idx="0"/>
+            </p:cNvCxnSpPr>
+            <p:nvPr/>
+          </p:nvCxnSpPr>
+          <p:spPr>
+            <a:xfrm>
+              <a:off x="1955920" y="4584951"/>
+              <a:ext cx="0" cy="768996"/>
+            </a:xfrm>
+            <a:prstGeom prst="straightConnector1">
+              <a:avLst/>
+            </a:prstGeom>
+            <a:ln w="28575">
+              <a:solidFill>
+                <a:schemeClr val="tx1"/>
+              </a:solidFill>
+              <a:tailEnd type="triangle"/>
+            </a:ln>
+          </p:spPr>
+          <p:style>
+            <a:lnRef idx="1">
+              <a:schemeClr val="accent1"/>
+            </a:lnRef>
+            <a:fillRef idx="0">
+              <a:schemeClr val="accent1"/>
+            </a:fillRef>
+            <a:effectRef idx="0">
+              <a:schemeClr val="accent1"/>
+            </a:effectRef>
+            <a:fontRef idx="minor">
+              <a:schemeClr val="tx1"/>
+            </a:fontRef>
+          </p:style>
+        </p:cxnSp>
+      </p:grpSp>
     </p:spTree>
     <p:extLst>
       <p:ext uri="{BB962C8B-B14F-4D97-AF65-F5344CB8AC3E}">
-        <p14:creationId xmlns:p14="http://schemas.microsoft.com/office/powerpoint/2010/main" val="3536124128"/>
+        <p14:creationId xmlns:p14="http://schemas.microsoft.com/office/powerpoint/2010/main" val="910460062"/>
       </p:ext>
     </p:extLst>
   </p:cSld>
@@ -3861,554 +7231,40 @@
           <a:chExt cx="0" cy="0"/>
         </a:xfrm>
       </p:grpSpPr>
-      <p:sp>
-        <p:nvSpPr>
-          <p:cNvPr id="4" name="직사각형 3">
+      <p:pic>
+        <p:nvPicPr>
+          <p:cNvPr id="10" name="그림 9">
             <a:extLst>
               <a:ext uri="{FF2B5EF4-FFF2-40B4-BE49-F238E27FC236}">
-                <a16:creationId xmlns:a16="http://schemas.microsoft.com/office/drawing/2014/main" id="{59F00BFF-FACD-4801-BDC1-E8EA1D005665}"/>
+                <a16:creationId xmlns:a16="http://schemas.microsoft.com/office/drawing/2014/main" id="{F9F2CABD-FC35-4FED-8B69-4B265ECC25B9}"/>
               </a:ext>
             </a:extLst>
           </p:cNvPr>
-          <p:cNvSpPr/>
+          <p:cNvPicPr>
+            <a:picLocks noChangeAspect="1"/>
+          </p:cNvPicPr>
           <p:nvPr/>
-        </p:nvSpPr>
+        </p:nvPicPr>
+        <p:blipFill>
+          <a:blip r:embed="rId2"/>
+          <a:stretch>
+            <a:fillRect/>
+          </a:stretch>
+        </p:blipFill>
         <p:spPr>
           <a:xfrm>
-            <a:off x="4296833" y="890600"/>
-            <a:ext cx="3598333" cy="1303867"/>
+            <a:off x="0" y="302003"/>
+            <a:ext cx="8859486" cy="6411220"/>
           </a:xfrm>
           <a:prstGeom prst="rect">
             <a:avLst/>
           </a:prstGeom>
         </p:spPr>
-        <p:style>
-          <a:lnRef idx="2">
-            <a:schemeClr val="accent1">
-              <a:shade val="50000"/>
-            </a:schemeClr>
-          </a:lnRef>
-          <a:fillRef idx="1">
-            <a:schemeClr val="accent1"/>
-          </a:fillRef>
-          <a:effectRef idx="0">
-            <a:schemeClr val="accent1"/>
-          </a:effectRef>
-          <a:fontRef idx="minor">
-            <a:schemeClr val="lt1"/>
-          </a:fontRef>
-        </p:style>
-        <p:txBody>
-          <a:bodyPr rtlCol="0" anchor="ctr"/>
-          <a:lstStyle/>
-          <a:p>
-            <a:pPr algn="ctr"/>
-            <a:endParaRPr lang="ko-KR" altLang="en-US" sz="1400">
-              <a:latin typeface="Times New Roman" panose="02020603050405020304" pitchFamily="18" charset="0"/>
-              <a:cs typeface="Times New Roman" panose="02020603050405020304" pitchFamily="18" charset="0"/>
-            </a:endParaRPr>
-          </a:p>
-        </p:txBody>
-      </p:sp>
-      <p:sp>
-        <p:nvSpPr>
-          <p:cNvPr id="5" name="TextBox 4">
-            <a:extLst>
-              <a:ext uri="{FF2B5EF4-FFF2-40B4-BE49-F238E27FC236}">
-                <a16:creationId xmlns:a16="http://schemas.microsoft.com/office/drawing/2014/main" id="{7140CD69-B5C0-4AF1-8AEF-42A93A23D00B}"/>
-              </a:ext>
-            </a:extLst>
-          </p:cNvPr>
-          <p:cNvSpPr txBox="1"/>
-          <p:nvPr/>
-        </p:nvSpPr>
-        <p:spPr>
-          <a:xfrm>
-            <a:off x="1652066" y="705934"/>
-            <a:ext cx="1119474" cy="307777"/>
-          </a:xfrm>
-          <a:prstGeom prst="rect">
-            <a:avLst/>
-          </a:prstGeom>
-          <a:noFill/>
-        </p:spPr>
-        <p:txBody>
-          <a:bodyPr wrap="none" rtlCol="0">
-            <a:spAutoFit/>
-          </a:bodyPr>
-          <a:lstStyle/>
-          <a:p>
-            <a:r>
-              <a:rPr lang="en-US" altLang="ko-KR" sz="1400" dirty="0">
-                <a:latin typeface="Times New Roman" panose="02020603050405020304" pitchFamily="18" charset="0"/>
-                <a:cs typeface="Times New Roman" panose="02020603050405020304" pitchFamily="18" charset="0"/>
-              </a:rPr>
-              <a:t>Hash(Token)</a:t>
-            </a:r>
-          </a:p>
-        </p:txBody>
-      </p:sp>
-      <p:sp>
-        <p:nvSpPr>
-          <p:cNvPr id="6" name="TextBox 5">
-            <a:extLst>
-              <a:ext uri="{FF2B5EF4-FFF2-40B4-BE49-F238E27FC236}">
-                <a16:creationId xmlns:a16="http://schemas.microsoft.com/office/drawing/2014/main" id="{9C1498A8-D64C-4AD8-8CBA-FB6D54EFA4D8}"/>
-              </a:ext>
-            </a:extLst>
-          </p:cNvPr>
-          <p:cNvSpPr txBox="1"/>
-          <p:nvPr/>
-        </p:nvSpPr>
-        <p:spPr>
-          <a:xfrm>
-            <a:off x="1757349" y="1256381"/>
-            <a:ext cx="966931" cy="307777"/>
-          </a:xfrm>
-          <a:prstGeom prst="rect">
-            <a:avLst/>
-          </a:prstGeom>
-          <a:noFill/>
-        </p:spPr>
-        <p:txBody>
-          <a:bodyPr wrap="none" rtlCol="0">
-            <a:spAutoFit/>
-          </a:bodyPr>
-          <a:lstStyle/>
-          <a:p>
-            <a:r>
-              <a:rPr lang="en-US" altLang="ko-KR" sz="1400" dirty="0">
-                <a:latin typeface="Times New Roman" panose="02020603050405020304" pitchFamily="18" charset="0"/>
-                <a:cs typeface="Times New Roman" panose="02020603050405020304" pitchFamily="18" charset="0"/>
-              </a:rPr>
-              <a:t>[ </a:t>
-            </a:r>
-            <a:r>
-              <a:rPr lang="en-US" altLang="ko-KR" sz="1400" dirty="0" err="1">
-                <a:latin typeface="Times New Roman" panose="02020603050405020304" pitchFamily="18" charset="0"/>
-                <a:cs typeface="Times New Roman" panose="02020603050405020304" pitchFamily="18" charset="0"/>
-              </a:rPr>
-              <a:t>a,b</a:t>
-            </a:r>
-            <a:r>
-              <a:rPr lang="en-US" altLang="ko-KR" sz="1400" dirty="0">
-                <a:latin typeface="Times New Roman" panose="02020603050405020304" pitchFamily="18" charset="0"/>
-                <a:cs typeface="Times New Roman" panose="02020603050405020304" pitchFamily="18" charset="0"/>
-              </a:rPr>
-              <a:t> … h ]</a:t>
-            </a:r>
-          </a:p>
-        </p:txBody>
-      </p:sp>
-      <p:sp>
-        <p:nvSpPr>
-          <p:cNvPr id="8" name="TextBox 7">
-            <a:extLst>
-              <a:ext uri="{FF2B5EF4-FFF2-40B4-BE49-F238E27FC236}">
-                <a16:creationId xmlns:a16="http://schemas.microsoft.com/office/drawing/2014/main" id="{0B6E68A9-FFB5-413D-B3C0-D0AECCC0576B}"/>
-              </a:ext>
-            </a:extLst>
-          </p:cNvPr>
-          <p:cNvSpPr txBox="1"/>
-          <p:nvPr/>
-        </p:nvSpPr>
-        <p:spPr>
-          <a:xfrm>
-            <a:off x="2053683" y="1785203"/>
-            <a:ext cx="484428" cy="307777"/>
-          </a:xfrm>
-          <a:prstGeom prst="rect">
-            <a:avLst/>
-          </a:prstGeom>
-          <a:noFill/>
-        </p:spPr>
-        <p:txBody>
-          <a:bodyPr wrap="none" rtlCol="0">
-            <a:spAutoFit/>
-          </a:bodyPr>
-          <a:lstStyle/>
-          <a:p>
-            <a:r>
-              <a:rPr lang="en-US" altLang="ko-KR" sz="1400" dirty="0">
-                <a:latin typeface="Times New Roman" panose="02020603050405020304" pitchFamily="18" charset="0"/>
-                <a:cs typeface="Times New Roman" panose="02020603050405020304" pitchFamily="18" charset="0"/>
-              </a:rPr>
-              <a:t>date</a:t>
-            </a:r>
-          </a:p>
-        </p:txBody>
-      </p:sp>
-      <p:sp>
-        <p:nvSpPr>
-          <p:cNvPr id="9" name="TextBox 8">
-            <a:extLst>
-              <a:ext uri="{FF2B5EF4-FFF2-40B4-BE49-F238E27FC236}">
-                <a16:creationId xmlns:a16="http://schemas.microsoft.com/office/drawing/2014/main" id="{740CC533-4719-4081-8736-5AD50F285AB5}"/>
-              </a:ext>
-            </a:extLst>
-          </p:cNvPr>
-          <p:cNvSpPr txBox="1"/>
-          <p:nvPr/>
-        </p:nvSpPr>
-        <p:spPr>
-          <a:xfrm>
-            <a:off x="1652066" y="2314025"/>
-            <a:ext cx="1699504" cy="307777"/>
-          </a:xfrm>
-          <a:prstGeom prst="rect">
-            <a:avLst/>
-          </a:prstGeom>
-          <a:noFill/>
-        </p:spPr>
-        <p:txBody>
-          <a:bodyPr wrap="none" rtlCol="0">
-            <a:spAutoFit/>
-          </a:bodyPr>
-          <a:lstStyle/>
-          <a:p>
-            <a:r>
-              <a:rPr lang="en-US" altLang="ko-KR" sz="1400" dirty="0">
-                <a:latin typeface="Times New Roman" panose="02020603050405020304" pitchFamily="18" charset="0"/>
-                <a:cs typeface="Times New Roman" panose="02020603050405020304" pitchFamily="18" charset="0"/>
-              </a:rPr>
-              <a:t>Y(Number of install)</a:t>
-            </a:r>
-          </a:p>
-        </p:txBody>
-      </p:sp>
-      <p:sp>
-        <p:nvSpPr>
-          <p:cNvPr id="16" name="TextBox 15">
-            <a:extLst>
-              <a:ext uri="{FF2B5EF4-FFF2-40B4-BE49-F238E27FC236}">
-                <a16:creationId xmlns:a16="http://schemas.microsoft.com/office/drawing/2014/main" id="{83B1ECC7-C6B6-41A8-B1FA-EFE810B992E3}"/>
-              </a:ext>
-            </a:extLst>
-          </p:cNvPr>
-          <p:cNvSpPr txBox="1"/>
-          <p:nvPr/>
-        </p:nvSpPr>
-        <p:spPr>
-          <a:xfrm>
-            <a:off x="9467719" y="1542533"/>
-            <a:ext cx="524503" cy="307777"/>
-          </a:xfrm>
-          <a:prstGeom prst="rect">
-            <a:avLst/>
-          </a:prstGeom>
-          <a:noFill/>
-        </p:spPr>
-        <p:txBody>
-          <a:bodyPr wrap="none" rtlCol="0">
-            <a:spAutoFit/>
-          </a:bodyPr>
-          <a:lstStyle/>
-          <a:p>
-            <a:r>
-              <a:rPr lang="en-US" altLang="ko-KR" sz="1400" dirty="0">
-                <a:latin typeface="Times New Roman" panose="02020603050405020304" pitchFamily="18" charset="0"/>
-                <a:cs typeface="Times New Roman" panose="02020603050405020304" pitchFamily="18" charset="0"/>
-              </a:rPr>
-              <a:t>Rule</a:t>
-            </a:r>
-          </a:p>
-        </p:txBody>
-      </p:sp>
-      <p:sp>
-        <p:nvSpPr>
-          <p:cNvPr id="17" name="TextBox 16">
-            <a:extLst>
-              <a:ext uri="{FF2B5EF4-FFF2-40B4-BE49-F238E27FC236}">
-                <a16:creationId xmlns:a16="http://schemas.microsoft.com/office/drawing/2014/main" id="{D65A9189-882C-4538-B23E-C72091407888}"/>
-              </a:ext>
-            </a:extLst>
-          </p:cNvPr>
-          <p:cNvSpPr txBox="1"/>
-          <p:nvPr/>
-        </p:nvSpPr>
-        <p:spPr>
-          <a:xfrm>
-            <a:off x="405571" y="3602018"/>
-            <a:ext cx="2492990" cy="307777"/>
-          </a:xfrm>
-          <a:prstGeom prst="rect">
-            <a:avLst/>
-          </a:prstGeom>
-          <a:noFill/>
-        </p:spPr>
-        <p:txBody>
-          <a:bodyPr wrap="none" rtlCol="0">
-            <a:spAutoFit/>
-          </a:bodyPr>
-          <a:lstStyle/>
-          <a:p>
-            <a:r>
-              <a:rPr lang="en-US" altLang="ko-KR" sz="1400" dirty="0">
-                <a:latin typeface="Times New Roman" panose="02020603050405020304" pitchFamily="18" charset="0"/>
-                <a:cs typeface="Times New Roman" panose="02020603050405020304" pitchFamily="18" charset="0"/>
-              </a:rPr>
-              <a:t>Rule = Machine learning Model</a:t>
-            </a:r>
-          </a:p>
-        </p:txBody>
-      </p:sp>
-      <p:sp>
-        <p:nvSpPr>
-          <p:cNvPr id="18" name="TextBox 17">
-            <a:extLst>
-              <a:ext uri="{FF2B5EF4-FFF2-40B4-BE49-F238E27FC236}">
-                <a16:creationId xmlns:a16="http://schemas.microsoft.com/office/drawing/2014/main" id="{B767A124-18F8-4470-B866-8DA741A98E33}"/>
-              </a:ext>
-            </a:extLst>
-          </p:cNvPr>
-          <p:cNvSpPr txBox="1"/>
-          <p:nvPr/>
-        </p:nvSpPr>
-        <p:spPr>
-          <a:xfrm>
-            <a:off x="637875" y="4824929"/>
-            <a:ext cx="1119474" cy="307777"/>
-          </a:xfrm>
-          <a:prstGeom prst="rect">
-            <a:avLst/>
-          </a:prstGeom>
-          <a:noFill/>
-        </p:spPr>
-        <p:txBody>
-          <a:bodyPr wrap="none" rtlCol="0">
-            <a:spAutoFit/>
-          </a:bodyPr>
-          <a:lstStyle/>
-          <a:p>
-            <a:r>
-              <a:rPr lang="en-US" altLang="ko-KR" sz="1400" dirty="0">
-                <a:latin typeface="Times New Roman" panose="02020603050405020304" pitchFamily="18" charset="0"/>
-                <a:cs typeface="Times New Roman" panose="02020603050405020304" pitchFamily="18" charset="0"/>
-              </a:rPr>
-              <a:t>Hash(Token)</a:t>
-            </a:r>
-          </a:p>
-        </p:txBody>
-      </p:sp>
-      <p:sp>
-        <p:nvSpPr>
-          <p:cNvPr id="19" name="TextBox 18">
-            <a:extLst>
-              <a:ext uri="{FF2B5EF4-FFF2-40B4-BE49-F238E27FC236}">
-                <a16:creationId xmlns:a16="http://schemas.microsoft.com/office/drawing/2014/main" id="{7345F856-4BFA-41A6-A969-F9949B7B14BD}"/>
-              </a:ext>
-            </a:extLst>
-          </p:cNvPr>
-          <p:cNvSpPr txBox="1"/>
-          <p:nvPr/>
-        </p:nvSpPr>
-        <p:spPr>
-          <a:xfrm>
-            <a:off x="743158" y="5375376"/>
-            <a:ext cx="966931" cy="307777"/>
-          </a:xfrm>
-          <a:prstGeom prst="rect">
-            <a:avLst/>
-          </a:prstGeom>
-          <a:noFill/>
-        </p:spPr>
-        <p:txBody>
-          <a:bodyPr wrap="none" rtlCol="0">
-            <a:spAutoFit/>
-          </a:bodyPr>
-          <a:lstStyle/>
-          <a:p>
-            <a:r>
-              <a:rPr lang="en-US" altLang="ko-KR" sz="1400" dirty="0">
-                <a:latin typeface="Times New Roman" panose="02020603050405020304" pitchFamily="18" charset="0"/>
-                <a:cs typeface="Times New Roman" panose="02020603050405020304" pitchFamily="18" charset="0"/>
-              </a:rPr>
-              <a:t>[ </a:t>
-            </a:r>
-            <a:r>
-              <a:rPr lang="en-US" altLang="ko-KR" sz="1400" dirty="0" err="1">
-                <a:latin typeface="Times New Roman" panose="02020603050405020304" pitchFamily="18" charset="0"/>
-                <a:cs typeface="Times New Roman" panose="02020603050405020304" pitchFamily="18" charset="0"/>
-              </a:rPr>
-              <a:t>a,b</a:t>
-            </a:r>
-            <a:r>
-              <a:rPr lang="en-US" altLang="ko-KR" sz="1400" dirty="0">
-                <a:latin typeface="Times New Roman" panose="02020603050405020304" pitchFamily="18" charset="0"/>
-                <a:cs typeface="Times New Roman" panose="02020603050405020304" pitchFamily="18" charset="0"/>
-              </a:rPr>
-              <a:t> … h ]</a:t>
-            </a:r>
-          </a:p>
-        </p:txBody>
-      </p:sp>
-      <p:sp>
-        <p:nvSpPr>
-          <p:cNvPr id="20" name="TextBox 19">
-            <a:extLst>
-              <a:ext uri="{FF2B5EF4-FFF2-40B4-BE49-F238E27FC236}">
-                <a16:creationId xmlns:a16="http://schemas.microsoft.com/office/drawing/2014/main" id="{29C99E93-4BF9-43D3-80FB-5735C213B3BA}"/>
-              </a:ext>
-            </a:extLst>
-          </p:cNvPr>
-          <p:cNvSpPr txBox="1"/>
-          <p:nvPr/>
-        </p:nvSpPr>
-        <p:spPr>
-          <a:xfrm>
-            <a:off x="1039492" y="5904198"/>
-            <a:ext cx="484428" cy="307777"/>
-          </a:xfrm>
-          <a:prstGeom prst="rect">
-            <a:avLst/>
-          </a:prstGeom>
-          <a:noFill/>
-        </p:spPr>
-        <p:txBody>
-          <a:bodyPr wrap="none" rtlCol="0">
-            <a:spAutoFit/>
-          </a:bodyPr>
-          <a:lstStyle/>
-          <a:p>
-            <a:r>
-              <a:rPr lang="en-US" altLang="ko-KR" sz="1400" dirty="0">
-                <a:latin typeface="Times New Roman" panose="02020603050405020304" pitchFamily="18" charset="0"/>
-                <a:cs typeface="Times New Roman" panose="02020603050405020304" pitchFamily="18" charset="0"/>
-              </a:rPr>
-              <a:t>date</a:t>
-            </a:r>
-          </a:p>
-        </p:txBody>
-      </p:sp>
-      <p:sp>
-        <p:nvSpPr>
-          <p:cNvPr id="21" name="TextBox 20">
-            <a:extLst>
-              <a:ext uri="{FF2B5EF4-FFF2-40B4-BE49-F238E27FC236}">
-                <a16:creationId xmlns:a16="http://schemas.microsoft.com/office/drawing/2014/main" id="{8F4C067B-3C76-4599-90B3-8CDBDA73DE68}"/>
-              </a:ext>
-            </a:extLst>
-          </p:cNvPr>
-          <p:cNvSpPr txBox="1"/>
-          <p:nvPr/>
-        </p:nvSpPr>
-        <p:spPr>
-          <a:xfrm>
-            <a:off x="7976379" y="5236929"/>
-            <a:ext cx="1699504" cy="307777"/>
-          </a:xfrm>
-          <a:prstGeom prst="rect">
-            <a:avLst/>
-          </a:prstGeom>
-          <a:noFill/>
-        </p:spPr>
-        <p:txBody>
-          <a:bodyPr wrap="none" rtlCol="0">
-            <a:spAutoFit/>
-          </a:bodyPr>
-          <a:lstStyle/>
-          <a:p>
-            <a:r>
-              <a:rPr lang="en-US" altLang="ko-KR" sz="1400" dirty="0">
-                <a:latin typeface="Times New Roman" panose="02020603050405020304" pitchFamily="18" charset="0"/>
-                <a:cs typeface="Times New Roman" panose="02020603050405020304" pitchFamily="18" charset="0"/>
-              </a:rPr>
-              <a:t>Y(Number of install)</a:t>
-            </a:r>
-          </a:p>
-        </p:txBody>
-      </p:sp>
-      <p:sp>
-        <p:nvSpPr>
-          <p:cNvPr id="22" name="직사각형 21">
-            <a:extLst>
-              <a:ext uri="{FF2B5EF4-FFF2-40B4-BE49-F238E27FC236}">
-                <a16:creationId xmlns:a16="http://schemas.microsoft.com/office/drawing/2014/main" id="{7024D985-656B-4901-B987-AA5B080B9159}"/>
-              </a:ext>
-            </a:extLst>
-          </p:cNvPr>
-          <p:cNvSpPr/>
-          <p:nvPr/>
-        </p:nvSpPr>
-        <p:spPr>
-          <a:xfrm>
-            <a:off x="3424378" y="4754219"/>
-            <a:ext cx="3598333" cy="1303867"/>
-          </a:xfrm>
-          <a:prstGeom prst="rect">
-            <a:avLst/>
-          </a:prstGeom>
-        </p:spPr>
-        <p:style>
-          <a:lnRef idx="2">
-            <a:schemeClr val="accent1">
-              <a:shade val="50000"/>
-            </a:schemeClr>
-          </a:lnRef>
-          <a:fillRef idx="1">
-            <a:schemeClr val="accent1"/>
-          </a:fillRef>
-          <a:effectRef idx="0">
-            <a:schemeClr val="accent1"/>
-          </a:effectRef>
-          <a:fontRef idx="minor">
-            <a:schemeClr val="lt1"/>
-          </a:fontRef>
-        </p:style>
-        <p:txBody>
-          <a:bodyPr rtlCol="0" anchor="ctr"/>
-          <a:lstStyle/>
-          <a:p>
-            <a:pPr algn="ctr"/>
-            <a:endParaRPr lang="ko-KR" altLang="en-US" sz="1400">
-              <a:latin typeface="Times New Roman" panose="02020603050405020304" pitchFamily="18" charset="0"/>
-              <a:cs typeface="Times New Roman" panose="02020603050405020304" pitchFamily="18" charset="0"/>
-            </a:endParaRPr>
-          </a:p>
-        </p:txBody>
-      </p:sp>
-      <p:sp>
-        <p:nvSpPr>
-          <p:cNvPr id="23" name="TextBox 22">
-            <a:extLst>
-              <a:ext uri="{FF2B5EF4-FFF2-40B4-BE49-F238E27FC236}">
-                <a16:creationId xmlns:a16="http://schemas.microsoft.com/office/drawing/2014/main" id="{F50A01D2-ED40-4D50-8413-F6F6D2F515C6}"/>
-              </a:ext>
-            </a:extLst>
-          </p:cNvPr>
-          <p:cNvSpPr txBox="1"/>
-          <p:nvPr/>
-        </p:nvSpPr>
-        <p:spPr>
-          <a:xfrm>
-            <a:off x="3977049" y="5252263"/>
-            <a:ext cx="2492990" cy="307777"/>
-          </a:xfrm>
-          <a:prstGeom prst="rect">
-            <a:avLst/>
-          </a:prstGeom>
-          <a:noFill/>
-        </p:spPr>
-        <p:txBody>
-          <a:bodyPr wrap="none" rtlCol="0">
-            <a:spAutoFit/>
-          </a:bodyPr>
-          <a:lstStyle/>
-          <a:p>
-            <a:r>
-              <a:rPr lang="en-US" altLang="ko-KR" sz="1400" dirty="0">
-                <a:latin typeface="Times New Roman" panose="02020603050405020304" pitchFamily="18" charset="0"/>
-                <a:cs typeface="Times New Roman" panose="02020603050405020304" pitchFamily="18" charset="0"/>
-              </a:rPr>
-              <a:t>Rule = Machine learning Model</a:t>
-            </a:r>
-          </a:p>
-        </p:txBody>
-      </p:sp>
+      </p:pic>
     </p:spTree>
     <p:extLst>
       <p:ext uri="{BB962C8B-B14F-4D97-AF65-F5344CB8AC3E}">
-        <p14:creationId xmlns:p14="http://schemas.microsoft.com/office/powerpoint/2010/main" val="1853385374"/>
+        <p14:creationId xmlns:p14="http://schemas.microsoft.com/office/powerpoint/2010/main" val="1593737743"/>
       </p:ext>
     </p:extLst>
   </p:cSld>
